--- a/poster/poster.pptx
+++ b/poster/poster.pptx
@@ -2990,8 +2990,8 @@
         </p:nvSpPr>
         <p:spPr>
           <a:xfrm>
-            <a:off x="8175809" y="7433138"/>
-            <a:ext cx="13382181" cy="3416320"/>
+            <a:off x="10587187" y="8248923"/>
+            <a:ext cx="11016822" cy="3416320"/>
           </a:xfrm>
           <a:prstGeom prst="rect">
             <a:avLst/>
@@ -3011,7 +3011,10 @@
               <a:buFont typeface="Arial Unicode MS" panose="020B0604020202020204" pitchFamily="34" charset="-128"/>
               <a:buChar char="▶"/>
             </a:pPr>
-            <a:endParaRPr lang="en-CA" sz="3600" dirty="0"/>
+            <a:r>
+              <a:rPr lang="en-CA" sz="3600" dirty="0"/>
+              <a:t>Built a tree using Wikipedia’s Category data.</a:t>
+            </a:r>
           </a:p>
           <a:p>
             <a:pPr marL="685800" indent="-685800" algn="just">
@@ -3023,20 +3026,7 @@
             </a:pPr>
             <a:r>
               <a:rPr lang="en-CA" sz="3600" dirty="0"/>
-              <a:t>Built a tree using Wikipedia’s Category data.</a:t>
-            </a:r>
-          </a:p>
-          <a:p>
-            <a:pPr marL="685800" indent="-685800" algn="just">
-              <a:buClr>
-                <a:schemeClr val="accent4"/>
-              </a:buClr>
-              <a:buFont typeface="Arial Unicode MS" panose="020B0604020202020204" pitchFamily="34" charset="-128"/>
-              <a:buChar char="▶"/>
-            </a:pPr>
-            <a:r>
-              <a:rPr lang="en-CA" sz="3600" dirty="0"/>
-              <a:t>A total of 1.15 million nodes with a maximum depth of 18.</a:t>
+              <a:t>1.15 million nodes with a maximum depth of 18.</a:t>
             </a:r>
           </a:p>
           <a:p>
@@ -3430,7 +3420,7 @@
         </p:nvSpPr>
         <p:spPr bwMode="auto">
           <a:xfrm>
-            <a:off x="8221827" y="11097742"/>
+            <a:off x="8221827" y="11759499"/>
             <a:ext cx="13382182" cy="914400"/>
           </a:xfrm>
           <a:prstGeom prst="rect">
@@ -3484,7 +3474,7 @@
         </p:nvSpPr>
         <p:spPr bwMode="auto">
           <a:xfrm>
-            <a:off x="7906869" y="16823392"/>
+            <a:off x="8221827" y="17593967"/>
             <a:ext cx="13382182" cy="914400"/>
           </a:xfrm>
           <a:prstGeom prst="rect">
@@ -3538,7 +3528,7 @@
         </p:nvSpPr>
         <p:spPr bwMode="auto">
           <a:xfrm>
-            <a:off x="22287713" y="12488025"/>
+            <a:off x="22287713" y="13511744"/>
             <a:ext cx="9812539" cy="914400"/>
           </a:xfrm>
           <a:prstGeom prst="rect">
@@ -3613,23 +3603,7 @@
             </a:pPr>
             <a:r>
               <a:rPr lang="en-CA" sz="3600" dirty="0"/>
-              <a:t>There are lots of apps which recommend </a:t>
-            </a:r>
-            <a:r>
-              <a:rPr lang="en-CA" sz="3600" b="1" dirty="0"/>
-              <a:t>establishments</a:t>
-            </a:r>
-            <a:r>
-              <a:rPr lang="en-CA" sz="3600" dirty="0"/>
-              <a:t>, particularly </a:t>
-            </a:r>
-            <a:r>
-              <a:rPr lang="en-CA" sz="3600" b="1" dirty="0"/>
-              <a:t>restaurants</a:t>
-            </a:r>
-            <a:r>
-              <a:rPr lang="en-CA" sz="3600" dirty="0"/>
-              <a:t>. i.e. Yelp, Foursquare, etc.</a:t>
+              <a:t>There are lots of apps which recommend establishments, particularly restaurants. i.e. Yelp, Foursquare, etc.</a:t>
             </a:r>
           </a:p>
           <a:p>
@@ -3642,15 +3616,7 @@
             </a:pPr>
             <a:r>
               <a:rPr lang="en-CA" sz="3600" dirty="0"/>
-              <a:t>Market gap in recommending </a:t>
-            </a:r>
-            <a:r>
-              <a:rPr lang="en-CA" sz="3600" b="1" dirty="0"/>
-              <a:t>activities</a:t>
-            </a:r>
-            <a:r>
-              <a:rPr lang="en-CA" sz="3600" dirty="0"/>
-              <a:t>.</a:t>
+              <a:t>Market gap in recommending activities.</a:t>
             </a:r>
           </a:p>
           <a:p>
@@ -3742,7 +3708,7 @@
         </p:nvSpPr>
         <p:spPr>
           <a:xfrm>
-            <a:off x="833763" y="6444298"/>
+            <a:off x="840487" y="6584784"/>
             <a:ext cx="6704360" cy="5632311"/>
           </a:xfrm>
           <a:prstGeom prst="rect">
@@ -3756,14 +3722,42 @@
           </a:bodyPr>
           <a:lstStyle/>
           <a:p>
-            <a:pPr algn="just">
+            <a:pPr marL="571500" indent="-571500">
               <a:buClr>
                 <a:schemeClr val="accent4"/>
               </a:buClr>
+              <a:buFont typeface="Arial Unicode MS" panose="020B0604020202020204" pitchFamily="34" charset="-128"/>
+              <a:buChar char="▶"/>
             </a:pPr>
             <a:r>
               <a:rPr lang="en-CA" sz="3600" dirty="0"/>
-              <a:t>Our goal with this project was to create a recommendation system which can help users answer this question. Using social and classification data we built a relationship graph for a set of activities. This graph was then used to generate activity recommendations based on a user’s current favorite activities.</a:t>
+              <a:t>Goal: Create a personalized activity recommendation system.</a:t>
+            </a:r>
+          </a:p>
+          <a:p>
+            <a:pPr marL="571500" indent="-571500">
+              <a:buClr>
+                <a:schemeClr val="accent4"/>
+              </a:buClr>
+              <a:buFont typeface="Arial Unicode MS" panose="020B0604020202020204" pitchFamily="34" charset="-128"/>
+              <a:buChar char="▶"/>
+            </a:pPr>
+            <a:r>
+              <a:rPr lang="en-CA" sz="3600" dirty="0"/>
+              <a:t>We used social and classification data we to build a relationship graph for activities.</a:t>
+            </a:r>
+          </a:p>
+          <a:p>
+            <a:pPr marL="571500" indent="-571500">
+              <a:buClr>
+                <a:schemeClr val="accent4"/>
+              </a:buClr>
+              <a:buFont typeface="Arial Unicode MS" panose="020B0604020202020204" pitchFamily="34" charset="-128"/>
+              <a:buChar char="▶"/>
+            </a:pPr>
+            <a:r>
+              <a:rPr lang="en-CA" sz="3600" dirty="0"/>
+              <a:t>Using this graph we can recommend activities for users given their current favorite activities.</a:t>
             </a:r>
           </a:p>
         </p:txBody>
@@ -3779,6 +3773,15 @@
         <p:blipFill>
           <a:blip r:embed="rId3">
             <a:extLst>
+              <a:ext uri="{BEBA8EAE-BF5A-486C-A8C5-ECC9F3942E4B}">
+                <a14:imgProps xmlns:a14="http://schemas.microsoft.com/office/drawing/2010/main">
+                  <a14:imgLayer r:embed="rId4">
+                    <a14:imgEffect>
+                      <a14:colorTemperature colorTemp="4700"/>
+                    </a14:imgEffect>
+                  </a14:imgLayer>
+                </a14:imgProps>
+              </a:ext>
               <a:ext uri="{28A0092B-C50C-407E-A947-70E740481C1C}">
                 <a14:useLocalDpi xmlns:a14="http://schemas.microsoft.com/office/drawing/2010/main" val="0"/>
               </a:ext>
@@ -3791,8 +3794,8 @@
         </p:blipFill>
         <p:spPr bwMode="auto">
           <a:xfrm>
-            <a:off x="19948080" y="4939742"/>
-            <a:ext cx="1636805" cy="1330712"/>
+            <a:off x="8289863" y="5895534"/>
+            <a:ext cx="1535428" cy="1248293"/>
           </a:xfrm>
           <a:prstGeom prst="rect">
             <a:avLst/>
@@ -3818,7 +3821,7 @@
           <p:nvPr/>
         </p:nvPicPr>
         <p:blipFill>
-          <a:blip r:embed="rId4">
+          <a:blip r:embed="rId5">
             <a:extLst>
               <a:ext uri="{28A0092B-C50C-407E-A947-70E740481C1C}">
                 <a14:useLocalDpi xmlns:a14="http://schemas.microsoft.com/office/drawing/2010/main" val="0"/>
@@ -3832,7 +3835,7 @@
         </p:blipFill>
         <p:spPr bwMode="auto">
           <a:xfrm>
-            <a:off x="19907738" y="7609142"/>
+            <a:off x="8188486" y="8860902"/>
             <a:ext cx="1636805" cy="1493840"/>
           </a:xfrm>
           <a:prstGeom prst="rect">
@@ -3858,8 +3861,8 @@
         </p:nvSpPr>
         <p:spPr>
           <a:xfrm>
-            <a:off x="8175809" y="4939742"/>
-            <a:ext cx="11772271" cy="3416320"/>
+            <a:off x="10577030" y="5056357"/>
+            <a:ext cx="11026979" cy="2862322"/>
           </a:xfrm>
           <a:prstGeom prst="rect">
             <a:avLst/>
@@ -3880,7 +3883,7 @@
             </a:pPr>
             <a:r>
               <a:rPr lang="en-CA" sz="3600" dirty="0"/>
-              <a:t>Uniformly sampled 10 million Tweets across 50,000 users.</a:t>
+              <a:t>Sample 10 million tweets across 50,000 users.</a:t>
             </a:r>
           </a:p>
           <a:p>
@@ -3893,7 +3896,7 @@
             </a:pPr>
             <a:r>
               <a:rPr lang="en-CA" sz="3600" dirty="0"/>
-              <a:t>The latest activity tweeted is a user’s primary activity, secondary activities are those mentioned in older tweets.</a:t>
+              <a:t>Newest tweeted is a user’s primary activity, secondary activities are those mentioned in older tweets.</a:t>
             </a:r>
           </a:p>
           <a:p>
@@ -3906,7 +3909,7 @@
             </a:pPr>
             <a:r>
               <a:rPr lang="en-CA" sz="3600" dirty="0"/>
-              <a:t>Extracted activities using fuzzy string matching.</a:t>
+              <a:t>Extracted activities using approximate string matching.</a:t>
             </a:r>
           </a:p>
           <a:p>
@@ -3922,827 +3925,50 @@
               <a:t>Yields directed relationships between activities.</a:t>
             </a:r>
           </a:p>
-          <a:p>
-            <a:pPr marL="685800" indent="-685800" algn="just">
+        </p:txBody>
+      </p:sp>
+      <p:sp>
+        <p:nvSpPr>
+          <p:cNvPr id="26" name="Rectangle 25"/>
+          <p:cNvSpPr/>
+          <p:nvPr/>
+        </p:nvSpPr>
+        <p:spPr>
+          <a:xfrm>
+            <a:off x="8221827" y="12816402"/>
+            <a:ext cx="11040038" cy="646331"/>
+          </a:xfrm>
+          <a:prstGeom prst="rect">
+            <a:avLst/>
+          </a:prstGeom>
+        </p:spPr>
+        <p:txBody>
+          <a:bodyPr wrap="square">
+            <a:spAutoFit/>
+          </a:bodyPr>
+          <a:lstStyle/>
+          <a:p>
+            <a:pPr marL="685800" lvl="0" indent="-685800" algn="just">
               <a:buClr>
-                <a:schemeClr val="accent4"/>
+                <a:srgbClr val="FF6A19"/>
               </a:buClr>
               <a:buFont typeface="Arial Unicode MS" panose="020B0604020202020204" pitchFamily="34" charset="-128"/>
               <a:buChar char="▶"/>
             </a:pPr>
-            <a:endParaRPr lang="en-CA" sz="3600" dirty="0"/>
-          </a:p>
-        </p:txBody>
-      </p:sp>
-      <mc:AlternateContent xmlns:mc="http://schemas.openxmlformats.org/markup-compatibility/2006" xmlns:a14="http://schemas.microsoft.com/office/drawing/2010/main">
-        <mc:Choice Requires="a14">
-          <p:sp>
-            <p:nvSpPr>
-              <p:cNvPr id="26" name="Rectangle 25"/>
-              <p:cNvSpPr/>
-              <p:nvPr/>
-            </p:nvSpPr>
-            <p:spPr>
-              <a:xfrm>
-                <a:off x="8216561" y="12264371"/>
-                <a:ext cx="11040038" cy="4471096"/>
-              </a:xfrm>
-              <a:prstGeom prst="rect">
-                <a:avLst/>
-              </a:prstGeom>
-            </p:spPr>
-            <p:txBody>
-              <a:bodyPr wrap="square">
-                <a:spAutoFit/>
-              </a:bodyPr>
-              <a:lstStyle/>
-              <a:p>
-                <a:pPr marL="685800" lvl="0" indent="-685800" algn="just">
-                  <a:buClr>
-                    <a:srgbClr val="FF6A19"/>
-                  </a:buClr>
-                  <a:buFont typeface="Arial Unicode MS" panose="020B0604020202020204" pitchFamily="34" charset="-128"/>
-                  <a:buChar char="▶"/>
-                </a:pPr>
-                <a:r>
-                  <a:rPr lang="en-CA" sz="3600" dirty="0">
-                    <a:solidFill>
-                      <a:prstClr val="black"/>
-                    </a:solidFill>
-                  </a:rPr>
-                  <a:t>Fully connected graph with 100 activity nodes.</a:t>
-                </a:r>
-                <a:endParaRPr lang="en-CA" sz="3600" b="0" i="1" dirty="0">
-                  <a:latin typeface="Cambria Math" panose="02040503050406030204" pitchFamily="18" charset="0"/>
-                </a:endParaRPr>
-              </a:p>
-              <a:p>
-                <a:pPr>
-                  <a:buClr>
-                    <a:schemeClr val="accent4"/>
-                  </a:buClr>
-                </a:pPr>
-                <a14:m>
-                  <m:oMathPara xmlns:m="http://schemas.openxmlformats.org/officeDocument/2006/math">
-                    <m:oMathParaPr>
-                      <m:jc m:val="centerGroup"/>
-                    </m:oMathParaPr>
-                    <m:oMath xmlns:m="http://schemas.openxmlformats.org/officeDocument/2006/math">
-                      <m:sSub>
-                        <m:sSubPr>
-                          <m:ctrlPr>
-                            <a:rPr lang="en-CA" sz="3600" b="0" i="1" smtClean="0">
-                              <a:latin typeface="Cambria Math" panose="02040503050406030204" pitchFamily="18" charset="0"/>
-                            </a:rPr>
-                          </m:ctrlPr>
-                        </m:sSubPr>
-                        <m:e>
-                          <m:r>
-                            <a:rPr lang="en-CA" sz="3600" b="0" i="1" smtClean="0">
-                              <a:latin typeface="Cambria Math" panose="02040503050406030204" pitchFamily="18" charset="0"/>
-                            </a:rPr>
-                            <m:t>𝑤</m:t>
-                          </m:r>
-                        </m:e>
-                        <m:sub>
-                          <m:r>
-                            <a:rPr lang="en-CA" sz="3600" b="0" i="1" smtClean="0">
-                              <a:latin typeface="Cambria Math" panose="02040503050406030204" pitchFamily="18" charset="0"/>
-                            </a:rPr>
-                            <m:t>𝑇𝑤𝑖𝑡𝑡𝑒𝑟</m:t>
-                          </m:r>
-                        </m:sub>
-                      </m:sSub>
-                      <m:d>
-                        <m:dPr>
-                          <m:ctrlPr>
-                            <a:rPr lang="en-CA" sz="3600" b="0" i="1" smtClean="0">
-                              <a:latin typeface="Cambria Math" panose="02040503050406030204" pitchFamily="18" charset="0"/>
-                            </a:rPr>
-                          </m:ctrlPr>
-                        </m:dPr>
-                        <m:e>
-                          <m:sSub>
-                            <m:sSubPr>
-                              <m:ctrlPr>
-                                <a:rPr lang="en-CA" sz="3600" b="0" i="1" smtClean="0">
-                                  <a:latin typeface="Cambria Math" panose="02040503050406030204" pitchFamily="18" charset="0"/>
-                                </a:rPr>
-                              </m:ctrlPr>
-                            </m:sSubPr>
-                            <m:e>
-                              <m:r>
-                                <a:rPr lang="en-CA" sz="3600" b="0" i="1" smtClean="0">
-                                  <a:latin typeface="Cambria Math" panose="02040503050406030204" pitchFamily="18" charset="0"/>
-                                </a:rPr>
-                                <m:t>𝑎</m:t>
-                              </m:r>
-                            </m:e>
-                            <m:sub>
-                              <m:r>
-                                <a:rPr lang="en-CA" sz="3600" b="0" i="1" smtClean="0">
-                                  <a:latin typeface="Cambria Math" panose="02040503050406030204" pitchFamily="18" charset="0"/>
-                                </a:rPr>
-                                <m:t>𝑖</m:t>
-                              </m:r>
-                            </m:sub>
-                          </m:sSub>
-                          <m:r>
-                            <a:rPr lang="en-CA" sz="3600" b="0" i="1" smtClean="0">
-                              <a:latin typeface="Cambria Math" panose="02040503050406030204" pitchFamily="18" charset="0"/>
-                            </a:rPr>
-                            <m:t>|</m:t>
-                          </m:r>
-                          <m:sSub>
-                            <m:sSubPr>
-                              <m:ctrlPr>
-                                <a:rPr lang="en-CA" sz="3600" b="0" i="1" smtClean="0">
-                                  <a:latin typeface="Cambria Math" panose="02040503050406030204" pitchFamily="18" charset="0"/>
-                                </a:rPr>
-                              </m:ctrlPr>
-                            </m:sSubPr>
-                            <m:e>
-                              <m:r>
-                                <a:rPr lang="en-CA" sz="3600" b="0" i="1" smtClean="0">
-                                  <a:latin typeface="Cambria Math" panose="02040503050406030204" pitchFamily="18" charset="0"/>
-                                </a:rPr>
-                                <m:t>𝑎</m:t>
-                              </m:r>
-                            </m:e>
-                            <m:sub>
-                              <m:r>
-                                <a:rPr lang="en-CA" sz="3600" b="0" i="1" smtClean="0">
-                                  <a:latin typeface="Cambria Math" panose="02040503050406030204" pitchFamily="18" charset="0"/>
-                                </a:rPr>
-                                <m:t>𝑗</m:t>
-                              </m:r>
-                            </m:sub>
-                          </m:sSub>
-                        </m:e>
-                      </m:d>
-                      <m:r>
-                        <a:rPr lang="en-CA" sz="3600" b="0" i="1" smtClean="0">
-                          <a:latin typeface="Cambria Math" panose="02040503050406030204" pitchFamily="18" charset="0"/>
-                        </a:rPr>
-                        <m:t>=</m:t>
-                      </m:r>
-                      <m:f>
-                        <m:fPr>
-                          <m:ctrlPr>
-                            <a:rPr lang="en-CA" sz="3600" b="0" i="1" smtClean="0">
-                              <a:latin typeface="Cambria Math" panose="02040503050406030204" pitchFamily="18" charset="0"/>
-                              <a:ea typeface="Cambria Math" panose="02040503050406030204" pitchFamily="18" charset="0"/>
-                            </a:rPr>
-                          </m:ctrlPr>
-                        </m:fPr>
-                        <m:num>
-                          <m:nary>
-                            <m:naryPr>
-                              <m:chr m:val="∑"/>
-                              <m:supHide m:val="on"/>
-                              <m:ctrlPr>
-                                <a:rPr lang="en-CA" sz="3600" b="0" i="1" smtClean="0">
-                                  <a:latin typeface="Cambria Math" panose="02040503050406030204" pitchFamily="18" charset="0"/>
-                                  <a:ea typeface="Cambria Math" panose="02040503050406030204" pitchFamily="18" charset="0"/>
-                                </a:rPr>
-                              </m:ctrlPr>
-                            </m:naryPr>
-                            <m:sub>
-                              <m:sSub>
-                                <m:sSubPr>
-                                  <m:ctrlPr>
-                                    <a:rPr lang="en-CA" sz="3600" b="0" i="1" smtClean="0">
-                                      <a:latin typeface="Cambria Math" panose="02040503050406030204" pitchFamily="18" charset="0"/>
-                                      <a:ea typeface="Cambria Math" panose="02040503050406030204" pitchFamily="18" charset="0"/>
-                                    </a:rPr>
-                                  </m:ctrlPr>
-                                </m:sSubPr>
-                                <m:e>
-                                  <m:r>
-                                    <a:rPr lang="en-CA" sz="3600" b="0" i="1" smtClean="0">
-                                      <a:latin typeface="Cambria Math" panose="02040503050406030204" pitchFamily="18" charset="0"/>
-                                      <a:ea typeface="Cambria Math" panose="02040503050406030204" pitchFamily="18" charset="0"/>
-                                    </a:rPr>
-                                    <m:t>𝑢</m:t>
-                                  </m:r>
-                                </m:e>
-                                <m:sub>
-                                  <m:r>
-                                    <a:rPr lang="en-CA" sz="3600" b="0" i="1" smtClean="0">
-                                      <a:latin typeface="Cambria Math" panose="02040503050406030204" pitchFamily="18" charset="0"/>
-                                      <a:ea typeface="Cambria Math" panose="02040503050406030204" pitchFamily="18" charset="0"/>
-                                    </a:rPr>
-                                    <m:t>𝑗</m:t>
-                                  </m:r>
-                                </m:sub>
-                              </m:sSub>
-                            </m:sub>
-                            <m:sup/>
-                            <m:e>
-                              <m:sSub>
-                                <m:sSubPr>
-                                  <m:ctrlPr>
-                                    <a:rPr lang="en-CA" sz="3600" i="1">
-                                      <a:latin typeface="Cambria Math" panose="02040503050406030204" pitchFamily="18" charset="0"/>
-                                      <a:ea typeface="Cambria Math" panose="02040503050406030204" pitchFamily="18" charset="0"/>
-                                    </a:rPr>
-                                  </m:ctrlPr>
-                                </m:sSubPr>
-                                <m:e>
-                                  <m:r>
-                                    <a:rPr lang="en-CA" sz="3600" i="1">
-                                      <a:latin typeface="Cambria Math" panose="02040503050406030204" pitchFamily="18" charset="0"/>
-                                      <a:ea typeface="Cambria Math" panose="02040503050406030204" pitchFamily="18" charset="0"/>
-                                    </a:rPr>
-                                    <m:t>𝕝</m:t>
-                                  </m:r>
-                                </m:e>
-                                <m:sub>
-                                  <m:d>
-                                    <m:dPr>
-                                      <m:begChr m:val="{"/>
-                                      <m:endChr m:val="}"/>
-                                      <m:ctrlPr>
-                                        <a:rPr lang="en-CA" sz="3600" i="1">
-                                          <a:latin typeface="Cambria Math" panose="02040503050406030204" pitchFamily="18" charset="0"/>
-                                          <a:ea typeface="Cambria Math" panose="02040503050406030204" pitchFamily="18" charset="0"/>
-                                        </a:rPr>
-                                      </m:ctrlPr>
-                                    </m:dPr>
-                                    <m:e>
-                                      <m:sSub>
-                                        <m:sSubPr>
-                                          <m:ctrlPr>
-                                            <a:rPr lang="en-CA" sz="3600" b="0" i="1" smtClean="0">
-                                              <a:latin typeface="Cambria Math" panose="02040503050406030204" pitchFamily="18" charset="0"/>
-                                              <a:ea typeface="Cambria Math" panose="02040503050406030204" pitchFamily="18" charset="0"/>
-                                            </a:rPr>
-                                          </m:ctrlPr>
-                                        </m:sSubPr>
-                                        <m:e>
-                                          <m:r>
-                                            <a:rPr lang="en-CA" sz="3600" b="0" i="1" smtClean="0">
-                                              <a:latin typeface="Cambria Math" panose="02040503050406030204" pitchFamily="18" charset="0"/>
-                                              <a:ea typeface="Cambria Math" panose="02040503050406030204" pitchFamily="18" charset="0"/>
-                                            </a:rPr>
-                                            <m:t>𝑎</m:t>
-                                          </m:r>
-                                        </m:e>
-                                        <m:sub>
-                                          <m:r>
-                                            <a:rPr lang="en-CA" sz="3600" b="0" i="1" smtClean="0">
-                                              <a:latin typeface="Cambria Math" panose="02040503050406030204" pitchFamily="18" charset="0"/>
-                                              <a:ea typeface="Cambria Math" panose="02040503050406030204" pitchFamily="18" charset="0"/>
-                                            </a:rPr>
-                                            <m:t>𝑖</m:t>
-                                          </m:r>
-                                        </m:sub>
-                                      </m:sSub>
-                                      <m:r>
-                                        <a:rPr lang="en-CA" sz="3600" b="0" i="1" smtClean="0">
-                                          <a:latin typeface="Cambria Math" panose="02040503050406030204" pitchFamily="18" charset="0"/>
-                                          <a:ea typeface="Cambria Math" panose="02040503050406030204" pitchFamily="18" charset="0"/>
-                                        </a:rPr>
-                                        <m:t>∈</m:t>
-                                      </m:r>
-                                      <m:sSub>
-                                        <m:sSubPr>
-                                          <m:ctrlPr>
-                                            <a:rPr lang="en-CA" sz="3600" b="0" i="1" smtClean="0">
-                                              <a:latin typeface="Cambria Math" panose="02040503050406030204" pitchFamily="18" charset="0"/>
-                                              <a:ea typeface="Cambria Math" panose="02040503050406030204" pitchFamily="18" charset="0"/>
-                                            </a:rPr>
-                                          </m:ctrlPr>
-                                        </m:sSubPr>
-                                        <m:e>
-                                          <m:r>
-                                            <a:rPr lang="en-CA" sz="3600" b="0" i="1" smtClean="0">
-                                              <a:latin typeface="Cambria Math" panose="02040503050406030204" pitchFamily="18" charset="0"/>
-                                              <a:ea typeface="Cambria Math" panose="02040503050406030204" pitchFamily="18" charset="0"/>
-                                            </a:rPr>
-                                            <m:t>𝑢</m:t>
-                                          </m:r>
-                                        </m:e>
-                                        <m:sub>
-                                          <m:r>
-                                            <a:rPr lang="en-CA" sz="3600" b="0" i="1" smtClean="0">
-                                              <a:latin typeface="Cambria Math" panose="02040503050406030204" pitchFamily="18" charset="0"/>
-                                              <a:ea typeface="Cambria Math" panose="02040503050406030204" pitchFamily="18" charset="0"/>
-                                            </a:rPr>
-                                            <m:t>𝑗</m:t>
-                                          </m:r>
-                                        </m:sub>
-                                      </m:sSub>
-                                    </m:e>
-                                  </m:d>
-                                </m:sub>
-                              </m:sSub>
-                            </m:e>
-                          </m:nary>
-                        </m:num>
-                        <m:den>
-                          <m:nary>
-                            <m:naryPr>
-                              <m:chr m:val="∑"/>
-                              <m:supHide m:val="on"/>
-                              <m:ctrlPr>
-                                <a:rPr lang="en-CA" sz="3600" b="0" i="1" smtClean="0">
-                                  <a:latin typeface="Cambria Math" panose="02040503050406030204" pitchFamily="18" charset="0"/>
-                                  <a:ea typeface="Cambria Math" panose="02040503050406030204" pitchFamily="18" charset="0"/>
-                                </a:rPr>
-                              </m:ctrlPr>
-                            </m:naryPr>
-                            <m:sub>
-                              <m:r>
-                                <m:rPr>
-                                  <m:brk m:alnAt="7"/>
-                                </m:rPr>
-                                <a:rPr lang="en-CA" sz="3600" b="0" i="1" smtClean="0">
-                                  <a:latin typeface="Cambria Math" panose="02040503050406030204" pitchFamily="18" charset="0"/>
-                                  <a:ea typeface="Cambria Math" panose="02040503050406030204" pitchFamily="18" charset="0"/>
-                                </a:rPr>
-                                <m:t>𝑖</m:t>
-                              </m:r>
-                            </m:sub>
-                            <m:sup/>
-                            <m:e>
-                              <m:nary>
-                                <m:naryPr>
-                                  <m:chr m:val="∑"/>
-                                  <m:supHide m:val="on"/>
-                                  <m:ctrlPr>
-                                    <a:rPr lang="en-CA" sz="3600" i="1">
-                                      <a:latin typeface="Cambria Math" panose="02040503050406030204" pitchFamily="18" charset="0"/>
-                                      <a:ea typeface="Cambria Math" panose="02040503050406030204" pitchFamily="18" charset="0"/>
-                                    </a:rPr>
-                                  </m:ctrlPr>
-                                </m:naryPr>
-                                <m:sub>
-                                  <m:sSub>
-                                    <m:sSubPr>
-                                      <m:ctrlPr>
-                                        <a:rPr lang="en-CA" sz="3600" i="1">
-                                          <a:latin typeface="Cambria Math" panose="02040503050406030204" pitchFamily="18" charset="0"/>
-                                          <a:ea typeface="Cambria Math" panose="02040503050406030204" pitchFamily="18" charset="0"/>
-                                        </a:rPr>
-                                      </m:ctrlPr>
-                                    </m:sSubPr>
-                                    <m:e>
-                                      <m:r>
-                                        <a:rPr lang="en-CA" sz="3600" i="1">
-                                          <a:latin typeface="Cambria Math" panose="02040503050406030204" pitchFamily="18" charset="0"/>
-                                          <a:ea typeface="Cambria Math" panose="02040503050406030204" pitchFamily="18" charset="0"/>
-                                        </a:rPr>
-                                        <m:t>𝑢</m:t>
-                                      </m:r>
-                                    </m:e>
-                                    <m:sub>
-                                      <m:r>
-                                        <a:rPr lang="en-CA" sz="3600" i="1">
-                                          <a:latin typeface="Cambria Math" panose="02040503050406030204" pitchFamily="18" charset="0"/>
-                                          <a:ea typeface="Cambria Math" panose="02040503050406030204" pitchFamily="18" charset="0"/>
-                                        </a:rPr>
-                                        <m:t>𝑗</m:t>
-                                      </m:r>
-                                    </m:sub>
-                                  </m:sSub>
-                                </m:sub>
-                                <m:sup/>
-                                <m:e>
-                                  <m:sSub>
-                                    <m:sSubPr>
-                                      <m:ctrlPr>
-                                        <a:rPr lang="en-CA" sz="3600" i="1">
-                                          <a:latin typeface="Cambria Math" panose="02040503050406030204" pitchFamily="18" charset="0"/>
-                                          <a:ea typeface="Cambria Math" panose="02040503050406030204" pitchFamily="18" charset="0"/>
-                                        </a:rPr>
-                                      </m:ctrlPr>
-                                    </m:sSubPr>
-                                    <m:e>
-                                      <m:r>
-                                        <a:rPr lang="en-CA" sz="3600" i="1">
-                                          <a:latin typeface="Cambria Math" panose="02040503050406030204" pitchFamily="18" charset="0"/>
-                                          <a:ea typeface="Cambria Math" panose="02040503050406030204" pitchFamily="18" charset="0"/>
-                                        </a:rPr>
-                                        <m:t>𝕝</m:t>
-                                      </m:r>
-                                    </m:e>
-                                    <m:sub>
-                                      <m:d>
-                                        <m:dPr>
-                                          <m:begChr m:val="{"/>
-                                          <m:endChr m:val="}"/>
-                                          <m:ctrlPr>
-                                            <a:rPr lang="en-CA" sz="3600" i="1">
-                                              <a:latin typeface="Cambria Math" panose="02040503050406030204" pitchFamily="18" charset="0"/>
-                                              <a:ea typeface="Cambria Math" panose="02040503050406030204" pitchFamily="18" charset="0"/>
-                                            </a:rPr>
-                                          </m:ctrlPr>
-                                        </m:dPr>
-                                        <m:e>
-                                          <m:sSub>
-                                            <m:sSubPr>
-                                              <m:ctrlPr>
-                                                <a:rPr lang="en-CA" sz="3600" i="1">
-                                                  <a:latin typeface="Cambria Math" panose="02040503050406030204" pitchFamily="18" charset="0"/>
-                                                  <a:ea typeface="Cambria Math" panose="02040503050406030204" pitchFamily="18" charset="0"/>
-                                                </a:rPr>
-                                              </m:ctrlPr>
-                                            </m:sSubPr>
-                                            <m:e>
-                                              <m:r>
-                                                <a:rPr lang="en-CA" sz="3600" i="1">
-                                                  <a:latin typeface="Cambria Math" panose="02040503050406030204" pitchFamily="18" charset="0"/>
-                                                  <a:ea typeface="Cambria Math" panose="02040503050406030204" pitchFamily="18" charset="0"/>
-                                                </a:rPr>
-                                                <m:t>𝑎</m:t>
-                                              </m:r>
-                                            </m:e>
-                                            <m:sub>
-                                              <m:r>
-                                                <a:rPr lang="en-CA" sz="3600" i="1">
-                                                  <a:latin typeface="Cambria Math" panose="02040503050406030204" pitchFamily="18" charset="0"/>
-                                                  <a:ea typeface="Cambria Math" panose="02040503050406030204" pitchFamily="18" charset="0"/>
-                                                </a:rPr>
-                                                <m:t>𝑖</m:t>
-                                              </m:r>
-                                            </m:sub>
-                                          </m:sSub>
-                                          <m:r>
-                                            <a:rPr lang="en-CA" sz="3600" i="1">
-                                              <a:latin typeface="Cambria Math" panose="02040503050406030204" pitchFamily="18" charset="0"/>
-                                              <a:ea typeface="Cambria Math" panose="02040503050406030204" pitchFamily="18" charset="0"/>
-                                            </a:rPr>
-                                            <m:t>∈</m:t>
-                                          </m:r>
-                                          <m:sSub>
-                                            <m:sSubPr>
-                                              <m:ctrlPr>
-                                                <a:rPr lang="en-CA" sz="3600" i="1">
-                                                  <a:latin typeface="Cambria Math" panose="02040503050406030204" pitchFamily="18" charset="0"/>
-                                                  <a:ea typeface="Cambria Math" panose="02040503050406030204" pitchFamily="18" charset="0"/>
-                                                </a:rPr>
-                                              </m:ctrlPr>
-                                            </m:sSubPr>
-                                            <m:e>
-                                              <m:r>
-                                                <a:rPr lang="en-CA" sz="3600" i="1">
-                                                  <a:latin typeface="Cambria Math" panose="02040503050406030204" pitchFamily="18" charset="0"/>
-                                                  <a:ea typeface="Cambria Math" panose="02040503050406030204" pitchFamily="18" charset="0"/>
-                                                </a:rPr>
-                                                <m:t>𝑢</m:t>
-                                              </m:r>
-                                            </m:e>
-                                            <m:sub>
-                                              <m:r>
-                                                <a:rPr lang="en-CA" sz="3600" i="1">
-                                                  <a:latin typeface="Cambria Math" panose="02040503050406030204" pitchFamily="18" charset="0"/>
-                                                  <a:ea typeface="Cambria Math" panose="02040503050406030204" pitchFamily="18" charset="0"/>
-                                                </a:rPr>
-                                                <m:t>𝑗</m:t>
-                                              </m:r>
-                                            </m:sub>
-                                          </m:sSub>
-                                        </m:e>
-                                      </m:d>
-                                    </m:sub>
-                                  </m:sSub>
-                                </m:e>
-                              </m:nary>
-                            </m:e>
-                          </m:nary>
-                        </m:den>
-                      </m:f>
-                    </m:oMath>
-                  </m:oMathPara>
-                </a14:m>
-                <a:endParaRPr lang="en-CA" sz="3600" dirty="0"/>
-              </a:p>
-              <a:p>
-                <a:pPr>
-                  <a:buClr>
-                    <a:schemeClr val="accent4"/>
-                  </a:buClr>
-                </a:pPr>
-                <a:endParaRPr lang="en-CA" sz="3600" dirty="0"/>
-              </a:p>
-              <a:p>
-                <a:pPr>
-                  <a:buClr>
-                    <a:schemeClr val="accent4"/>
-                  </a:buClr>
-                </a:pPr>
-                <a14:m>
-                  <m:oMathPara xmlns:m="http://schemas.openxmlformats.org/officeDocument/2006/math">
-                    <m:oMathParaPr>
-                      <m:jc m:val="centerGroup"/>
-                    </m:oMathParaPr>
-                    <m:oMath xmlns:m="http://schemas.openxmlformats.org/officeDocument/2006/math">
-                      <m:sSub>
-                        <m:sSubPr>
-                          <m:ctrlPr>
-                            <a:rPr lang="en-CA" sz="3600" b="0" i="1" smtClean="0">
-                              <a:latin typeface="Cambria Math" panose="02040503050406030204" pitchFamily="18" charset="0"/>
-                            </a:rPr>
-                          </m:ctrlPr>
-                        </m:sSubPr>
-                        <m:e>
-                          <m:r>
-                            <a:rPr lang="en-CA" sz="3600" b="0" i="1" smtClean="0">
-                              <a:latin typeface="Cambria Math" panose="02040503050406030204" pitchFamily="18" charset="0"/>
-                            </a:rPr>
-                            <m:t>𝑤</m:t>
-                          </m:r>
-                        </m:e>
-                        <m:sub>
-                          <m:r>
-                            <a:rPr lang="en-CA" sz="3600" b="0" i="1" smtClean="0">
-                              <a:latin typeface="Cambria Math" panose="02040503050406030204" pitchFamily="18" charset="0"/>
-                            </a:rPr>
-                            <m:t>𝑊𝑖𝑘𝑖</m:t>
-                          </m:r>
-                        </m:sub>
-                      </m:sSub>
-                      <m:d>
-                        <m:dPr>
-                          <m:ctrlPr>
-                            <a:rPr lang="en-CA" sz="3600" b="0" i="1" smtClean="0">
-                              <a:latin typeface="Cambria Math" panose="02040503050406030204" pitchFamily="18" charset="0"/>
-                            </a:rPr>
-                          </m:ctrlPr>
-                        </m:dPr>
-                        <m:e>
-                          <m:sSub>
-                            <m:sSubPr>
-                              <m:ctrlPr>
-                                <a:rPr lang="en-CA" sz="3600" b="0" i="1" smtClean="0">
-                                  <a:latin typeface="Cambria Math" panose="02040503050406030204" pitchFamily="18" charset="0"/>
-                                </a:rPr>
-                              </m:ctrlPr>
-                            </m:sSubPr>
-                            <m:e>
-                              <m:r>
-                                <a:rPr lang="en-CA" sz="3600" b="0" i="1" smtClean="0">
-                                  <a:latin typeface="Cambria Math" panose="02040503050406030204" pitchFamily="18" charset="0"/>
-                                </a:rPr>
-                                <m:t>𝑎</m:t>
-                              </m:r>
-                            </m:e>
-                            <m:sub>
-                              <m:r>
-                                <a:rPr lang="en-CA" sz="3600" b="0" i="1" smtClean="0">
-                                  <a:latin typeface="Cambria Math" panose="02040503050406030204" pitchFamily="18" charset="0"/>
-                                </a:rPr>
-                                <m:t>𝑖</m:t>
-                              </m:r>
-                            </m:sub>
-                          </m:sSub>
-                          <m:r>
-                            <a:rPr lang="en-CA" sz="3600" b="0" i="1" smtClean="0">
-                              <a:latin typeface="Cambria Math" panose="02040503050406030204" pitchFamily="18" charset="0"/>
-                            </a:rPr>
-                            <m:t>,</m:t>
-                          </m:r>
-                          <m:sSub>
-                            <m:sSubPr>
-                              <m:ctrlPr>
-                                <a:rPr lang="en-CA" sz="3600" b="0" i="1" smtClean="0">
-                                  <a:latin typeface="Cambria Math" panose="02040503050406030204" pitchFamily="18" charset="0"/>
-                                </a:rPr>
-                              </m:ctrlPr>
-                            </m:sSubPr>
-                            <m:e>
-                              <m:r>
-                                <a:rPr lang="en-CA" sz="3600" b="0" i="1" smtClean="0">
-                                  <a:latin typeface="Cambria Math" panose="02040503050406030204" pitchFamily="18" charset="0"/>
-                                </a:rPr>
-                                <m:t>𝑎</m:t>
-                              </m:r>
-                            </m:e>
-                            <m:sub>
-                              <m:r>
-                                <a:rPr lang="en-CA" sz="3600" b="0" i="1" smtClean="0">
-                                  <a:latin typeface="Cambria Math" panose="02040503050406030204" pitchFamily="18" charset="0"/>
-                                </a:rPr>
-                                <m:t>𝑗</m:t>
-                              </m:r>
-                            </m:sub>
-                          </m:sSub>
-                        </m:e>
-                      </m:d>
-                      <m:r>
-                        <a:rPr lang="en-CA" sz="3600" b="0" i="1" smtClean="0">
-                          <a:latin typeface="Cambria Math" panose="02040503050406030204" pitchFamily="18" charset="0"/>
-                        </a:rPr>
-                        <m:t>= …</m:t>
-                      </m:r>
-                    </m:oMath>
-                  </m:oMathPara>
-                </a14:m>
-                <a:endParaRPr lang="en-CA" sz="3600" dirty="0"/>
-              </a:p>
-              <a:p>
-                <a:pPr>
-                  <a:buClr>
-                    <a:schemeClr val="accent4"/>
-                  </a:buClr>
-                </a:pPr>
-                <a:endParaRPr lang="en-CA" sz="3600" dirty="0"/>
-              </a:p>
-              <a:p>
-                <a:pPr>
-                  <a:buClr>
-                    <a:schemeClr val="accent4"/>
-                  </a:buClr>
-                </a:pPr>
-                <a14:m>
-                  <m:oMathPara xmlns:m="http://schemas.openxmlformats.org/officeDocument/2006/math">
-                    <m:oMathParaPr>
-                      <m:jc m:val="centerGroup"/>
-                    </m:oMathParaPr>
-                    <m:oMath xmlns:m="http://schemas.openxmlformats.org/officeDocument/2006/math">
-                      <m:r>
-                        <a:rPr lang="en-CA" sz="3600" b="0" i="1" smtClean="0">
-                          <a:latin typeface="Cambria Math" panose="02040503050406030204" pitchFamily="18" charset="0"/>
-                        </a:rPr>
-                        <m:t>𝑤</m:t>
-                      </m:r>
-                      <m:d>
-                        <m:dPr>
-                          <m:ctrlPr>
-                            <a:rPr lang="en-CA" sz="3600" b="0" i="1" smtClean="0">
-                              <a:latin typeface="Cambria Math" panose="02040503050406030204" pitchFamily="18" charset="0"/>
-                            </a:rPr>
-                          </m:ctrlPr>
-                        </m:dPr>
-                        <m:e>
-                          <m:sSub>
-                            <m:sSubPr>
-                              <m:ctrlPr>
-                                <a:rPr lang="en-CA" sz="3600" b="0" i="1" smtClean="0">
-                                  <a:latin typeface="Cambria Math" panose="02040503050406030204" pitchFamily="18" charset="0"/>
-                                </a:rPr>
-                              </m:ctrlPr>
-                            </m:sSubPr>
-                            <m:e>
-                              <m:r>
-                                <a:rPr lang="en-CA" sz="3600" b="0" i="1" smtClean="0">
-                                  <a:latin typeface="Cambria Math" panose="02040503050406030204" pitchFamily="18" charset="0"/>
-                                </a:rPr>
-                                <m:t>𝑎</m:t>
-                              </m:r>
-                            </m:e>
-                            <m:sub>
-                              <m:r>
-                                <a:rPr lang="en-CA" sz="3600" b="0" i="1" smtClean="0">
-                                  <a:latin typeface="Cambria Math" panose="02040503050406030204" pitchFamily="18" charset="0"/>
-                                </a:rPr>
-                                <m:t>𝑖</m:t>
-                              </m:r>
-                            </m:sub>
-                          </m:sSub>
-                          <m:r>
-                            <a:rPr lang="en-CA" sz="3600" b="0" i="1" smtClean="0">
-                              <a:latin typeface="Cambria Math" panose="02040503050406030204" pitchFamily="18" charset="0"/>
-                            </a:rPr>
-                            <m:t>|</m:t>
-                          </m:r>
-                          <m:sSub>
-                            <m:sSubPr>
-                              <m:ctrlPr>
-                                <a:rPr lang="en-CA" sz="3600" b="0" i="1" smtClean="0">
-                                  <a:latin typeface="Cambria Math" panose="02040503050406030204" pitchFamily="18" charset="0"/>
-                                </a:rPr>
-                              </m:ctrlPr>
-                            </m:sSubPr>
-                            <m:e>
-                              <m:r>
-                                <a:rPr lang="en-CA" sz="3600" b="0" i="1" smtClean="0">
-                                  <a:latin typeface="Cambria Math" panose="02040503050406030204" pitchFamily="18" charset="0"/>
-                                </a:rPr>
-                                <m:t>𝑎</m:t>
-                              </m:r>
-                            </m:e>
-                            <m:sub>
-                              <m:r>
-                                <a:rPr lang="en-CA" sz="3600" b="0" i="1" smtClean="0">
-                                  <a:latin typeface="Cambria Math" panose="02040503050406030204" pitchFamily="18" charset="0"/>
-                                </a:rPr>
-                                <m:t>𝑗</m:t>
-                              </m:r>
-                            </m:sub>
-                          </m:sSub>
-                        </m:e>
-                      </m:d>
-                      <m:r>
-                        <a:rPr lang="en-CA" sz="3600" b="0" i="1" smtClean="0">
-                          <a:latin typeface="Cambria Math" panose="02040503050406030204" pitchFamily="18" charset="0"/>
-                        </a:rPr>
-                        <m:t>=0.75∗</m:t>
-                      </m:r>
-                      <m:sSub>
-                        <m:sSubPr>
-                          <m:ctrlPr>
-                            <a:rPr lang="en-CA" sz="3600" b="0" i="1" smtClean="0">
-                              <a:latin typeface="Cambria Math" panose="02040503050406030204" pitchFamily="18" charset="0"/>
-                            </a:rPr>
-                          </m:ctrlPr>
-                        </m:sSubPr>
-                        <m:e>
-                          <m:r>
-                            <a:rPr lang="en-CA" sz="3600" b="0" i="1" smtClean="0">
-                              <a:latin typeface="Cambria Math" panose="02040503050406030204" pitchFamily="18" charset="0"/>
-                            </a:rPr>
-                            <m:t>𝑤</m:t>
-                          </m:r>
-                        </m:e>
-                        <m:sub>
-                          <m:r>
-                            <a:rPr lang="en-CA" sz="3600" b="0" i="1" smtClean="0">
-                              <a:latin typeface="Cambria Math" panose="02040503050406030204" pitchFamily="18" charset="0"/>
-                            </a:rPr>
-                            <m:t>𝑇</m:t>
-                          </m:r>
-                        </m:sub>
-                      </m:sSub>
-                      <m:r>
-                        <a:rPr lang="en-CA" sz="3600" b="0" i="1" smtClean="0">
-                          <a:latin typeface="Cambria Math" panose="02040503050406030204" pitchFamily="18" charset="0"/>
-                        </a:rPr>
-                        <m:t>+0.25∗</m:t>
-                      </m:r>
-                      <m:sSub>
-                        <m:sSubPr>
-                          <m:ctrlPr>
-                            <a:rPr lang="en-CA" sz="3600" b="0" i="1" smtClean="0">
-                              <a:latin typeface="Cambria Math" panose="02040503050406030204" pitchFamily="18" charset="0"/>
-                            </a:rPr>
-                          </m:ctrlPr>
-                        </m:sSubPr>
-                        <m:e>
-                          <m:r>
-                            <a:rPr lang="en-CA" sz="3600" b="0" i="1" smtClean="0">
-                              <a:latin typeface="Cambria Math" panose="02040503050406030204" pitchFamily="18" charset="0"/>
-                            </a:rPr>
-                            <m:t>𝑤</m:t>
-                          </m:r>
-                        </m:e>
-                        <m:sub>
-                          <m:r>
-                            <a:rPr lang="en-CA" sz="3600" b="0" i="1" smtClean="0">
-                              <a:latin typeface="Cambria Math" panose="02040503050406030204" pitchFamily="18" charset="0"/>
-                            </a:rPr>
-                            <m:t>𝑊</m:t>
-                          </m:r>
-                        </m:sub>
-                      </m:sSub>
-                    </m:oMath>
-                  </m:oMathPara>
-                </a14:m>
-                <a:endParaRPr lang="en-CA" sz="3600" dirty="0"/>
-              </a:p>
-            </p:txBody>
-          </p:sp>
-        </mc:Choice>
-        <mc:Fallback xmlns="">
-          <p:sp>
-            <p:nvSpPr>
-              <p:cNvPr id="26" name="Rectangle 25"/>
-              <p:cNvSpPr>
-                <a:spLocks noRot="1" noChangeAspect="1" noMove="1" noResize="1" noEditPoints="1" noAdjustHandles="1" noChangeArrowheads="1" noChangeShapeType="1" noTextEdit="1"/>
-              </p:cNvSpPr>
-              <p:nvPr/>
-            </p:nvSpPr>
-            <p:spPr>
-              <a:xfrm>
-                <a:off x="8216561" y="12264371"/>
-                <a:ext cx="11040038" cy="4471096"/>
-              </a:xfrm>
-              <a:prstGeom prst="rect">
-                <a:avLst/>
-              </a:prstGeom>
-              <a:blipFill>
-                <a:blip r:embed="rId5"/>
-                <a:stretch>
-                  <a:fillRect l="-1988" t="-3683"/>
-                </a:stretch>
-              </a:blipFill>
-            </p:spPr>
-            <p:txBody>
-              <a:bodyPr/>
-              <a:lstStyle/>
-              <a:p>
-                <a:r>
-                  <a:rPr lang="en-CA">
-                    <a:noFill/>
-                  </a:rPr>
-                  <a:t> </a:t>
-                </a:r>
-              </a:p>
-            </p:txBody>
-          </p:sp>
-        </mc:Fallback>
-      </mc:AlternateContent>
+            <a:r>
+              <a:rPr lang="en-CA" sz="3600" dirty="0">
+                <a:solidFill>
+                  <a:prstClr val="black"/>
+                </a:solidFill>
+              </a:rPr>
+              <a:t>Fully connected graph with 100 activity nodes.</a:t>
+            </a:r>
+            <a:endParaRPr lang="en-CA" sz="3600" b="0" i="1" dirty="0">
+              <a:latin typeface="Cambria Math" panose="02040503050406030204" pitchFamily="18" charset="0"/>
+            </a:endParaRPr>
+          </a:p>
+        </p:txBody>
+      </p:sp>
       <p:grpSp>
         <p:nvGrpSpPr>
           <p:cNvPr id="43" name="Group 42"/>
@@ -4751,7 +3977,7 @@
         </p:nvGrpSpPr>
         <p:grpSpPr>
           <a:xfrm>
-            <a:off x="17521539" y="12488025"/>
+            <a:off x="17672006" y="13171371"/>
             <a:ext cx="3767512" cy="3767828"/>
             <a:chOff x="17521539" y="12488025"/>
             <a:chExt cx="3767512" cy="3767828"/>
@@ -5416,7 +4642,7 @@
         </p:nvSpPr>
         <p:spPr>
           <a:xfrm>
-            <a:off x="8216561" y="18013479"/>
+            <a:off x="8175809" y="18715221"/>
             <a:ext cx="12794680" cy="2308324"/>
           </a:xfrm>
           <a:prstGeom prst="rect">
@@ -5474,13 +4700,13 @@
           <p:nvPr>
             <p:extLst>
               <p:ext uri="{D42A27DB-BD31-4B8C-83A1-F6EECF244321}">
-                <p14:modId xmlns:p14="http://schemas.microsoft.com/office/powerpoint/2010/main" val="1034447541"/>
+                <p14:modId xmlns:p14="http://schemas.microsoft.com/office/powerpoint/2010/main" val="4213945462"/>
               </p:ext>
             </p:extLst>
           </p:nvPr>
         </p:nvGraphicFramePr>
         <p:xfrm>
-          <a:off x="22287712" y="9799609"/>
+          <a:off x="22287712" y="10662979"/>
           <a:ext cx="9812540" cy="2464764"/>
         </p:xfrm>
         <a:graphic>
@@ -5918,6 +5144,1163 @@
           </a:graphicData>
         </a:graphic>
       </p:graphicFrame>
+      <mc:AlternateContent xmlns:mc="http://schemas.openxmlformats.org/markup-compatibility/2006">
+        <mc:Choice xmlns:a14="http://schemas.microsoft.com/office/drawing/2010/main" Requires="a14">
+          <p:sp>
+            <p:nvSpPr>
+              <p:cNvPr id="18" name="Rectangle 17"/>
+              <p:cNvSpPr/>
+              <p:nvPr/>
+            </p:nvSpPr>
+            <p:spPr>
+              <a:xfrm>
+                <a:off x="8861239" y="13493758"/>
+                <a:ext cx="8135880" cy="3917098"/>
+              </a:xfrm>
+              <a:prstGeom prst="rect">
+                <a:avLst/>
+              </a:prstGeom>
+            </p:spPr>
+            <p:txBody>
+              <a:bodyPr wrap="square">
+                <a:spAutoFit/>
+              </a:bodyPr>
+              <a:lstStyle/>
+              <a:p>
+                <a:pPr lvl="0">
+                  <a:buClr>
+                    <a:srgbClr val="FF6A19"/>
+                  </a:buClr>
+                </a:pPr>
+                <a14:m>
+                  <m:oMathPara xmlns:m="http://schemas.openxmlformats.org/officeDocument/2006/math">
+                    <m:oMathParaPr>
+                      <m:jc m:val="centerGroup"/>
+                    </m:oMathParaPr>
+                    <m:oMath xmlns:m="http://schemas.openxmlformats.org/officeDocument/2006/math">
+                      <m:sSub>
+                        <m:sSubPr>
+                          <m:ctrlPr>
+                            <a:rPr lang="en-CA" sz="3600" i="1">
+                              <a:solidFill>
+                                <a:prstClr val="black"/>
+                              </a:solidFill>
+                              <a:latin typeface="Cambria Math" panose="02040503050406030204" pitchFamily="18" charset="0"/>
+                            </a:rPr>
+                          </m:ctrlPr>
+                        </m:sSubPr>
+                        <m:e>
+                          <m:r>
+                            <a:rPr lang="en-CA" sz="3600" i="1">
+                              <a:solidFill>
+                                <a:prstClr val="black"/>
+                              </a:solidFill>
+                              <a:latin typeface="Cambria Math" panose="02040503050406030204" pitchFamily="18" charset="0"/>
+                            </a:rPr>
+                            <m:t>𝑤</m:t>
+                          </m:r>
+                        </m:e>
+                        <m:sub>
+                          <m:r>
+                            <a:rPr lang="en-CA" sz="3600" i="1">
+                              <a:solidFill>
+                                <a:prstClr val="black"/>
+                              </a:solidFill>
+                              <a:latin typeface="Cambria Math" panose="02040503050406030204" pitchFamily="18" charset="0"/>
+                            </a:rPr>
+                            <m:t>𝑇𝑤𝑖𝑡𝑡𝑒𝑟</m:t>
+                          </m:r>
+                        </m:sub>
+                      </m:sSub>
+                      <m:d>
+                        <m:dPr>
+                          <m:ctrlPr>
+                            <a:rPr lang="en-CA" sz="3600" i="1">
+                              <a:solidFill>
+                                <a:prstClr val="black"/>
+                              </a:solidFill>
+                              <a:latin typeface="Cambria Math" panose="02040503050406030204" pitchFamily="18" charset="0"/>
+                            </a:rPr>
+                          </m:ctrlPr>
+                        </m:dPr>
+                        <m:e>
+                          <m:sSub>
+                            <m:sSubPr>
+                              <m:ctrlPr>
+                                <a:rPr lang="en-CA" sz="3600" i="1">
+                                  <a:solidFill>
+                                    <a:prstClr val="black"/>
+                                  </a:solidFill>
+                                  <a:latin typeface="Cambria Math" panose="02040503050406030204" pitchFamily="18" charset="0"/>
+                                </a:rPr>
+                              </m:ctrlPr>
+                            </m:sSubPr>
+                            <m:e>
+                              <m:r>
+                                <a:rPr lang="en-CA" sz="3600" i="1">
+                                  <a:solidFill>
+                                    <a:prstClr val="black"/>
+                                  </a:solidFill>
+                                  <a:latin typeface="Cambria Math" panose="02040503050406030204" pitchFamily="18" charset="0"/>
+                                </a:rPr>
+                                <m:t>𝑎</m:t>
+                              </m:r>
+                            </m:e>
+                            <m:sub>
+                              <m:r>
+                                <a:rPr lang="en-CA" sz="3600" i="1">
+                                  <a:solidFill>
+                                    <a:prstClr val="black"/>
+                                  </a:solidFill>
+                                  <a:latin typeface="Cambria Math" panose="02040503050406030204" pitchFamily="18" charset="0"/>
+                                </a:rPr>
+                                <m:t>𝑖</m:t>
+                              </m:r>
+                            </m:sub>
+                          </m:sSub>
+                          <m:r>
+                            <a:rPr lang="en-CA" sz="3600" i="1">
+                              <a:solidFill>
+                                <a:prstClr val="black"/>
+                              </a:solidFill>
+                              <a:latin typeface="Cambria Math" panose="02040503050406030204" pitchFamily="18" charset="0"/>
+                            </a:rPr>
+                            <m:t>|</m:t>
+                          </m:r>
+                          <m:sSub>
+                            <m:sSubPr>
+                              <m:ctrlPr>
+                                <a:rPr lang="en-CA" sz="3600" i="1">
+                                  <a:solidFill>
+                                    <a:prstClr val="black"/>
+                                  </a:solidFill>
+                                  <a:latin typeface="Cambria Math" panose="02040503050406030204" pitchFamily="18" charset="0"/>
+                                </a:rPr>
+                              </m:ctrlPr>
+                            </m:sSubPr>
+                            <m:e>
+                              <m:r>
+                                <a:rPr lang="en-CA" sz="3600" i="1">
+                                  <a:solidFill>
+                                    <a:prstClr val="black"/>
+                                  </a:solidFill>
+                                  <a:latin typeface="Cambria Math" panose="02040503050406030204" pitchFamily="18" charset="0"/>
+                                </a:rPr>
+                                <m:t>𝑎</m:t>
+                              </m:r>
+                            </m:e>
+                            <m:sub>
+                              <m:r>
+                                <a:rPr lang="en-CA" sz="3600" i="1">
+                                  <a:solidFill>
+                                    <a:prstClr val="black"/>
+                                  </a:solidFill>
+                                  <a:latin typeface="Cambria Math" panose="02040503050406030204" pitchFamily="18" charset="0"/>
+                                </a:rPr>
+                                <m:t>𝑗</m:t>
+                              </m:r>
+                            </m:sub>
+                          </m:sSub>
+                        </m:e>
+                      </m:d>
+                      <m:r>
+                        <a:rPr lang="en-CA" sz="3600" i="1">
+                          <a:solidFill>
+                            <a:prstClr val="black"/>
+                          </a:solidFill>
+                          <a:latin typeface="Cambria Math" panose="02040503050406030204" pitchFamily="18" charset="0"/>
+                        </a:rPr>
+                        <m:t>=</m:t>
+                      </m:r>
+                      <m:f>
+                        <m:fPr>
+                          <m:ctrlPr>
+                            <a:rPr lang="en-CA" sz="3600" i="1">
+                              <a:solidFill>
+                                <a:prstClr val="black"/>
+                              </a:solidFill>
+                              <a:latin typeface="Cambria Math" panose="02040503050406030204" pitchFamily="18" charset="0"/>
+                              <a:ea typeface="Cambria Math" panose="02040503050406030204" pitchFamily="18" charset="0"/>
+                            </a:rPr>
+                          </m:ctrlPr>
+                        </m:fPr>
+                        <m:num>
+                          <m:nary>
+                            <m:naryPr>
+                              <m:chr m:val="∑"/>
+                              <m:supHide m:val="on"/>
+                              <m:ctrlPr>
+                                <a:rPr lang="en-CA" sz="3600" i="1">
+                                  <a:solidFill>
+                                    <a:prstClr val="black"/>
+                                  </a:solidFill>
+                                  <a:latin typeface="Cambria Math" panose="02040503050406030204" pitchFamily="18" charset="0"/>
+                                  <a:ea typeface="Cambria Math" panose="02040503050406030204" pitchFamily="18" charset="0"/>
+                                </a:rPr>
+                              </m:ctrlPr>
+                            </m:naryPr>
+                            <m:sub>
+                              <m:sSub>
+                                <m:sSubPr>
+                                  <m:ctrlPr>
+                                    <a:rPr lang="en-CA" sz="3600" i="1">
+                                      <a:solidFill>
+                                        <a:prstClr val="black"/>
+                                      </a:solidFill>
+                                      <a:latin typeface="Cambria Math" panose="02040503050406030204" pitchFamily="18" charset="0"/>
+                                      <a:ea typeface="Cambria Math" panose="02040503050406030204" pitchFamily="18" charset="0"/>
+                                    </a:rPr>
+                                  </m:ctrlPr>
+                                </m:sSubPr>
+                                <m:e>
+                                  <m:r>
+                                    <a:rPr lang="en-CA" sz="3600" i="1">
+                                      <a:solidFill>
+                                        <a:prstClr val="black"/>
+                                      </a:solidFill>
+                                      <a:latin typeface="Cambria Math" panose="02040503050406030204" pitchFamily="18" charset="0"/>
+                                      <a:ea typeface="Cambria Math" panose="02040503050406030204" pitchFamily="18" charset="0"/>
+                                    </a:rPr>
+                                    <m:t>𝑢</m:t>
+                                  </m:r>
+                                </m:e>
+                                <m:sub>
+                                  <m:r>
+                                    <a:rPr lang="en-CA" sz="3600" i="1">
+                                      <a:solidFill>
+                                        <a:prstClr val="black"/>
+                                      </a:solidFill>
+                                      <a:latin typeface="Cambria Math" panose="02040503050406030204" pitchFamily="18" charset="0"/>
+                                      <a:ea typeface="Cambria Math" panose="02040503050406030204" pitchFamily="18" charset="0"/>
+                                    </a:rPr>
+                                    <m:t>𝑗</m:t>
+                                  </m:r>
+                                </m:sub>
+                              </m:sSub>
+                            </m:sub>
+                            <m:sup/>
+                            <m:e>
+                              <m:sSub>
+                                <m:sSubPr>
+                                  <m:ctrlPr>
+                                    <a:rPr lang="en-CA" sz="3600" i="1">
+                                      <a:solidFill>
+                                        <a:prstClr val="black"/>
+                                      </a:solidFill>
+                                      <a:latin typeface="Cambria Math" panose="02040503050406030204" pitchFamily="18" charset="0"/>
+                                      <a:ea typeface="Cambria Math" panose="02040503050406030204" pitchFamily="18" charset="0"/>
+                                    </a:rPr>
+                                  </m:ctrlPr>
+                                </m:sSubPr>
+                                <m:e>
+                                  <m:r>
+                                    <a:rPr lang="en-CA" sz="3600" i="1">
+                                      <a:solidFill>
+                                        <a:prstClr val="black"/>
+                                      </a:solidFill>
+                                      <a:latin typeface="Cambria Math" panose="02040503050406030204" pitchFamily="18" charset="0"/>
+                                      <a:ea typeface="Cambria Math" panose="02040503050406030204" pitchFamily="18" charset="0"/>
+                                    </a:rPr>
+                                    <m:t>𝕝</m:t>
+                                  </m:r>
+                                </m:e>
+                                <m:sub>
+                                  <m:d>
+                                    <m:dPr>
+                                      <m:begChr m:val="{"/>
+                                      <m:endChr m:val="}"/>
+                                      <m:ctrlPr>
+                                        <a:rPr lang="en-CA" sz="3600" i="1">
+                                          <a:solidFill>
+                                            <a:prstClr val="black"/>
+                                          </a:solidFill>
+                                          <a:latin typeface="Cambria Math" panose="02040503050406030204" pitchFamily="18" charset="0"/>
+                                          <a:ea typeface="Cambria Math" panose="02040503050406030204" pitchFamily="18" charset="0"/>
+                                        </a:rPr>
+                                      </m:ctrlPr>
+                                    </m:dPr>
+                                    <m:e>
+                                      <m:sSub>
+                                        <m:sSubPr>
+                                          <m:ctrlPr>
+                                            <a:rPr lang="en-CA" sz="3600" i="1">
+                                              <a:solidFill>
+                                                <a:prstClr val="black"/>
+                                              </a:solidFill>
+                                              <a:latin typeface="Cambria Math" panose="02040503050406030204" pitchFamily="18" charset="0"/>
+                                              <a:ea typeface="Cambria Math" panose="02040503050406030204" pitchFamily="18" charset="0"/>
+                                            </a:rPr>
+                                          </m:ctrlPr>
+                                        </m:sSubPr>
+                                        <m:e>
+                                          <m:r>
+                                            <a:rPr lang="en-CA" sz="3600" i="1">
+                                              <a:solidFill>
+                                                <a:prstClr val="black"/>
+                                              </a:solidFill>
+                                              <a:latin typeface="Cambria Math" panose="02040503050406030204" pitchFamily="18" charset="0"/>
+                                              <a:ea typeface="Cambria Math" panose="02040503050406030204" pitchFamily="18" charset="0"/>
+                                            </a:rPr>
+                                            <m:t>𝑎</m:t>
+                                          </m:r>
+                                        </m:e>
+                                        <m:sub>
+                                          <m:r>
+                                            <a:rPr lang="en-CA" sz="3600" i="1">
+                                              <a:solidFill>
+                                                <a:prstClr val="black"/>
+                                              </a:solidFill>
+                                              <a:latin typeface="Cambria Math" panose="02040503050406030204" pitchFamily="18" charset="0"/>
+                                              <a:ea typeface="Cambria Math" panose="02040503050406030204" pitchFamily="18" charset="0"/>
+                                            </a:rPr>
+                                            <m:t>𝑖</m:t>
+                                          </m:r>
+                                        </m:sub>
+                                      </m:sSub>
+                                      <m:r>
+                                        <a:rPr lang="en-CA" sz="3600" i="1">
+                                          <a:solidFill>
+                                            <a:prstClr val="black"/>
+                                          </a:solidFill>
+                                          <a:latin typeface="Cambria Math" panose="02040503050406030204" pitchFamily="18" charset="0"/>
+                                          <a:ea typeface="Cambria Math" panose="02040503050406030204" pitchFamily="18" charset="0"/>
+                                        </a:rPr>
+                                        <m:t>∈</m:t>
+                                      </m:r>
+                                      <m:sSub>
+                                        <m:sSubPr>
+                                          <m:ctrlPr>
+                                            <a:rPr lang="en-CA" sz="3600" i="1">
+                                              <a:solidFill>
+                                                <a:prstClr val="black"/>
+                                              </a:solidFill>
+                                              <a:latin typeface="Cambria Math" panose="02040503050406030204" pitchFamily="18" charset="0"/>
+                                              <a:ea typeface="Cambria Math" panose="02040503050406030204" pitchFamily="18" charset="0"/>
+                                            </a:rPr>
+                                          </m:ctrlPr>
+                                        </m:sSubPr>
+                                        <m:e>
+                                          <m:r>
+                                            <a:rPr lang="en-CA" sz="3600" i="1">
+                                              <a:solidFill>
+                                                <a:prstClr val="black"/>
+                                              </a:solidFill>
+                                              <a:latin typeface="Cambria Math" panose="02040503050406030204" pitchFamily="18" charset="0"/>
+                                              <a:ea typeface="Cambria Math" panose="02040503050406030204" pitchFamily="18" charset="0"/>
+                                            </a:rPr>
+                                            <m:t>𝑢</m:t>
+                                          </m:r>
+                                        </m:e>
+                                        <m:sub>
+                                          <m:r>
+                                            <a:rPr lang="en-CA" sz="3600" i="1">
+                                              <a:solidFill>
+                                                <a:prstClr val="black"/>
+                                              </a:solidFill>
+                                              <a:latin typeface="Cambria Math" panose="02040503050406030204" pitchFamily="18" charset="0"/>
+                                              <a:ea typeface="Cambria Math" panose="02040503050406030204" pitchFamily="18" charset="0"/>
+                                            </a:rPr>
+                                            <m:t>𝑗</m:t>
+                                          </m:r>
+                                        </m:sub>
+                                      </m:sSub>
+                                    </m:e>
+                                  </m:d>
+                                </m:sub>
+                              </m:sSub>
+                            </m:e>
+                          </m:nary>
+                        </m:num>
+                        <m:den>
+                          <m:nary>
+                            <m:naryPr>
+                              <m:chr m:val="∑"/>
+                              <m:supHide m:val="on"/>
+                              <m:ctrlPr>
+                                <a:rPr lang="en-CA" sz="3600" i="1">
+                                  <a:solidFill>
+                                    <a:prstClr val="black"/>
+                                  </a:solidFill>
+                                  <a:latin typeface="Cambria Math" panose="02040503050406030204" pitchFamily="18" charset="0"/>
+                                  <a:ea typeface="Cambria Math" panose="02040503050406030204" pitchFamily="18" charset="0"/>
+                                </a:rPr>
+                              </m:ctrlPr>
+                            </m:naryPr>
+                            <m:sub>
+                              <m:r>
+                                <m:rPr>
+                                  <m:brk m:alnAt="7"/>
+                                </m:rPr>
+                                <a:rPr lang="en-CA" sz="3600" i="1">
+                                  <a:solidFill>
+                                    <a:prstClr val="black"/>
+                                  </a:solidFill>
+                                  <a:latin typeface="Cambria Math" panose="02040503050406030204" pitchFamily="18" charset="0"/>
+                                  <a:ea typeface="Cambria Math" panose="02040503050406030204" pitchFamily="18" charset="0"/>
+                                </a:rPr>
+                                <m:t>𝑖</m:t>
+                              </m:r>
+                            </m:sub>
+                            <m:sup/>
+                            <m:e>
+                              <m:nary>
+                                <m:naryPr>
+                                  <m:chr m:val="∑"/>
+                                  <m:supHide m:val="on"/>
+                                  <m:ctrlPr>
+                                    <a:rPr lang="en-CA" sz="3600" i="1">
+                                      <a:solidFill>
+                                        <a:prstClr val="black"/>
+                                      </a:solidFill>
+                                      <a:latin typeface="Cambria Math" panose="02040503050406030204" pitchFamily="18" charset="0"/>
+                                      <a:ea typeface="Cambria Math" panose="02040503050406030204" pitchFamily="18" charset="0"/>
+                                    </a:rPr>
+                                  </m:ctrlPr>
+                                </m:naryPr>
+                                <m:sub>
+                                  <m:sSub>
+                                    <m:sSubPr>
+                                      <m:ctrlPr>
+                                        <a:rPr lang="en-CA" sz="3600" i="1">
+                                          <a:solidFill>
+                                            <a:prstClr val="black"/>
+                                          </a:solidFill>
+                                          <a:latin typeface="Cambria Math" panose="02040503050406030204" pitchFamily="18" charset="0"/>
+                                          <a:ea typeface="Cambria Math" panose="02040503050406030204" pitchFamily="18" charset="0"/>
+                                        </a:rPr>
+                                      </m:ctrlPr>
+                                    </m:sSubPr>
+                                    <m:e>
+                                      <m:r>
+                                        <a:rPr lang="en-CA" sz="3600" i="1">
+                                          <a:solidFill>
+                                            <a:prstClr val="black"/>
+                                          </a:solidFill>
+                                          <a:latin typeface="Cambria Math" panose="02040503050406030204" pitchFamily="18" charset="0"/>
+                                          <a:ea typeface="Cambria Math" panose="02040503050406030204" pitchFamily="18" charset="0"/>
+                                        </a:rPr>
+                                        <m:t>𝑢</m:t>
+                                      </m:r>
+                                    </m:e>
+                                    <m:sub>
+                                      <m:r>
+                                        <a:rPr lang="en-CA" sz="3600" i="1">
+                                          <a:solidFill>
+                                            <a:prstClr val="black"/>
+                                          </a:solidFill>
+                                          <a:latin typeface="Cambria Math" panose="02040503050406030204" pitchFamily="18" charset="0"/>
+                                          <a:ea typeface="Cambria Math" panose="02040503050406030204" pitchFamily="18" charset="0"/>
+                                        </a:rPr>
+                                        <m:t>𝑗</m:t>
+                                      </m:r>
+                                    </m:sub>
+                                  </m:sSub>
+                                </m:sub>
+                                <m:sup/>
+                                <m:e>
+                                  <m:sSub>
+                                    <m:sSubPr>
+                                      <m:ctrlPr>
+                                        <a:rPr lang="en-CA" sz="3600" i="1">
+                                          <a:solidFill>
+                                            <a:prstClr val="black"/>
+                                          </a:solidFill>
+                                          <a:latin typeface="Cambria Math" panose="02040503050406030204" pitchFamily="18" charset="0"/>
+                                          <a:ea typeface="Cambria Math" panose="02040503050406030204" pitchFamily="18" charset="0"/>
+                                        </a:rPr>
+                                      </m:ctrlPr>
+                                    </m:sSubPr>
+                                    <m:e>
+                                      <m:r>
+                                        <a:rPr lang="en-CA" sz="3600" i="1">
+                                          <a:solidFill>
+                                            <a:prstClr val="black"/>
+                                          </a:solidFill>
+                                          <a:latin typeface="Cambria Math" panose="02040503050406030204" pitchFamily="18" charset="0"/>
+                                          <a:ea typeface="Cambria Math" panose="02040503050406030204" pitchFamily="18" charset="0"/>
+                                        </a:rPr>
+                                        <m:t>𝕝</m:t>
+                                      </m:r>
+                                    </m:e>
+                                    <m:sub>
+                                      <m:d>
+                                        <m:dPr>
+                                          <m:begChr m:val="{"/>
+                                          <m:endChr m:val="}"/>
+                                          <m:ctrlPr>
+                                            <a:rPr lang="en-CA" sz="3600" i="1">
+                                              <a:solidFill>
+                                                <a:prstClr val="black"/>
+                                              </a:solidFill>
+                                              <a:latin typeface="Cambria Math" panose="02040503050406030204" pitchFamily="18" charset="0"/>
+                                              <a:ea typeface="Cambria Math" panose="02040503050406030204" pitchFamily="18" charset="0"/>
+                                            </a:rPr>
+                                          </m:ctrlPr>
+                                        </m:dPr>
+                                        <m:e>
+                                          <m:sSub>
+                                            <m:sSubPr>
+                                              <m:ctrlPr>
+                                                <a:rPr lang="en-CA" sz="3600" i="1">
+                                                  <a:solidFill>
+                                                    <a:prstClr val="black"/>
+                                                  </a:solidFill>
+                                                  <a:latin typeface="Cambria Math" panose="02040503050406030204" pitchFamily="18" charset="0"/>
+                                                  <a:ea typeface="Cambria Math" panose="02040503050406030204" pitchFamily="18" charset="0"/>
+                                                </a:rPr>
+                                              </m:ctrlPr>
+                                            </m:sSubPr>
+                                            <m:e>
+                                              <m:r>
+                                                <a:rPr lang="en-CA" sz="3600" i="1">
+                                                  <a:solidFill>
+                                                    <a:prstClr val="black"/>
+                                                  </a:solidFill>
+                                                  <a:latin typeface="Cambria Math" panose="02040503050406030204" pitchFamily="18" charset="0"/>
+                                                  <a:ea typeface="Cambria Math" panose="02040503050406030204" pitchFamily="18" charset="0"/>
+                                                </a:rPr>
+                                                <m:t>𝑎</m:t>
+                                              </m:r>
+                                            </m:e>
+                                            <m:sub>
+                                              <m:r>
+                                                <a:rPr lang="en-CA" sz="3600" i="1">
+                                                  <a:solidFill>
+                                                    <a:prstClr val="black"/>
+                                                  </a:solidFill>
+                                                  <a:latin typeface="Cambria Math" panose="02040503050406030204" pitchFamily="18" charset="0"/>
+                                                  <a:ea typeface="Cambria Math" panose="02040503050406030204" pitchFamily="18" charset="0"/>
+                                                </a:rPr>
+                                                <m:t>𝑖</m:t>
+                                              </m:r>
+                                            </m:sub>
+                                          </m:sSub>
+                                          <m:r>
+                                            <a:rPr lang="en-CA" sz="3600" i="1">
+                                              <a:solidFill>
+                                                <a:prstClr val="black"/>
+                                              </a:solidFill>
+                                              <a:latin typeface="Cambria Math" panose="02040503050406030204" pitchFamily="18" charset="0"/>
+                                              <a:ea typeface="Cambria Math" panose="02040503050406030204" pitchFamily="18" charset="0"/>
+                                            </a:rPr>
+                                            <m:t>∈</m:t>
+                                          </m:r>
+                                          <m:sSub>
+                                            <m:sSubPr>
+                                              <m:ctrlPr>
+                                                <a:rPr lang="en-CA" sz="3600" i="1">
+                                                  <a:solidFill>
+                                                    <a:prstClr val="black"/>
+                                                  </a:solidFill>
+                                                  <a:latin typeface="Cambria Math" panose="02040503050406030204" pitchFamily="18" charset="0"/>
+                                                  <a:ea typeface="Cambria Math" panose="02040503050406030204" pitchFamily="18" charset="0"/>
+                                                </a:rPr>
+                                              </m:ctrlPr>
+                                            </m:sSubPr>
+                                            <m:e>
+                                              <m:r>
+                                                <a:rPr lang="en-CA" sz="3600" i="1">
+                                                  <a:solidFill>
+                                                    <a:prstClr val="black"/>
+                                                  </a:solidFill>
+                                                  <a:latin typeface="Cambria Math" panose="02040503050406030204" pitchFamily="18" charset="0"/>
+                                                  <a:ea typeface="Cambria Math" panose="02040503050406030204" pitchFamily="18" charset="0"/>
+                                                </a:rPr>
+                                                <m:t>𝑢</m:t>
+                                              </m:r>
+                                            </m:e>
+                                            <m:sub>
+                                              <m:r>
+                                                <a:rPr lang="en-CA" sz="3600" i="1">
+                                                  <a:solidFill>
+                                                    <a:prstClr val="black"/>
+                                                  </a:solidFill>
+                                                  <a:latin typeface="Cambria Math" panose="02040503050406030204" pitchFamily="18" charset="0"/>
+                                                  <a:ea typeface="Cambria Math" panose="02040503050406030204" pitchFamily="18" charset="0"/>
+                                                </a:rPr>
+                                                <m:t>𝑗</m:t>
+                                              </m:r>
+                                            </m:sub>
+                                          </m:sSub>
+                                        </m:e>
+                                      </m:d>
+                                    </m:sub>
+                                  </m:sSub>
+                                </m:e>
+                              </m:nary>
+                            </m:e>
+                          </m:nary>
+                        </m:den>
+                      </m:f>
+                    </m:oMath>
+                  </m:oMathPara>
+                </a14:m>
+                <a:endParaRPr lang="en-CA" sz="3600" dirty="0">
+                  <a:solidFill>
+                    <a:prstClr val="black"/>
+                  </a:solidFill>
+                </a:endParaRPr>
+              </a:p>
+              <a:p>
+                <a:pPr lvl="0">
+                  <a:buClr>
+                    <a:srgbClr val="FF6A19"/>
+                  </a:buClr>
+                </a:pPr>
+                <a:endParaRPr lang="en-CA" sz="3600" dirty="0">
+                  <a:solidFill>
+                    <a:prstClr val="black"/>
+                  </a:solidFill>
+                </a:endParaRPr>
+              </a:p>
+              <a:p>
+                <a:pPr lvl="0">
+                  <a:buClr>
+                    <a:srgbClr val="FF6A19"/>
+                  </a:buClr>
+                </a:pPr>
+                <a14:m>
+                  <m:oMathPara xmlns:m="http://schemas.openxmlformats.org/officeDocument/2006/math">
+                    <m:oMathParaPr>
+                      <m:jc m:val="centerGroup"/>
+                    </m:oMathParaPr>
+                    <m:oMath xmlns:m="http://schemas.openxmlformats.org/officeDocument/2006/math">
+                      <m:sSub>
+                        <m:sSubPr>
+                          <m:ctrlPr>
+                            <a:rPr lang="en-CA" sz="3600" i="1">
+                              <a:solidFill>
+                                <a:prstClr val="black"/>
+                              </a:solidFill>
+                              <a:latin typeface="Cambria Math" panose="02040503050406030204" pitchFamily="18" charset="0"/>
+                            </a:rPr>
+                          </m:ctrlPr>
+                        </m:sSubPr>
+                        <m:e>
+                          <m:r>
+                            <a:rPr lang="en-CA" sz="3600" i="1">
+                              <a:solidFill>
+                                <a:prstClr val="black"/>
+                              </a:solidFill>
+                              <a:latin typeface="Cambria Math" panose="02040503050406030204" pitchFamily="18" charset="0"/>
+                            </a:rPr>
+                            <m:t>𝑤</m:t>
+                          </m:r>
+                        </m:e>
+                        <m:sub>
+                          <m:r>
+                            <a:rPr lang="en-CA" sz="3600" i="1">
+                              <a:solidFill>
+                                <a:prstClr val="black"/>
+                              </a:solidFill>
+                              <a:latin typeface="Cambria Math" panose="02040503050406030204" pitchFamily="18" charset="0"/>
+                            </a:rPr>
+                            <m:t>𝑊𝑖𝑘𝑖</m:t>
+                          </m:r>
+                        </m:sub>
+                      </m:sSub>
+                      <m:d>
+                        <m:dPr>
+                          <m:ctrlPr>
+                            <a:rPr lang="en-CA" sz="3600" i="1">
+                              <a:solidFill>
+                                <a:prstClr val="black"/>
+                              </a:solidFill>
+                              <a:latin typeface="Cambria Math" panose="02040503050406030204" pitchFamily="18" charset="0"/>
+                            </a:rPr>
+                          </m:ctrlPr>
+                        </m:dPr>
+                        <m:e>
+                          <m:sSub>
+                            <m:sSubPr>
+                              <m:ctrlPr>
+                                <a:rPr lang="en-CA" sz="3600" i="1">
+                                  <a:solidFill>
+                                    <a:prstClr val="black"/>
+                                  </a:solidFill>
+                                  <a:latin typeface="Cambria Math" panose="02040503050406030204" pitchFamily="18" charset="0"/>
+                                </a:rPr>
+                              </m:ctrlPr>
+                            </m:sSubPr>
+                            <m:e>
+                              <m:r>
+                                <a:rPr lang="en-CA" sz="3600" i="1">
+                                  <a:solidFill>
+                                    <a:prstClr val="black"/>
+                                  </a:solidFill>
+                                  <a:latin typeface="Cambria Math" panose="02040503050406030204" pitchFamily="18" charset="0"/>
+                                </a:rPr>
+                                <m:t>𝑎</m:t>
+                              </m:r>
+                            </m:e>
+                            <m:sub>
+                              <m:r>
+                                <a:rPr lang="en-CA" sz="3600" i="1">
+                                  <a:solidFill>
+                                    <a:prstClr val="black"/>
+                                  </a:solidFill>
+                                  <a:latin typeface="Cambria Math" panose="02040503050406030204" pitchFamily="18" charset="0"/>
+                                </a:rPr>
+                                <m:t>𝑖</m:t>
+                              </m:r>
+                            </m:sub>
+                          </m:sSub>
+                          <m:r>
+                            <a:rPr lang="en-CA" sz="3600" i="1">
+                              <a:solidFill>
+                                <a:prstClr val="black"/>
+                              </a:solidFill>
+                              <a:latin typeface="Cambria Math" panose="02040503050406030204" pitchFamily="18" charset="0"/>
+                            </a:rPr>
+                            <m:t>,</m:t>
+                          </m:r>
+                          <m:sSub>
+                            <m:sSubPr>
+                              <m:ctrlPr>
+                                <a:rPr lang="en-CA" sz="3600" i="1">
+                                  <a:solidFill>
+                                    <a:prstClr val="black"/>
+                                  </a:solidFill>
+                                  <a:latin typeface="Cambria Math" panose="02040503050406030204" pitchFamily="18" charset="0"/>
+                                </a:rPr>
+                              </m:ctrlPr>
+                            </m:sSubPr>
+                            <m:e>
+                              <m:r>
+                                <a:rPr lang="en-CA" sz="3600" i="1">
+                                  <a:solidFill>
+                                    <a:prstClr val="black"/>
+                                  </a:solidFill>
+                                  <a:latin typeface="Cambria Math" panose="02040503050406030204" pitchFamily="18" charset="0"/>
+                                </a:rPr>
+                                <m:t>𝑎</m:t>
+                              </m:r>
+                            </m:e>
+                            <m:sub>
+                              <m:r>
+                                <a:rPr lang="en-CA" sz="3600" i="1">
+                                  <a:solidFill>
+                                    <a:prstClr val="black"/>
+                                  </a:solidFill>
+                                  <a:latin typeface="Cambria Math" panose="02040503050406030204" pitchFamily="18" charset="0"/>
+                                </a:rPr>
+                                <m:t>𝑗</m:t>
+                              </m:r>
+                            </m:sub>
+                          </m:sSub>
+                        </m:e>
+                      </m:d>
+                      <m:r>
+                        <a:rPr lang="en-CA" sz="3600" i="1">
+                          <a:solidFill>
+                            <a:prstClr val="black"/>
+                          </a:solidFill>
+                          <a:latin typeface="Cambria Math" panose="02040503050406030204" pitchFamily="18" charset="0"/>
+                        </a:rPr>
+                        <m:t>= …</m:t>
+                      </m:r>
+                    </m:oMath>
+                  </m:oMathPara>
+                </a14:m>
+                <a:endParaRPr lang="en-CA" sz="3600" dirty="0">
+                  <a:solidFill>
+                    <a:prstClr val="black"/>
+                  </a:solidFill>
+                </a:endParaRPr>
+              </a:p>
+              <a:p>
+                <a:pPr lvl="0">
+                  <a:buClr>
+                    <a:srgbClr val="FF6A19"/>
+                  </a:buClr>
+                </a:pPr>
+                <a:endParaRPr lang="en-CA" sz="3600" dirty="0">
+                  <a:solidFill>
+                    <a:prstClr val="black"/>
+                  </a:solidFill>
+                </a:endParaRPr>
+              </a:p>
+              <a:p>
+                <a:pPr lvl="0">
+                  <a:buClr>
+                    <a:srgbClr val="FF6A19"/>
+                  </a:buClr>
+                </a:pPr>
+                <a14:m>
+                  <m:oMathPara xmlns:m="http://schemas.openxmlformats.org/officeDocument/2006/math">
+                    <m:oMathParaPr>
+                      <m:jc m:val="centerGroup"/>
+                    </m:oMathParaPr>
+                    <m:oMath xmlns:m="http://schemas.openxmlformats.org/officeDocument/2006/math">
+                      <m:r>
+                        <a:rPr lang="en-CA" sz="3600" i="1">
+                          <a:solidFill>
+                            <a:prstClr val="black"/>
+                          </a:solidFill>
+                          <a:latin typeface="Cambria Math" panose="02040503050406030204" pitchFamily="18" charset="0"/>
+                        </a:rPr>
+                        <m:t>𝑤</m:t>
+                      </m:r>
+                      <m:d>
+                        <m:dPr>
+                          <m:ctrlPr>
+                            <a:rPr lang="en-CA" sz="3600" i="1">
+                              <a:solidFill>
+                                <a:prstClr val="black"/>
+                              </a:solidFill>
+                              <a:latin typeface="Cambria Math" panose="02040503050406030204" pitchFamily="18" charset="0"/>
+                            </a:rPr>
+                          </m:ctrlPr>
+                        </m:dPr>
+                        <m:e>
+                          <m:sSub>
+                            <m:sSubPr>
+                              <m:ctrlPr>
+                                <a:rPr lang="en-CA" sz="3600" i="1">
+                                  <a:solidFill>
+                                    <a:prstClr val="black"/>
+                                  </a:solidFill>
+                                  <a:latin typeface="Cambria Math" panose="02040503050406030204" pitchFamily="18" charset="0"/>
+                                </a:rPr>
+                              </m:ctrlPr>
+                            </m:sSubPr>
+                            <m:e>
+                              <m:r>
+                                <a:rPr lang="en-CA" sz="3600" i="1">
+                                  <a:solidFill>
+                                    <a:prstClr val="black"/>
+                                  </a:solidFill>
+                                  <a:latin typeface="Cambria Math" panose="02040503050406030204" pitchFamily="18" charset="0"/>
+                                </a:rPr>
+                                <m:t>𝑎</m:t>
+                              </m:r>
+                            </m:e>
+                            <m:sub>
+                              <m:r>
+                                <a:rPr lang="en-CA" sz="3600" i="1">
+                                  <a:solidFill>
+                                    <a:prstClr val="black"/>
+                                  </a:solidFill>
+                                  <a:latin typeface="Cambria Math" panose="02040503050406030204" pitchFamily="18" charset="0"/>
+                                </a:rPr>
+                                <m:t>𝑖</m:t>
+                              </m:r>
+                            </m:sub>
+                          </m:sSub>
+                          <m:r>
+                            <a:rPr lang="en-CA" sz="3600" i="1">
+                              <a:solidFill>
+                                <a:prstClr val="black"/>
+                              </a:solidFill>
+                              <a:latin typeface="Cambria Math" panose="02040503050406030204" pitchFamily="18" charset="0"/>
+                            </a:rPr>
+                            <m:t>|</m:t>
+                          </m:r>
+                          <m:sSub>
+                            <m:sSubPr>
+                              <m:ctrlPr>
+                                <a:rPr lang="en-CA" sz="3600" i="1">
+                                  <a:solidFill>
+                                    <a:prstClr val="black"/>
+                                  </a:solidFill>
+                                  <a:latin typeface="Cambria Math" panose="02040503050406030204" pitchFamily="18" charset="0"/>
+                                </a:rPr>
+                              </m:ctrlPr>
+                            </m:sSubPr>
+                            <m:e>
+                              <m:r>
+                                <a:rPr lang="en-CA" sz="3600" i="1">
+                                  <a:solidFill>
+                                    <a:prstClr val="black"/>
+                                  </a:solidFill>
+                                  <a:latin typeface="Cambria Math" panose="02040503050406030204" pitchFamily="18" charset="0"/>
+                                </a:rPr>
+                                <m:t>𝑎</m:t>
+                              </m:r>
+                            </m:e>
+                            <m:sub>
+                              <m:r>
+                                <a:rPr lang="en-CA" sz="3600" i="1">
+                                  <a:solidFill>
+                                    <a:prstClr val="black"/>
+                                  </a:solidFill>
+                                  <a:latin typeface="Cambria Math" panose="02040503050406030204" pitchFamily="18" charset="0"/>
+                                </a:rPr>
+                                <m:t>𝑗</m:t>
+                              </m:r>
+                            </m:sub>
+                          </m:sSub>
+                        </m:e>
+                      </m:d>
+                      <m:r>
+                        <a:rPr lang="en-CA" sz="3600" i="1">
+                          <a:solidFill>
+                            <a:prstClr val="black"/>
+                          </a:solidFill>
+                          <a:latin typeface="Cambria Math" panose="02040503050406030204" pitchFamily="18" charset="0"/>
+                        </a:rPr>
+                        <m:t>=</m:t>
+                      </m:r>
+                      <m:r>
+                        <a:rPr lang="en-CA" sz="3600" i="1">
+                          <a:solidFill>
+                            <a:prstClr val="black"/>
+                          </a:solidFill>
+                          <a:latin typeface="Cambria Math" panose="02040503050406030204" pitchFamily="18" charset="0"/>
+                        </a:rPr>
+                        <m:t>𝛼</m:t>
+                      </m:r>
+                      <m:r>
+                        <a:rPr lang="en-CA" sz="3600" i="1">
+                          <a:solidFill>
+                            <a:prstClr val="black"/>
+                          </a:solidFill>
+                          <a:latin typeface="Cambria Math" panose="02040503050406030204" pitchFamily="18" charset="0"/>
+                        </a:rPr>
+                        <m:t>∗</m:t>
+                      </m:r>
+                      <m:sSub>
+                        <m:sSubPr>
+                          <m:ctrlPr>
+                            <a:rPr lang="en-CA" sz="3600" i="1">
+                              <a:solidFill>
+                                <a:prstClr val="black"/>
+                              </a:solidFill>
+                              <a:latin typeface="Cambria Math" panose="02040503050406030204" pitchFamily="18" charset="0"/>
+                            </a:rPr>
+                          </m:ctrlPr>
+                        </m:sSubPr>
+                        <m:e>
+                          <m:r>
+                            <a:rPr lang="en-CA" sz="3600" i="1">
+                              <a:solidFill>
+                                <a:prstClr val="black"/>
+                              </a:solidFill>
+                              <a:latin typeface="Cambria Math" panose="02040503050406030204" pitchFamily="18" charset="0"/>
+                            </a:rPr>
+                            <m:t>𝑤</m:t>
+                          </m:r>
+                        </m:e>
+                        <m:sub>
+                          <m:r>
+                            <a:rPr lang="en-CA" sz="3600" i="1">
+                              <a:solidFill>
+                                <a:prstClr val="black"/>
+                              </a:solidFill>
+                              <a:latin typeface="Cambria Math" panose="02040503050406030204" pitchFamily="18" charset="0"/>
+                            </a:rPr>
+                            <m:t>𝑇</m:t>
+                          </m:r>
+                        </m:sub>
+                      </m:sSub>
+                      <m:r>
+                        <a:rPr lang="en-CA" sz="3600" i="1">
+                          <a:solidFill>
+                            <a:prstClr val="black"/>
+                          </a:solidFill>
+                          <a:latin typeface="Cambria Math" panose="02040503050406030204" pitchFamily="18" charset="0"/>
+                        </a:rPr>
+                        <m:t>+(1−</m:t>
+                      </m:r>
+                      <m:r>
+                        <a:rPr lang="en-CA" sz="3600" i="1">
+                          <a:solidFill>
+                            <a:prstClr val="black"/>
+                          </a:solidFill>
+                          <a:latin typeface="Cambria Math" panose="02040503050406030204" pitchFamily="18" charset="0"/>
+                        </a:rPr>
+                        <m:t>𝛼</m:t>
+                      </m:r>
+                      <m:r>
+                        <a:rPr lang="en-CA" sz="3600" i="1">
+                          <a:solidFill>
+                            <a:prstClr val="black"/>
+                          </a:solidFill>
+                          <a:latin typeface="Cambria Math" panose="02040503050406030204" pitchFamily="18" charset="0"/>
+                        </a:rPr>
+                        <m:t>)∗</m:t>
+                      </m:r>
+                      <m:sSub>
+                        <m:sSubPr>
+                          <m:ctrlPr>
+                            <a:rPr lang="en-CA" sz="3600" i="1">
+                              <a:solidFill>
+                                <a:prstClr val="black"/>
+                              </a:solidFill>
+                              <a:latin typeface="Cambria Math" panose="02040503050406030204" pitchFamily="18" charset="0"/>
+                            </a:rPr>
+                          </m:ctrlPr>
+                        </m:sSubPr>
+                        <m:e>
+                          <m:r>
+                            <a:rPr lang="en-CA" sz="3600" i="1">
+                              <a:solidFill>
+                                <a:prstClr val="black"/>
+                              </a:solidFill>
+                              <a:latin typeface="Cambria Math" panose="02040503050406030204" pitchFamily="18" charset="0"/>
+                            </a:rPr>
+                            <m:t>𝑤</m:t>
+                          </m:r>
+                        </m:e>
+                        <m:sub>
+                          <m:r>
+                            <a:rPr lang="en-CA" sz="3600" i="1">
+                              <a:solidFill>
+                                <a:prstClr val="black"/>
+                              </a:solidFill>
+                              <a:latin typeface="Cambria Math" panose="02040503050406030204" pitchFamily="18" charset="0"/>
+                            </a:rPr>
+                            <m:t>𝑊</m:t>
+                          </m:r>
+                        </m:sub>
+                      </m:sSub>
+                    </m:oMath>
+                  </m:oMathPara>
+                </a14:m>
+                <a:endParaRPr lang="en-CA" dirty="0"/>
+              </a:p>
+            </p:txBody>
+          </p:sp>
+        </mc:Choice>
+        <mc:Fallback>
+          <p:sp>
+            <p:nvSpPr>
+              <p:cNvPr id="18" name="Rectangle 17"/>
+              <p:cNvSpPr>
+                <a:spLocks noRot="1" noChangeAspect="1" noMove="1" noResize="1" noEditPoints="1" noAdjustHandles="1" noChangeArrowheads="1" noChangeShapeType="1" noTextEdit="1"/>
+              </p:cNvSpPr>
+              <p:nvPr/>
+            </p:nvSpPr>
+            <p:spPr>
+              <a:xfrm>
+                <a:off x="8861239" y="13493758"/>
+                <a:ext cx="8135880" cy="3917098"/>
+              </a:xfrm>
+              <a:prstGeom prst="rect">
+                <a:avLst/>
+              </a:prstGeom>
+              <a:blipFill>
+                <a:blip r:embed="rId8"/>
+                <a:stretch>
+                  <a:fillRect/>
+                </a:stretch>
+              </a:blipFill>
+            </p:spPr>
+            <p:txBody>
+              <a:bodyPr/>
+              <a:lstStyle/>
+              <a:p>
+                <a:r>
+                  <a:rPr lang="en-CA">
+                    <a:noFill/>
+                  </a:rPr>
+                  <a:t> </a:t>
+                </a:r>
+              </a:p>
+            </p:txBody>
+          </p:sp>
+        </mc:Fallback>
+      </mc:AlternateContent>
+      <p:sp>
+        <p:nvSpPr>
+          <p:cNvPr id="19" name="Left Brace 18"/>
+          <p:cNvSpPr/>
+          <p:nvPr/>
+        </p:nvSpPr>
+        <p:spPr>
+          <a:xfrm>
+            <a:off x="10207801" y="4951880"/>
+            <a:ext cx="532004" cy="3051193"/>
+          </a:xfrm>
+          <a:prstGeom prst="leftBrace">
+            <a:avLst>
+              <a:gd name="adj1" fmla="val 53471"/>
+              <a:gd name="adj2" fmla="val 50000"/>
+            </a:avLst>
+          </a:prstGeom>
+          <a:ln w="57150"/>
+        </p:spPr>
+        <p:style>
+          <a:lnRef idx="1">
+            <a:schemeClr val="accent1"/>
+          </a:lnRef>
+          <a:fillRef idx="0">
+            <a:schemeClr val="accent1"/>
+          </a:fillRef>
+          <a:effectRef idx="0">
+            <a:schemeClr val="accent1"/>
+          </a:effectRef>
+          <a:fontRef idx="minor">
+            <a:schemeClr val="tx1"/>
+          </a:fontRef>
+        </p:style>
+        <p:txBody>
+          <a:bodyPr rtlCol="0" anchor="ctr"/>
+          <a:lstStyle/>
+          <a:p>
+            <a:pPr algn="ctr"/>
+            <a:endParaRPr lang="en-CA" b="1" dirty="0">
+              <a:effectLst>
+                <a:outerShdw blurRad="50800" dist="38100" dir="2700000" algn="tl" rotWithShape="0">
+                  <a:prstClr val="black">
+                    <a:alpha val="40000"/>
+                  </a:prstClr>
+                </a:outerShdw>
+              </a:effectLst>
+            </a:endParaRPr>
+          </a:p>
+        </p:txBody>
+      </p:sp>
+      <p:sp>
+        <p:nvSpPr>
+          <p:cNvPr id="38" name="Left Brace 37"/>
+          <p:cNvSpPr/>
+          <p:nvPr/>
+        </p:nvSpPr>
+        <p:spPr>
+          <a:xfrm>
+            <a:off x="10217959" y="8125785"/>
+            <a:ext cx="532004" cy="3051193"/>
+          </a:xfrm>
+          <a:prstGeom prst="leftBrace">
+            <a:avLst>
+              <a:gd name="adj1" fmla="val 53471"/>
+              <a:gd name="adj2" fmla="val 50000"/>
+            </a:avLst>
+          </a:prstGeom>
+          <a:ln w="57150"/>
+        </p:spPr>
+        <p:style>
+          <a:lnRef idx="1">
+            <a:schemeClr val="accent1"/>
+          </a:lnRef>
+          <a:fillRef idx="0">
+            <a:schemeClr val="accent1"/>
+          </a:fillRef>
+          <a:effectRef idx="0">
+            <a:schemeClr val="accent1"/>
+          </a:effectRef>
+          <a:fontRef idx="minor">
+            <a:schemeClr val="tx1"/>
+          </a:fontRef>
+        </p:style>
+        <p:txBody>
+          <a:bodyPr rtlCol="0" anchor="ctr"/>
+          <a:lstStyle/>
+          <a:p>
+            <a:pPr algn="ctr"/>
+            <a:endParaRPr lang="en-CA" b="1" dirty="0">
+              <a:effectLst>
+                <a:outerShdw blurRad="50800" dist="38100" dir="2700000" algn="tl" rotWithShape="0">
+                  <a:prstClr val="black">
+                    <a:alpha val="40000"/>
+                  </a:prstClr>
+                </a:outerShdw>
+              </a:effectLst>
+            </a:endParaRPr>
+          </a:p>
+        </p:txBody>
+      </p:sp>
     </p:spTree>
     <p:extLst>
       <p:ext uri="{BB962C8B-B14F-4D97-AF65-F5344CB8AC3E}">

--- a/poster/poster.pptx
+++ b/poster/poster.pptx
@@ -106,7 +106,7 @@
   </p:defaultTextStyle>
   <p:extLst>
     <p:ext uri="{EFAFB233-063F-42B5-8137-9DF3F51BA10A}">
-      <p15:sldGuideLst xmlns:p15="http://schemas.microsoft.com/office/powerpoint/2012/main">
+      <p15:sldGuideLst xmlns:p15="http://schemas.microsoft.com/office/powerpoint/2012/main" xmlns="">
         <p15:guide id="1" orient="horz" pos="6912" userDrawn="1">
           <p15:clr>
             <a:srgbClr val="A4A3A4"/>
@@ -254,7 +254,7 @@
           <a:p>
             <a:fld id="{6B7A1737-7B87-42E8-863A-565794F87A24}" type="datetimeFigureOut">
               <a:rPr lang="en-CA" smtClean="0"/>
-              <a:t>5/19/16</a:t>
+              <a:t>2016-05-20</a:t>
             </a:fld>
             <a:endParaRPr lang="en-CA"/>
           </a:p>
@@ -424,7 +424,7 @@
           <a:p>
             <a:fld id="{6B7A1737-7B87-42E8-863A-565794F87A24}" type="datetimeFigureOut">
               <a:rPr lang="en-CA" smtClean="0"/>
-              <a:t>5/19/16</a:t>
+              <a:t>2016-05-20</a:t>
             </a:fld>
             <a:endParaRPr lang="en-CA"/>
           </a:p>
@@ -604,7 +604,7 @@
           <a:p>
             <a:fld id="{6B7A1737-7B87-42E8-863A-565794F87A24}" type="datetimeFigureOut">
               <a:rPr lang="en-CA" smtClean="0"/>
-              <a:t>5/19/16</a:t>
+              <a:t>2016-05-20</a:t>
             </a:fld>
             <a:endParaRPr lang="en-CA"/>
           </a:p>
@@ -774,7 +774,7 @@
           <a:p>
             <a:fld id="{6B7A1737-7B87-42E8-863A-565794F87A24}" type="datetimeFigureOut">
               <a:rPr lang="en-CA" smtClean="0"/>
-              <a:t>5/19/16</a:t>
+              <a:t>2016-05-20</a:t>
             </a:fld>
             <a:endParaRPr lang="en-CA"/>
           </a:p>
@@ -1018,7 +1018,7 @@
           <a:p>
             <a:fld id="{6B7A1737-7B87-42E8-863A-565794F87A24}" type="datetimeFigureOut">
               <a:rPr lang="en-CA" smtClean="0"/>
-              <a:t>5/19/16</a:t>
+              <a:t>2016-05-20</a:t>
             </a:fld>
             <a:endParaRPr lang="en-CA"/>
           </a:p>
@@ -1250,7 +1250,7 @@
           <a:p>
             <a:fld id="{6B7A1737-7B87-42E8-863A-565794F87A24}" type="datetimeFigureOut">
               <a:rPr lang="en-CA" smtClean="0"/>
-              <a:t>5/19/16</a:t>
+              <a:t>2016-05-20</a:t>
             </a:fld>
             <a:endParaRPr lang="en-CA"/>
           </a:p>
@@ -1617,7 +1617,7 @@
           <a:p>
             <a:fld id="{6B7A1737-7B87-42E8-863A-565794F87A24}" type="datetimeFigureOut">
               <a:rPr lang="en-CA" smtClean="0"/>
-              <a:t>5/19/16</a:t>
+              <a:t>2016-05-20</a:t>
             </a:fld>
             <a:endParaRPr lang="en-CA"/>
           </a:p>
@@ -1735,7 +1735,7 @@
           <a:p>
             <a:fld id="{6B7A1737-7B87-42E8-863A-565794F87A24}" type="datetimeFigureOut">
               <a:rPr lang="en-CA" smtClean="0"/>
-              <a:t>5/19/16</a:t>
+              <a:t>2016-05-20</a:t>
             </a:fld>
             <a:endParaRPr lang="en-CA"/>
           </a:p>
@@ -1830,7 +1830,7 @@
           <a:p>
             <a:fld id="{6B7A1737-7B87-42E8-863A-565794F87A24}" type="datetimeFigureOut">
               <a:rPr lang="en-CA" smtClean="0"/>
-              <a:t>5/19/16</a:t>
+              <a:t>2016-05-20</a:t>
             </a:fld>
             <a:endParaRPr lang="en-CA"/>
           </a:p>
@@ -2107,7 +2107,7 @@
           <a:p>
             <a:fld id="{6B7A1737-7B87-42E8-863A-565794F87A24}" type="datetimeFigureOut">
               <a:rPr lang="en-CA" smtClean="0"/>
-              <a:t>5/19/16</a:t>
+              <a:t>2016-05-20</a:t>
             </a:fld>
             <a:endParaRPr lang="en-CA"/>
           </a:p>
@@ -2364,7 +2364,7 @@
           <a:p>
             <a:fld id="{6B7A1737-7B87-42E8-863A-565794F87A24}" type="datetimeFigureOut">
               <a:rPr lang="en-CA" smtClean="0"/>
-              <a:t>5/19/16</a:t>
+              <a:t>2016-05-20</a:t>
             </a:fld>
             <a:endParaRPr lang="en-CA"/>
           </a:p>
@@ -2577,7 +2577,7 @@
           <a:p>
             <a:fld id="{6B7A1737-7B87-42E8-863A-565794F87A24}" type="datetimeFigureOut">
               <a:rPr lang="en-CA" smtClean="0"/>
-              <a:t>5/19/16</a:t>
+              <a:t>2016-05-20</a:t>
             </a:fld>
             <a:endParaRPr lang="en-CA"/>
           </a:p>
@@ -3227,7 +3227,7 @@
           <p:nvPr/>
         </p:nvPicPr>
         <p:blipFill>
-          <a:blip r:embed="rId2">
+          <a:blip r:embed="rId2" cstate="print">
             <a:extLst>
               <a:ext uri="{28A0092B-C50C-407E-A947-70E740481C1C}">
                 <a14:useLocalDpi xmlns:a14="http://schemas.microsoft.com/office/drawing/2010/main" val="0"/>
@@ -3744,7 +3744,15 @@
             </a:pPr>
             <a:r>
               <a:rPr lang="en-CA" sz="3600" dirty="0"/>
-              <a:t>We used social and classification data we to build a relationship graph for activities.</a:t>
+              <a:t>We used social and classification data </a:t>
+            </a:r>
+            <a:r>
+              <a:rPr lang="en-CA" sz="3600" dirty="0" smtClean="0"/>
+              <a:t>to </a:t>
+            </a:r>
+            <a:r>
+              <a:rPr lang="en-CA" sz="3600" dirty="0"/>
+              <a:t>build a relationship graph for activities.</a:t>
             </a:r>
           </a:p>
           <a:p>
@@ -3771,7 +3779,7 @@
           <p:nvPr/>
         </p:nvPicPr>
         <p:blipFill>
-          <a:blip r:embed="rId3">
+          <a:blip r:embed="rId3" cstate="print">
             <a:extLst>
               <a:ext uri="{BEBA8EAE-BF5A-486C-A8C5-ECC9F3942E4B}">
                 <a14:imgProps xmlns:a14="http://schemas.microsoft.com/office/drawing/2010/main">
@@ -3821,7 +3829,7 @@
           <p:nvPr/>
         </p:nvPicPr>
         <p:blipFill>
-          <a:blip r:embed="rId5">
+          <a:blip r:embed="rId5" cstate="print">
             <a:extLst>
               <a:ext uri="{28A0092B-C50C-407E-A947-70E740481C1C}">
                 <a14:useLocalDpi xmlns:a14="http://schemas.microsoft.com/office/drawing/2010/main" val="0"/>
@@ -3961,7 +3969,23 @@
                   <a:prstClr val="black"/>
                 </a:solidFill>
               </a:rPr>
-              <a:t>Fully connected graph with 100 activity nodes.</a:t>
+              <a:t>Fully connected graph with </a:t>
+            </a:r>
+            <a:r>
+              <a:rPr lang="en-CA" sz="3600" dirty="0" smtClean="0">
+                <a:solidFill>
+                  <a:prstClr val="black"/>
+                </a:solidFill>
+              </a:rPr>
+              <a:t>77 activity </a:t>
+            </a:r>
+            <a:r>
+              <a:rPr lang="en-CA" sz="3600" dirty="0">
+                <a:solidFill>
+                  <a:prstClr val="black"/>
+                </a:solidFill>
+              </a:rPr>
+              <a:t>nodes.</a:t>
             </a:r>
             <a:endParaRPr lang="en-CA" sz="3600" b="0" i="1" dirty="0">
               <a:latin typeface="Cambria Math" panose="02040503050406030204" pitchFamily="18" charset="0"/>
@@ -4668,7 +4692,23 @@
                   <a:prstClr val="black"/>
                 </a:solidFill>
               </a:rPr>
-              <a:t>User provides 5 input activities.</a:t>
+              <a:t>User </a:t>
+            </a:r>
+            <a:r>
+              <a:rPr lang="en-CA" sz="3600" dirty="0" smtClean="0">
+                <a:solidFill>
+                  <a:prstClr val="black"/>
+                </a:solidFill>
+              </a:rPr>
+              <a:t>provides up to </a:t>
+            </a:r>
+            <a:r>
+              <a:rPr lang="en-CA" sz="3600" dirty="0">
+                <a:solidFill>
+                  <a:prstClr val="black"/>
+                </a:solidFill>
+              </a:rPr>
+              <a:t>5 input activities.</a:t>
             </a:r>
             <a:endParaRPr lang="en-CA" sz="3600" i="1" dirty="0"/>
           </a:p>
@@ -4700,7 +4740,7 @@
           <p:nvPr>
             <p:extLst>
               <p:ext uri="{D42A27DB-BD31-4B8C-83A1-F6EECF244321}">
-                <p14:modId xmlns:p14="http://schemas.microsoft.com/office/powerpoint/2010/main" val="4213945462"/>
+                <p14:modId xmlns:p14="http://schemas.microsoft.com/office/powerpoint/2010/main" val="438742233"/>
               </p:ext>
             </p:extLst>
           </p:nvPr>
@@ -4719,28 +4759,28 @@
                 <a:gridCol w="2453135">
                   <a:extLst>
                     <a:ext uri="{9D8B030D-6E8A-4147-A177-3AD203B41FA5}">
-                      <a16:colId xmlns:a16="http://schemas.microsoft.com/office/drawing/2014/main" val="3234236087"/>
+                      <a16:colId xmlns:a16="http://schemas.microsoft.com/office/drawing/2014/main" xmlns="" val="3234236087"/>
                     </a:ext>
                   </a:extLst>
                 </a:gridCol>
                 <a:gridCol w="2453135">
                   <a:extLst>
                     <a:ext uri="{9D8B030D-6E8A-4147-A177-3AD203B41FA5}">
-                      <a16:colId xmlns:a16="http://schemas.microsoft.com/office/drawing/2014/main" val="2361038209"/>
+                      <a16:colId xmlns:a16="http://schemas.microsoft.com/office/drawing/2014/main" xmlns="" val="2361038209"/>
                     </a:ext>
                   </a:extLst>
                 </a:gridCol>
                 <a:gridCol w="2453135">
                   <a:extLst>
                     <a:ext uri="{9D8B030D-6E8A-4147-A177-3AD203B41FA5}">
-                      <a16:colId xmlns:a16="http://schemas.microsoft.com/office/drawing/2014/main" val="600948068"/>
+                      <a16:colId xmlns:a16="http://schemas.microsoft.com/office/drawing/2014/main" xmlns="" val="600948068"/>
                     </a:ext>
                   </a:extLst>
                 </a:gridCol>
                 <a:gridCol w="2453135">
                   <a:extLst>
                     <a:ext uri="{9D8B030D-6E8A-4147-A177-3AD203B41FA5}">
-                      <a16:colId xmlns:a16="http://schemas.microsoft.com/office/drawing/2014/main" val="3971599481"/>
+                      <a16:colId xmlns:a16="http://schemas.microsoft.com/office/drawing/2014/main" xmlns="" val="3971599481"/>
                     </a:ext>
                   </a:extLst>
                 </a:gridCol>
@@ -4813,7 +4853,7 @@
                 </a:tc>
                 <a:extLst>
                   <a:ext uri="{0D108BD9-81ED-4DB2-BD59-A6C34878D82A}">
-                    <a16:rowId xmlns:a16="http://schemas.microsoft.com/office/drawing/2014/main" val="1488854628"/>
+                    <a16:rowId xmlns:a16="http://schemas.microsoft.com/office/drawing/2014/main" xmlns="" val="1488854628"/>
                   </a:ext>
                 </a:extLst>
               </a:tr>
@@ -4916,7 +4956,7 @@
                 </a:tc>
                 <a:extLst>
                   <a:ext uri="{0D108BD9-81ED-4DB2-BD59-A6C34878D82A}">
-                    <a16:rowId xmlns:a16="http://schemas.microsoft.com/office/drawing/2014/main" val="2730295962"/>
+                    <a16:rowId xmlns:a16="http://schemas.microsoft.com/office/drawing/2014/main" xmlns="" val="2730295962"/>
                   </a:ext>
                 </a:extLst>
               </a:tr>
@@ -4976,9 +5016,10 @@
                     <a:p>
                       <a:pPr algn="ctr"/>
                       <a:r>
-                        <a:rPr lang="en-CA" sz="2400" dirty="0"/>
-                        <a:t>0.534</a:t>
+                        <a:rPr lang="en-CA" sz="2400" dirty="0" smtClean="0"/>
+                        <a:t>0.125</a:t>
                       </a:r>
+                      <a:endParaRPr lang="en-CA" sz="2400" dirty="0"/>
                     </a:p>
                   </a:txBody>
                   <a:tcPr marL="53521" marR="53521" marT="26760" marB="26760">
@@ -4999,6 +5040,10 @@
                     <a:lstStyle/>
                     <a:p>
                       <a:pPr algn="ctr"/>
+                      <a:r>
+                        <a:rPr lang="en-CA" sz="2400" dirty="0" smtClean="0"/>
+                        <a:t>0.071</a:t>
+                      </a:r>
                       <a:endParaRPr lang="en-CA" sz="2400" dirty="0"/>
                     </a:p>
                   </a:txBody>
@@ -5016,7 +5061,7 @@
                 </a:tc>
                 <a:extLst>
                   <a:ext uri="{0D108BD9-81ED-4DB2-BD59-A6C34878D82A}">
-                    <a16:rowId xmlns:a16="http://schemas.microsoft.com/office/drawing/2014/main" val="944698896"/>
+                    <a16:rowId xmlns:a16="http://schemas.microsoft.com/office/drawing/2014/main" xmlns="" val="944698896"/>
                   </a:ext>
                 </a:extLst>
               </a:tr>
@@ -5056,9 +5101,10 @@
                     <a:p>
                       <a:pPr algn="ctr"/>
                       <a:r>
-                        <a:rPr lang="en-CA" sz="2400" dirty="0"/>
-                        <a:t>0.278</a:t>
+                        <a:rPr lang="en-CA" sz="2400" dirty="0" smtClean="0"/>
+                        <a:t>0.072</a:t>
                       </a:r>
+                      <a:endParaRPr lang="en-CA" sz="2400" dirty="0"/>
                     </a:p>
                   </a:txBody>
                   <a:tcPr marL="53521" marR="53521" marT="26760" marB="26760"/>
@@ -5069,6 +5115,10 @@
                     <a:lstStyle/>
                     <a:p>
                       <a:pPr algn="ctr"/>
+                      <a:r>
+                        <a:rPr lang="en-CA" sz="2400" dirty="0" smtClean="0"/>
+                        <a:t>0.037</a:t>
+                      </a:r>
                       <a:endParaRPr lang="en-CA" sz="2400" dirty="0"/>
                     </a:p>
                   </a:txBody>
@@ -5076,7 +5126,7 @@
                 </a:tc>
                 <a:extLst>
                   <a:ext uri="{0D108BD9-81ED-4DB2-BD59-A6C34878D82A}">
-                    <a16:rowId xmlns:a16="http://schemas.microsoft.com/office/drawing/2014/main" val="542318825"/>
+                    <a16:rowId xmlns:a16="http://schemas.microsoft.com/office/drawing/2014/main" xmlns="" val="542318825"/>
                   </a:ext>
                 </a:extLst>
               </a:tr>
@@ -5116,9 +5166,10 @@
                     <a:p>
                       <a:pPr algn="ctr"/>
                       <a:r>
-                        <a:rPr lang="en-CA" sz="2400" dirty="0"/>
-                        <a:t>0.168</a:t>
+                        <a:rPr lang="en-CA" sz="2400" dirty="0" smtClean="0"/>
+                        <a:t>0.043</a:t>
                       </a:r>
+                      <a:endParaRPr lang="en-CA" sz="2400" dirty="0"/>
                     </a:p>
                   </a:txBody>
                   <a:tcPr marL="53521" marR="53521" marT="26760" marB="26760"/>
@@ -5129,6 +5180,10 @@
                     <a:lstStyle/>
                     <a:p>
                       <a:pPr algn="ctr"/>
+                      <a:r>
+                        <a:rPr lang="en-CA" sz="2400" dirty="0" smtClean="0"/>
+                        <a:t>0.030</a:t>
+                      </a:r>
                       <a:endParaRPr lang="en-CA" sz="2400" dirty="0"/>
                     </a:p>
                   </a:txBody>
@@ -5136,7 +5191,7 @@
                 </a:tc>
                 <a:extLst>
                   <a:ext uri="{0D108BD9-81ED-4DB2-BD59-A6C34878D82A}">
-                    <a16:rowId xmlns:a16="http://schemas.microsoft.com/office/drawing/2014/main" val="2736929169"/>
+                    <a16:rowId xmlns:a16="http://schemas.microsoft.com/office/drawing/2014/main" xmlns="" val="2736929169"/>
                   </a:ext>
                 </a:extLst>
               </a:tr>
@@ -5155,7 +5210,7 @@
             <p:spPr>
               <a:xfrm>
                 <a:off x="8861239" y="13493758"/>
-                <a:ext cx="8135880" cy="3917098"/>
+                <a:ext cx="8135880" cy="4008533"/>
               </a:xfrm>
               <a:prstGeom prst="rect">
                 <a:avLst/>
@@ -5181,17 +5236,17 @@
                       <m:sSub>
                         <m:sSubPr>
                           <m:ctrlPr>
-                            <a:rPr lang="en-CA" sz="3600" i="1">
+                            <a:rPr lang="en-CA" sz="2800" i="1" smtClean="0">
                               <a:solidFill>
                                 <a:prstClr val="black"/>
                               </a:solidFill>
-                              <a:latin typeface="Cambria Math" panose="02040503050406030204" pitchFamily="18" charset="0"/>
+                              <a:latin typeface="Cambria Math"/>
                             </a:rPr>
                           </m:ctrlPr>
                         </m:sSubPr>
                         <m:e>
                           <m:r>
-                            <a:rPr lang="en-CA" sz="3600" i="1">
+                            <a:rPr lang="en-CA" sz="2800" i="1">
                               <a:solidFill>
                                 <a:prstClr val="black"/>
                               </a:solidFill>
@@ -5202,7 +5257,7 @@
                         </m:e>
                         <m:sub>
                           <m:r>
-                            <a:rPr lang="en-CA" sz="3600" i="1">
+                            <a:rPr lang="en-CA" sz="2800" i="1">
                               <a:solidFill>
                                 <a:prstClr val="black"/>
                               </a:solidFill>
@@ -5215,11 +5270,11 @@
                       <m:d>
                         <m:dPr>
                           <m:ctrlPr>
-                            <a:rPr lang="en-CA" sz="3600" i="1">
+                            <a:rPr lang="en-CA" sz="2800" i="1">
                               <a:solidFill>
                                 <a:prstClr val="black"/>
                               </a:solidFill>
-                              <a:latin typeface="Cambria Math" panose="02040503050406030204" pitchFamily="18" charset="0"/>
+                              <a:latin typeface="Cambria Math"/>
                             </a:rPr>
                           </m:ctrlPr>
                         </m:dPr>
@@ -5227,17 +5282,17 @@
                           <m:sSub>
                             <m:sSubPr>
                               <m:ctrlPr>
-                                <a:rPr lang="en-CA" sz="3600" i="1">
+                                <a:rPr lang="en-CA" sz="2800" i="1">
                                   <a:solidFill>
                                     <a:prstClr val="black"/>
                                   </a:solidFill>
-                                  <a:latin typeface="Cambria Math" panose="02040503050406030204" pitchFamily="18" charset="0"/>
+                                  <a:latin typeface="Cambria Math"/>
                                 </a:rPr>
                               </m:ctrlPr>
                             </m:sSubPr>
                             <m:e>
                               <m:r>
-                                <a:rPr lang="en-CA" sz="3600" i="1">
+                                <a:rPr lang="en-CA" sz="2800" i="1">
                                   <a:solidFill>
                                     <a:prstClr val="black"/>
                                   </a:solidFill>
@@ -5248,7 +5303,7 @@
                             </m:e>
                             <m:sub>
                               <m:r>
-                                <a:rPr lang="en-CA" sz="3600" i="1">
+                                <a:rPr lang="en-CA" sz="2800" i="1">
                                   <a:solidFill>
                                     <a:prstClr val="black"/>
                                   </a:solidFill>
@@ -5259,7 +5314,7 @@
                             </m:sub>
                           </m:sSub>
                           <m:r>
-                            <a:rPr lang="en-CA" sz="3600" i="1">
+                            <a:rPr lang="en-CA" sz="2800" i="1">
                               <a:solidFill>
                                 <a:prstClr val="black"/>
                               </a:solidFill>
@@ -5270,17 +5325,17 @@
                           <m:sSub>
                             <m:sSubPr>
                               <m:ctrlPr>
-                                <a:rPr lang="en-CA" sz="3600" i="1">
+                                <a:rPr lang="en-CA" sz="2800" i="1">
                                   <a:solidFill>
                                     <a:prstClr val="black"/>
                                   </a:solidFill>
-                                  <a:latin typeface="Cambria Math" panose="02040503050406030204" pitchFamily="18" charset="0"/>
+                                  <a:latin typeface="Cambria Math"/>
                                 </a:rPr>
                               </m:ctrlPr>
                             </m:sSubPr>
                             <m:e>
                               <m:r>
-                                <a:rPr lang="en-CA" sz="3600" i="1">
+                                <a:rPr lang="en-CA" sz="2800" i="1">
                                   <a:solidFill>
                                     <a:prstClr val="black"/>
                                   </a:solidFill>
@@ -5291,7 +5346,7 @@
                             </m:e>
                             <m:sub>
                               <m:r>
-                                <a:rPr lang="en-CA" sz="3600" i="1">
+                                <a:rPr lang="en-CA" sz="2800" i="1">
                                   <a:solidFill>
                                     <a:prstClr val="black"/>
                                   </a:solidFill>
@@ -5304,7 +5359,7 @@
                         </m:e>
                       </m:d>
                       <m:r>
-                        <a:rPr lang="en-CA" sz="3600" i="1">
+                        <a:rPr lang="en-CA" sz="2800" i="1">
                           <a:solidFill>
                             <a:prstClr val="black"/>
                           </a:solidFill>
@@ -5315,11 +5370,11 @@
                       <m:f>
                         <m:fPr>
                           <m:ctrlPr>
-                            <a:rPr lang="en-CA" sz="3600" i="1">
+                            <a:rPr lang="en-CA" sz="2800" i="1">
                               <a:solidFill>
                                 <a:prstClr val="black"/>
                               </a:solidFill>
-                              <a:latin typeface="Cambria Math" panose="02040503050406030204" pitchFamily="18" charset="0"/>
+                              <a:latin typeface="Cambria Math"/>
                               <a:ea typeface="Cambria Math" panose="02040503050406030204" pitchFamily="18" charset="0"/>
                             </a:rPr>
                           </m:ctrlPr>
@@ -5330,11 +5385,11 @@
                               <m:chr m:val="∑"/>
                               <m:supHide m:val="on"/>
                               <m:ctrlPr>
-                                <a:rPr lang="en-CA" sz="3600" i="1">
+                                <a:rPr lang="en-CA" sz="2800" i="1">
                                   <a:solidFill>
                                     <a:prstClr val="black"/>
                                   </a:solidFill>
-                                  <a:latin typeface="Cambria Math" panose="02040503050406030204" pitchFamily="18" charset="0"/>
+                                  <a:latin typeface="Cambria Math"/>
                                   <a:ea typeface="Cambria Math" panose="02040503050406030204" pitchFamily="18" charset="0"/>
                                 </a:rPr>
                               </m:ctrlPr>
@@ -5343,18 +5398,18 @@
                               <m:sSub>
                                 <m:sSubPr>
                                   <m:ctrlPr>
-                                    <a:rPr lang="en-CA" sz="3600" i="1">
+                                    <a:rPr lang="en-CA" sz="2800" i="1">
                                       <a:solidFill>
                                         <a:prstClr val="black"/>
                                       </a:solidFill>
-                                      <a:latin typeface="Cambria Math" panose="02040503050406030204" pitchFamily="18" charset="0"/>
+                                      <a:latin typeface="Cambria Math"/>
                                       <a:ea typeface="Cambria Math" panose="02040503050406030204" pitchFamily="18" charset="0"/>
                                     </a:rPr>
                                   </m:ctrlPr>
                                 </m:sSubPr>
                                 <m:e>
                                   <m:r>
-                                    <a:rPr lang="en-CA" sz="3600" i="1">
+                                    <a:rPr lang="en-CA" sz="2800" i="1">
                                       <a:solidFill>
                                         <a:prstClr val="black"/>
                                       </a:solidFill>
@@ -5366,7 +5421,7 @@
                                 </m:e>
                                 <m:sub>
                                   <m:r>
-                                    <a:rPr lang="en-CA" sz="3600" i="1">
+                                    <a:rPr lang="en-CA" sz="2800" i="1">
                                       <a:solidFill>
                                         <a:prstClr val="black"/>
                                       </a:solidFill>
@@ -5383,18 +5438,18 @@
                               <m:sSub>
                                 <m:sSubPr>
                                   <m:ctrlPr>
-                                    <a:rPr lang="en-CA" sz="3600" i="1">
+                                    <a:rPr lang="en-CA" sz="2800" i="1">
                                       <a:solidFill>
                                         <a:prstClr val="black"/>
                                       </a:solidFill>
-                                      <a:latin typeface="Cambria Math" panose="02040503050406030204" pitchFamily="18" charset="0"/>
+                                      <a:latin typeface="Cambria Math"/>
                                       <a:ea typeface="Cambria Math" panose="02040503050406030204" pitchFamily="18" charset="0"/>
                                     </a:rPr>
                                   </m:ctrlPr>
                                 </m:sSubPr>
                                 <m:e>
                                   <m:r>
-                                    <a:rPr lang="en-CA" sz="3600" i="1">
+                                    <a:rPr lang="en-CA" sz="2800" i="1">
                                       <a:solidFill>
                                         <a:prstClr val="black"/>
                                       </a:solidFill>
@@ -5410,11 +5465,11 @@
                                       <m:begChr m:val="{"/>
                                       <m:endChr m:val="}"/>
                                       <m:ctrlPr>
-                                        <a:rPr lang="en-CA" sz="3600" i="1">
+                                        <a:rPr lang="en-CA" sz="2800" i="1">
                                           <a:solidFill>
                                             <a:prstClr val="black"/>
                                           </a:solidFill>
-                                          <a:latin typeface="Cambria Math" panose="02040503050406030204" pitchFamily="18" charset="0"/>
+                                          <a:latin typeface="Cambria Math"/>
                                           <a:ea typeface="Cambria Math" panose="02040503050406030204" pitchFamily="18" charset="0"/>
                                         </a:rPr>
                                       </m:ctrlPr>
@@ -5423,18 +5478,18 @@
                                       <m:sSub>
                                         <m:sSubPr>
                                           <m:ctrlPr>
-                                            <a:rPr lang="en-CA" sz="3600" i="1">
+                                            <a:rPr lang="en-CA" sz="2800" i="1">
                                               <a:solidFill>
                                                 <a:prstClr val="black"/>
                                               </a:solidFill>
-                                              <a:latin typeface="Cambria Math" panose="02040503050406030204" pitchFamily="18" charset="0"/>
+                                              <a:latin typeface="Cambria Math"/>
                                               <a:ea typeface="Cambria Math" panose="02040503050406030204" pitchFamily="18" charset="0"/>
                                             </a:rPr>
                                           </m:ctrlPr>
                                         </m:sSubPr>
                                         <m:e>
                                           <m:r>
-                                            <a:rPr lang="en-CA" sz="3600" i="1">
+                                            <a:rPr lang="en-CA" sz="2800" i="1">
                                               <a:solidFill>
                                                 <a:prstClr val="black"/>
                                               </a:solidFill>
@@ -5446,7 +5501,7 @@
                                         </m:e>
                                         <m:sub>
                                           <m:r>
-                                            <a:rPr lang="en-CA" sz="3600" i="1">
+                                            <a:rPr lang="en-CA" sz="2800" i="1">
                                               <a:solidFill>
                                                 <a:prstClr val="black"/>
                                               </a:solidFill>
@@ -5458,7 +5513,7 @@
                                         </m:sub>
                                       </m:sSub>
                                       <m:r>
-                                        <a:rPr lang="en-CA" sz="3600" i="1">
+                                        <a:rPr lang="en-CA" sz="2800" i="1">
                                           <a:solidFill>
                                             <a:prstClr val="black"/>
                                           </a:solidFill>
@@ -5470,18 +5525,18 @@
                                       <m:sSub>
                                         <m:sSubPr>
                                           <m:ctrlPr>
-                                            <a:rPr lang="en-CA" sz="3600" i="1">
+                                            <a:rPr lang="en-CA" sz="2800" i="1">
                                               <a:solidFill>
                                                 <a:prstClr val="black"/>
                                               </a:solidFill>
-                                              <a:latin typeface="Cambria Math" panose="02040503050406030204" pitchFamily="18" charset="0"/>
+                                              <a:latin typeface="Cambria Math"/>
                                               <a:ea typeface="Cambria Math" panose="02040503050406030204" pitchFamily="18" charset="0"/>
                                             </a:rPr>
                                           </m:ctrlPr>
                                         </m:sSubPr>
                                         <m:e>
                                           <m:r>
-                                            <a:rPr lang="en-CA" sz="3600" i="1">
+                                            <a:rPr lang="en-CA" sz="2800" i="1">
                                               <a:solidFill>
                                                 <a:prstClr val="black"/>
                                               </a:solidFill>
@@ -5493,7 +5548,7 @@
                                         </m:e>
                                         <m:sub>
                                           <m:r>
-                                            <a:rPr lang="en-CA" sz="3600" i="1">
+                                            <a:rPr lang="en-CA" sz="2800" i="1">
                                               <a:solidFill>
                                                 <a:prstClr val="black"/>
                                               </a:solidFill>
@@ -5517,11 +5572,11 @@
                               <m:chr m:val="∑"/>
                               <m:supHide m:val="on"/>
                               <m:ctrlPr>
-                                <a:rPr lang="en-CA" sz="3600" i="1">
+                                <a:rPr lang="en-CA" sz="2800" i="1">
                                   <a:solidFill>
                                     <a:prstClr val="black"/>
                                   </a:solidFill>
-                                  <a:latin typeface="Cambria Math" panose="02040503050406030204" pitchFamily="18" charset="0"/>
+                                  <a:latin typeface="Cambria Math"/>
                                   <a:ea typeface="Cambria Math" panose="02040503050406030204" pitchFamily="18" charset="0"/>
                                 </a:rPr>
                               </m:ctrlPr>
@@ -5531,7 +5586,7 @@
                                 <m:rPr>
                                   <m:brk m:alnAt="7"/>
                                 </m:rPr>
-                                <a:rPr lang="en-CA" sz="3600" i="1">
+                                <a:rPr lang="en-CA" sz="2800" i="1">
                                   <a:solidFill>
                                     <a:prstClr val="black"/>
                                   </a:solidFill>
@@ -5548,11 +5603,11 @@
                                   <m:chr m:val="∑"/>
                                   <m:supHide m:val="on"/>
                                   <m:ctrlPr>
-                                    <a:rPr lang="en-CA" sz="3600" i="1">
+                                    <a:rPr lang="en-CA" sz="2800" i="1">
                                       <a:solidFill>
                                         <a:prstClr val="black"/>
                                       </a:solidFill>
-                                      <a:latin typeface="Cambria Math" panose="02040503050406030204" pitchFamily="18" charset="0"/>
+                                      <a:latin typeface="Cambria Math"/>
                                       <a:ea typeface="Cambria Math" panose="02040503050406030204" pitchFamily="18" charset="0"/>
                                     </a:rPr>
                                   </m:ctrlPr>
@@ -5561,18 +5616,18 @@
                                   <m:sSub>
                                     <m:sSubPr>
                                       <m:ctrlPr>
-                                        <a:rPr lang="en-CA" sz="3600" i="1">
+                                        <a:rPr lang="en-CA" sz="2800" i="1">
                                           <a:solidFill>
                                             <a:prstClr val="black"/>
                                           </a:solidFill>
-                                          <a:latin typeface="Cambria Math" panose="02040503050406030204" pitchFamily="18" charset="0"/>
+                                          <a:latin typeface="Cambria Math"/>
                                           <a:ea typeface="Cambria Math" panose="02040503050406030204" pitchFamily="18" charset="0"/>
                                         </a:rPr>
                                       </m:ctrlPr>
                                     </m:sSubPr>
                                     <m:e>
                                       <m:r>
-                                        <a:rPr lang="en-CA" sz="3600" i="1">
+                                        <a:rPr lang="en-CA" sz="2800" i="1">
                                           <a:solidFill>
                                             <a:prstClr val="black"/>
                                           </a:solidFill>
@@ -5584,7 +5639,7 @@
                                     </m:e>
                                     <m:sub>
                                       <m:r>
-                                        <a:rPr lang="en-CA" sz="3600" i="1">
+                                        <a:rPr lang="en-CA" sz="2800" i="1">
                                           <a:solidFill>
                                             <a:prstClr val="black"/>
                                           </a:solidFill>
@@ -5601,18 +5656,18 @@
                                   <m:sSub>
                                     <m:sSubPr>
                                       <m:ctrlPr>
-                                        <a:rPr lang="en-CA" sz="3600" i="1">
+                                        <a:rPr lang="en-CA" sz="2800" i="1">
                                           <a:solidFill>
                                             <a:prstClr val="black"/>
                                           </a:solidFill>
-                                          <a:latin typeface="Cambria Math" panose="02040503050406030204" pitchFamily="18" charset="0"/>
+                                          <a:latin typeface="Cambria Math"/>
                                           <a:ea typeface="Cambria Math" panose="02040503050406030204" pitchFamily="18" charset="0"/>
                                         </a:rPr>
                                       </m:ctrlPr>
                                     </m:sSubPr>
                                     <m:e>
                                       <m:r>
-                                        <a:rPr lang="en-CA" sz="3600" i="1">
+                                        <a:rPr lang="en-CA" sz="2800" i="1">
                                           <a:solidFill>
                                             <a:prstClr val="black"/>
                                           </a:solidFill>
@@ -5628,11 +5683,11 @@
                                           <m:begChr m:val="{"/>
                                           <m:endChr m:val="}"/>
                                           <m:ctrlPr>
-                                            <a:rPr lang="en-CA" sz="3600" i="1">
+                                            <a:rPr lang="en-CA" sz="2800" i="1">
                                               <a:solidFill>
                                                 <a:prstClr val="black"/>
                                               </a:solidFill>
-                                              <a:latin typeface="Cambria Math" panose="02040503050406030204" pitchFamily="18" charset="0"/>
+                                              <a:latin typeface="Cambria Math"/>
                                               <a:ea typeface="Cambria Math" panose="02040503050406030204" pitchFamily="18" charset="0"/>
                                             </a:rPr>
                                           </m:ctrlPr>
@@ -5641,18 +5696,18 @@
                                           <m:sSub>
                                             <m:sSubPr>
                                               <m:ctrlPr>
-                                                <a:rPr lang="en-CA" sz="3600" i="1">
+                                                <a:rPr lang="en-CA" sz="2800" i="1">
                                                   <a:solidFill>
                                                     <a:prstClr val="black"/>
                                                   </a:solidFill>
-                                                  <a:latin typeface="Cambria Math" panose="02040503050406030204" pitchFamily="18" charset="0"/>
+                                                  <a:latin typeface="Cambria Math"/>
                                                   <a:ea typeface="Cambria Math" panose="02040503050406030204" pitchFamily="18" charset="0"/>
                                                 </a:rPr>
                                               </m:ctrlPr>
                                             </m:sSubPr>
                                             <m:e>
                                               <m:r>
-                                                <a:rPr lang="en-CA" sz="3600" i="1">
+                                                <a:rPr lang="en-CA" sz="2800" i="1">
                                                   <a:solidFill>
                                                     <a:prstClr val="black"/>
                                                   </a:solidFill>
@@ -5664,7 +5719,7 @@
                                             </m:e>
                                             <m:sub>
                                               <m:r>
-                                                <a:rPr lang="en-CA" sz="3600" i="1">
+                                                <a:rPr lang="en-CA" sz="2800" i="1">
                                                   <a:solidFill>
                                                     <a:prstClr val="black"/>
                                                   </a:solidFill>
@@ -5676,7 +5731,7 @@
                                             </m:sub>
                                           </m:sSub>
                                           <m:r>
-                                            <a:rPr lang="en-CA" sz="3600" i="1">
+                                            <a:rPr lang="en-CA" sz="2800" i="1">
                                               <a:solidFill>
                                                 <a:prstClr val="black"/>
                                               </a:solidFill>
@@ -5688,18 +5743,18 @@
                                           <m:sSub>
                                             <m:sSubPr>
                                               <m:ctrlPr>
-                                                <a:rPr lang="en-CA" sz="3600" i="1">
+                                                <a:rPr lang="en-CA" sz="2800" i="1">
                                                   <a:solidFill>
                                                     <a:prstClr val="black"/>
                                                   </a:solidFill>
-                                                  <a:latin typeface="Cambria Math" panose="02040503050406030204" pitchFamily="18" charset="0"/>
+                                                  <a:latin typeface="Cambria Math"/>
                                                   <a:ea typeface="Cambria Math" panose="02040503050406030204" pitchFamily="18" charset="0"/>
                                                 </a:rPr>
                                               </m:ctrlPr>
                                             </m:sSubPr>
                                             <m:e>
                                               <m:r>
-                                                <a:rPr lang="en-CA" sz="3600" i="1">
+                                                <a:rPr lang="en-CA" sz="2800" i="1">
                                                   <a:solidFill>
                                                     <a:prstClr val="black"/>
                                                   </a:solidFill>
@@ -5711,7 +5766,7 @@
                                             </m:e>
                                             <m:sub>
                                               <m:r>
-                                                <a:rPr lang="en-CA" sz="3600" i="1">
+                                                <a:rPr lang="en-CA" sz="2800" i="1">
                                                   <a:solidFill>
                                                     <a:prstClr val="black"/>
                                                   </a:solidFill>
@@ -5735,7 +5790,7 @@
                     </m:oMath>
                   </m:oMathPara>
                 </a14:m>
-                <a:endParaRPr lang="en-CA" sz="3600" dirty="0">
+                <a:endParaRPr lang="en-CA" sz="2800" dirty="0">
                   <a:solidFill>
                     <a:prstClr val="black"/>
                   </a:solidFill>
@@ -5747,7 +5802,521 @@
                     <a:srgbClr val="FF6A19"/>
                   </a:buClr>
                 </a:pPr>
-                <a:endParaRPr lang="en-CA" sz="3600" dirty="0">
+                <a:endParaRPr lang="en-CA" sz="2800" dirty="0">
+                  <a:solidFill>
+                    <a:prstClr val="black"/>
+                  </a:solidFill>
+                </a:endParaRPr>
+              </a:p>
+              <a:p>
+                <a:pPr lvl="0">
+                  <a:lnSpc>
+                    <a:spcPct val="150000"/>
+                  </a:lnSpc>
+                  <a:buClr>
+                    <a:srgbClr val="FF6A19"/>
+                  </a:buClr>
+                </a:pPr>
+                <a14:m>
+                  <m:oMath xmlns:m="http://schemas.openxmlformats.org/officeDocument/2006/math">
+                    <m:sSub>
+                      <m:sSubPr>
+                        <m:ctrlPr>
+                          <a:rPr lang="en-CA" sz="2800" i="1">
+                            <a:solidFill>
+                              <a:prstClr val="black"/>
+                            </a:solidFill>
+                            <a:latin typeface="Cambria Math"/>
+                          </a:rPr>
+                        </m:ctrlPr>
+                      </m:sSubPr>
+                      <m:e>
+                        <m:r>
+                          <a:rPr lang="en-CA" sz="2800" i="1">
+                            <a:solidFill>
+                              <a:prstClr val="black"/>
+                            </a:solidFill>
+                            <a:latin typeface="Cambria Math" panose="02040503050406030204" pitchFamily="18" charset="0"/>
+                          </a:rPr>
+                          <m:t>𝑤</m:t>
+                        </m:r>
+                      </m:e>
+                      <m:sub>
+                        <m:r>
+                          <a:rPr lang="en-CA" sz="2800" i="1">
+                            <a:solidFill>
+                              <a:prstClr val="black"/>
+                            </a:solidFill>
+                            <a:latin typeface="Cambria Math" panose="02040503050406030204" pitchFamily="18" charset="0"/>
+                          </a:rPr>
+                          <m:t>𝑊𝑖𝑘𝑖</m:t>
+                        </m:r>
+                      </m:sub>
+                    </m:sSub>
+                    <m:d>
+                      <m:dPr>
+                        <m:ctrlPr>
+                          <a:rPr lang="en-CA" sz="2800" i="1">
+                            <a:solidFill>
+                              <a:prstClr val="black"/>
+                            </a:solidFill>
+                            <a:latin typeface="Cambria Math"/>
+                          </a:rPr>
+                        </m:ctrlPr>
+                      </m:dPr>
+                      <m:e>
+                        <m:sSub>
+                          <m:sSubPr>
+                            <m:ctrlPr>
+                              <a:rPr lang="en-CA" sz="2800" i="1">
+                                <a:solidFill>
+                                  <a:prstClr val="black"/>
+                                </a:solidFill>
+                                <a:latin typeface="Cambria Math"/>
+                              </a:rPr>
+                            </m:ctrlPr>
+                          </m:sSubPr>
+                          <m:e>
+                            <m:r>
+                              <a:rPr lang="en-CA" sz="2800" i="1">
+                                <a:solidFill>
+                                  <a:prstClr val="black"/>
+                                </a:solidFill>
+                                <a:latin typeface="Cambria Math" panose="02040503050406030204" pitchFamily="18" charset="0"/>
+                              </a:rPr>
+                              <m:t>𝑎</m:t>
+                            </m:r>
+                          </m:e>
+                          <m:sub>
+                            <m:r>
+                              <a:rPr lang="en-CA" sz="2800" i="1">
+                                <a:solidFill>
+                                  <a:prstClr val="black"/>
+                                </a:solidFill>
+                                <a:latin typeface="Cambria Math" panose="02040503050406030204" pitchFamily="18" charset="0"/>
+                              </a:rPr>
+                              <m:t>𝑖</m:t>
+                            </m:r>
+                          </m:sub>
+                        </m:sSub>
+                        <m:r>
+                          <a:rPr lang="en-CA" sz="2800" i="1">
+                            <a:solidFill>
+                              <a:prstClr val="black"/>
+                            </a:solidFill>
+                            <a:latin typeface="Cambria Math" panose="02040503050406030204" pitchFamily="18" charset="0"/>
+                          </a:rPr>
+                          <m:t>,</m:t>
+                        </m:r>
+                        <m:sSub>
+                          <m:sSubPr>
+                            <m:ctrlPr>
+                              <a:rPr lang="en-CA" sz="2800" i="1">
+                                <a:solidFill>
+                                  <a:prstClr val="black"/>
+                                </a:solidFill>
+                                <a:latin typeface="Cambria Math"/>
+                              </a:rPr>
+                            </m:ctrlPr>
+                          </m:sSubPr>
+                          <m:e>
+                            <m:r>
+                              <a:rPr lang="en-CA" sz="2800" i="1">
+                                <a:solidFill>
+                                  <a:prstClr val="black"/>
+                                </a:solidFill>
+                                <a:latin typeface="Cambria Math" panose="02040503050406030204" pitchFamily="18" charset="0"/>
+                              </a:rPr>
+                              <m:t>𝑎</m:t>
+                            </m:r>
+                          </m:e>
+                          <m:sub>
+                            <m:r>
+                              <a:rPr lang="en-CA" sz="2800" i="1">
+                                <a:solidFill>
+                                  <a:prstClr val="black"/>
+                                </a:solidFill>
+                                <a:latin typeface="Cambria Math" panose="02040503050406030204" pitchFamily="18" charset="0"/>
+                              </a:rPr>
+                              <m:t>𝑗</m:t>
+                            </m:r>
+                          </m:sub>
+                        </m:sSub>
+                      </m:e>
+                    </m:d>
+                    <m:r>
+                      <a:rPr lang="en-CA" sz="2800" i="1">
+                        <a:solidFill>
+                          <a:prstClr val="black"/>
+                        </a:solidFill>
+                        <a:latin typeface="Cambria Math" panose="02040503050406030204" pitchFamily="18" charset="0"/>
+                      </a:rPr>
+                      <m:t>=</m:t>
+                    </m:r>
+                  </m:oMath>
+                </a14:m>
+                <a:r>
+                  <a:rPr lang="en-CA" sz="2800" dirty="0" smtClean="0">
+                    <a:solidFill>
+                      <a:prstClr val="black"/>
+                    </a:solidFill>
+                  </a:rPr>
+                  <a:t> </a:t>
+                </a:r>
+                <a14:m>
+                  <m:oMath xmlns:m="http://schemas.openxmlformats.org/officeDocument/2006/math">
+                    <m:nary>
+                      <m:naryPr>
+                        <m:chr m:val="∑"/>
+                        <m:supHide m:val="on"/>
+                        <m:ctrlPr>
+                          <a:rPr lang="en-US" sz="2800" b="0" i="1" dirty="0" smtClean="0">
+                            <a:solidFill>
+                              <a:prstClr val="black"/>
+                            </a:solidFill>
+                            <a:latin typeface="Cambria Math"/>
+                          </a:rPr>
+                        </m:ctrlPr>
+                      </m:naryPr>
+                      <m:sub>
+                        <m:r>
+                          <m:rPr>
+                            <m:brk m:alnAt="7"/>
+                          </m:rPr>
+                          <a:rPr lang="en-US" sz="2800" b="0" i="1" dirty="0" smtClean="0">
+                            <a:solidFill>
+                              <a:prstClr val="black"/>
+                            </a:solidFill>
+                            <a:latin typeface="Cambria Math"/>
+                          </a:rPr>
+                          <m:t>(</m:t>
+                        </m:r>
+                        <m:r>
+                          <a:rPr lang="en-US" sz="2800" b="0" i="1" dirty="0" smtClean="0">
+                            <a:solidFill>
+                              <a:prstClr val="black"/>
+                            </a:solidFill>
+                            <a:latin typeface="Cambria Math"/>
+                          </a:rPr>
+                          <m:t>𝑘</m:t>
+                        </m:r>
+                        <m:r>
+                          <a:rPr lang="en-US" sz="2800" b="0" i="1" dirty="0" smtClean="0">
+                            <a:solidFill>
+                              <a:prstClr val="black"/>
+                            </a:solidFill>
+                            <a:latin typeface="Cambria Math"/>
+                          </a:rPr>
+                          <m:t>∈</m:t>
+                        </m:r>
+                        <m:r>
+                          <a:rPr lang="en-US" sz="2800" b="0" i="1" dirty="0" smtClean="0">
+                            <a:solidFill>
+                              <a:prstClr val="black"/>
+                            </a:solidFill>
+                            <a:latin typeface="Cambria Math"/>
+                          </a:rPr>
+                          <m:t>𝑃</m:t>
+                        </m:r>
+                        <m:r>
+                          <a:rPr lang="en-US" sz="2800" b="0" i="1" dirty="0" smtClean="0">
+                            <a:solidFill>
+                              <a:prstClr val="black"/>
+                            </a:solidFill>
+                            <a:latin typeface="Cambria Math"/>
+                          </a:rPr>
+                          <m:t>)</m:t>
+                        </m:r>
+                      </m:sub>
+                      <m:sup/>
+                      <m:e>
+                        <m:sSup>
+                          <m:sSupPr>
+                            <m:ctrlPr>
+                              <a:rPr lang="en-US" sz="2800" b="0" i="1" dirty="0" smtClean="0">
+                                <a:solidFill>
+                                  <a:prstClr val="black"/>
+                                </a:solidFill>
+                                <a:latin typeface="Cambria Math"/>
+                              </a:rPr>
+                            </m:ctrlPr>
+                          </m:sSupPr>
+                          <m:e>
+                            <m:r>
+                              <a:rPr lang="en-US" sz="2800" b="0" i="1" dirty="0" smtClean="0">
+                                <a:solidFill>
+                                  <a:prstClr val="black"/>
+                                </a:solidFill>
+                                <a:latin typeface="Cambria Math"/>
+                              </a:rPr>
+                              <m:t>10</m:t>
+                            </m:r>
+                          </m:e>
+                          <m:sup>
+                            <m:r>
+                              <a:rPr lang="en-US" sz="2800" b="0" i="1" dirty="0" smtClean="0">
+                                <a:solidFill>
+                                  <a:prstClr val="black"/>
+                                </a:solidFill>
+                                <a:latin typeface="Cambria Math"/>
+                              </a:rPr>
+                              <m:t>1−</m:t>
+                            </m:r>
+                            <m:r>
+                              <a:rPr lang="en-US" sz="2800" b="0" i="1" dirty="0" smtClean="0">
+                                <a:solidFill>
+                                  <a:prstClr val="black"/>
+                                </a:solidFill>
+                                <a:latin typeface="Cambria Math"/>
+                              </a:rPr>
+                              <m:t>𝑓𝑟𝑒𝑞</m:t>
+                            </m:r>
+                            <m:d>
+                              <m:dPr>
+                                <m:ctrlPr>
+                                  <a:rPr lang="en-US" sz="2800" b="0" i="1" dirty="0" smtClean="0">
+                                    <a:solidFill>
+                                      <a:prstClr val="black"/>
+                                    </a:solidFill>
+                                    <a:latin typeface="Cambria Math"/>
+                                  </a:rPr>
+                                </m:ctrlPr>
+                              </m:dPr>
+                              <m:e>
+                                <m:r>
+                                  <a:rPr lang="en-US" sz="2800" b="0" i="1" dirty="0" smtClean="0">
+                                    <a:solidFill>
+                                      <a:prstClr val="black"/>
+                                    </a:solidFill>
+                                    <a:latin typeface="Cambria Math"/>
+                                  </a:rPr>
+                                  <m:t>𝑘</m:t>
+                                </m:r>
+                              </m:e>
+                            </m:d>
+                          </m:sup>
+                        </m:sSup>
+                        <m:r>
+                          <a:rPr lang="en-US" sz="2800" b="0" i="1" dirty="0" smtClean="0">
+                            <a:solidFill>
+                              <a:prstClr val="black"/>
+                            </a:solidFill>
+                            <a:latin typeface="Cambria Math"/>
+                          </a:rPr>
+                          <m:t>−1+</m:t>
+                        </m:r>
+                        <m:r>
+                          <a:rPr lang="en-US" sz="2800" b="0" i="1" dirty="0" smtClean="0">
+                            <a:solidFill>
+                              <a:prstClr val="black"/>
+                            </a:solidFill>
+                            <a:latin typeface="Cambria Math"/>
+                          </a:rPr>
+                          <m:t>𝑑𝑒𝑝𝑡h</m:t>
+                        </m:r>
+                        <m:sSup>
+                          <m:sSupPr>
+                            <m:ctrlPr>
+                              <a:rPr lang="en-US" sz="2800" b="0" i="1" dirty="0" smtClean="0">
+                                <a:solidFill>
+                                  <a:prstClr val="black"/>
+                                </a:solidFill>
+                                <a:latin typeface="Cambria Math"/>
+                              </a:rPr>
+                            </m:ctrlPr>
+                          </m:sSupPr>
+                          <m:e>
+                            <m:d>
+                              <m:dPr>
+                                <m:ctrlPr>
+                                  <a:rPr lang="en-US" sz="2800" b="0" i="1" dirty="0" smtClean="0">
+                                    <a:solidFill>
+                                      <a:prstClr val="black"/>
+                                    </a:solidFill>
+                                    <a:latin typeface="Cambria Math"/>
+                                  </a:rPr>
+                                </m:ctrlPr>
+                              </m:dPr>
+                              <m:e>
+                                <m:r>
+                                  <a:rPr lang="en-US" sz="2800" b="0" i="1" dirty="0" smtClean="0">
+                                    <a:solidFill>
+                                      <a:prstClr val="black"/>
+                                    </a:solidFill>
+                                    <a:latin typeface="Cambria Math"/>
+                                  </a:rPr>
+                                  <m:t>𝑘</m:t>
+                                </m:r>
+                              </m:e>
+                            </m:d>
+                          </m:e>
+                          <m:sup>
+                            <m:r>
+                              <a:rPr lang="en-US" sz="2800" b="0" i="1" dirty="0" smtClean="0">
+                                <a:solidFill>
+                                  <a:prstClr val="black"/>
+                                </a:solidFill>
+                                <a:latin typeface="Cambria Math"/>
+                              </a:rPr>
+                              <m:t>2</m:t>
+                            </m:r>
+                          </m:sup>
+                        </m:sSup>
+                      </m:e>
+                    </m:nary>
+                    <m:r>
+                      <a:rPr lang="en-US" sz="2800" b="0" i="1" dirty="0" smtClean="0">
+                        <a:solidFill>
+                          <a:prstClr val="black"/>
+                        </a:solidFill>
+                        <a:latin typeface="Cambria Math"/>
+                      </a:rPr>
+                      <m:t> </m:t>
+                    </m:r>
+                  </m:oMath>
+                </a14:m>
+                <a:endParaRPr lang="en-US" sz="2800" b="0" dirty="0" smtClean="0">
+                  <a:solidFill>
+                    <a:prstClr val="black"/>
+                  </a:solidFill>
+                </a:endParaRPr>
+              </a:p>
+              <a:p>
+                <a:pPr lvl="0">
+                  <a:lnSpc>
+                    <a:spcPct val="150000"/>
+                  </a:lnSpc>
+                  <a:buClr>
+                    <a:srgbClr val="FF6A19"/>
+                  </a:buClr>
+                </a:pPr>
+                <a14:m>
+                  <m:oMathPara xmlns:m="http://schemas.openxmlformats.org/officeDocument/2006/math">
+                    <m:oMathParaPr>
+                      <m:jc m:val="centerGroup"/>
+                    </m:oMathParaPr>
+                    <m:oMath xmlns:m="http://schemas.openxmlformats.org/officeDocument/2006/math">
+                      <m:r>
+                        <a:rPr lang="en-US" sz="2800" b="0" i="1" smtClean="0">
+                          <a:solidFill>
+                            <a:prstClr val="black"/>
+                          </a:solidFill>
+                          <a:latin typeface="Cambria Math"/>
+                        </a:rPr>
+                        <m:t>𝑃</m:t>
+                      </m:r>
+                      <m:r>
+                        <a:rPr lang="en-US" sz="2800" b="0" i="1" smtClean="0">
+                          <a:solidFill>
+                            <a:prstClr val="black"/>
+                          </a:solidFill>
+                          <a:latin typeface="Cambria Math"/>
+                        </a:rPr>
+                        <m:t>=</m:t>
+                      </m:r>
+                      <m:r>
+                        <a:rPr lang="en-US" sz="2800" b="0" i="1" smtClean="0">
+                          <a:solidFill>
+                            <a:prstClr val="black"/>
+                          </a:solidFill>
+                          <a:latin typeface="Cambria Math"/>
+                        </a:rPr>
+                        <m:t>𝑐𝑜𝑚𝑚𝑜𝑛</m:t>
+                      </m:r>
+                      <m:r>
+                        <a:rPr lang="en-US" sz="2800" b="0" i="1" smtClean="0">
+                          <a:solidFill>
+                            <a:prstClr val="black"/>
+                          </a:solidFill>
+                          <a:latin typeface="Cambria Math"/>
+                        </a:rPr>
+                        <m:t> </m:t>
+                      </m:r>
+                      <m:r>
+                        <a:rPr lang="en-US" sz="2800" b="0" i="1" smtClean="0">
+                          <a:solidFill>
+                            <a:prstClr val="black"/>
+                          </a:solidFill>
+                          <a:latin typeface="Cambria Math"/>
+                        </a:rPr>
+                        <m:t>𝑝𝑎𝑡h𝑠</m:t>
+                      </m:r>
+                      <m:r>
+                        <a:rPr lang="en-US" sz="2800" b="0" i="1" smtClean="0">
+                          <a:solidFill>
+                            <a:prstClr val="black"/>
+                          </a:solidFill>
+                          <a:latin typeface="Cambria Math"/>
+                        </a:rPr>
+                        <m:t> </m:t>
+                      </m:r>
+                      <m:r>
+                        <a:rPr lang="en-US" sz="2800" b="0" i="1" smtClean="0">
+                          <a:solidFill>
+                            <a:prstClr val="black"/>
+                          </a:solidFill>
+                          <a:latin typeface="Cambria Math"/>
+                        </a:rPr>
+                        <m:t>𝑏𝑒𝑡𝑤𝑒𝑒𝑛</m:t>
+                      </m:r>
+                      <m:r>
+                        <a:rPr lang="en-US" sz="2800" b="0" i="1" smtClean="0">
+                          <a:solidFill>
+                            <a:prstClr val="black"/>
+                          </a:solidFill>
+                          <a:latin typeface="Cambria Math"/>
+                        </a:rPr>
+                        <m:t> </m:t>
+                      </m:r>
+                      <m:r>
+                        <a:rPr lang="en-US" sz="2800" b="0" i="1" smtClean="0">
+                          <a:solidFill>
+                            <a:prstClr val="black"/>
+                          </a:solidFill>
+                          <a:latin typeface="Cambria Math"/>
+                        </a:rPr>
+                        <m:t>𝑖</m:t>
+                      </m:r>
+                      <m:r>
+                        <a:rPr lang="en-US" sz="2800" b="0" i="1" smtClean="0">
+                          <a:solidFill>
+                            <a:prstClr val="black"/>
+                          </a:solidFill>
+                          <a:latin typeface="Cambria Math"/>
+                        </a:rPr>
+                        <m:t> </m:t>
+                      </m:r>
+                      <m:r>
+                        <a:rPr lang="en-US" sz="2800" b="0" i="1" smtClean="0">
+                          <a:solidFill>
+                            <a:prstClr val="black"/>
+                          </a:solidFill>
+                          <a:latin typeface="Cambria Math"/>
+                        </a:rPr>
+                        <m:t>𝑎𝑛𝑑</m:t>
+                      </m:r>
+                      <m:r>
+                        <a:rPr lang="en-US" sz="2800" b="0" i="1" smtClean="0">
+                          <a:solidFill>
+                            <a:prstClr val="black"/>
+                          </a:solidFill>
+                          <a:latin typeface="Cambria Math"/>
+                        </a:rPr>
+                        <m:t> </m:t>
+                      </m:r>
+                      <m:r>
+                        <a:rPr lang="en-US" sz="2800" b="0" i="1" smtClean="0">
+                          <a:solidFill>
+                            <a:prstClr val="black"/>
+                          </a:solidFill>
+                          <a:latin typeface="Cambria Math"/>
+                        </a:rPr>
+                        <m:t>𝑗</m:t>
+                      </m:r>
+                    </m:oMath>
+                  </m:oMathPara>
+                </a14:m>
+                <a:endParaRPr lang="en-CA" sz="2800" dirty="0">
                   <a:solidFill>
                     <a:prstClr val="black"/>
                   </a:solidFill>
@@ -5759,162 +6328,7 @@
                     <a:srgbClr val="FF6A19"/>
                   </a:buClr>
                 </a:pPr>
-                <a14:m>
-                  <m:oMathPara xmlns:m="http://schemas.openxmlformats.org/officeDocument/2006/math">
-                    <m:oMathParaPr>
-                      <m:jc m:val="centerGroup"/>
-                    </m:oMathParaPr>
-                    <m:oMath xmlns:m="http://schemas.openxmlformats.org/officeDocument/2006/math">
-                      <m:sSub>
-                        <m:sSubPr>
-                          <m:ctrlPr>
-                            <a:rPr lang="en-CA" sz="3600" i="1">
-                              <a:solidFill>
-                                <a:prstClr val="black"/>
-                              </a:solidFill>
-                              <a:latin typeface="Cambria Math" panose="02040503050406030204" pitchFamily="18" charset="0"/>
-                            </a:rPr>
-                          </m:ctrlPr>
-                        </m:sSubPr>
-                        <m:e>
-                          <m:r>
-                            <a:rPr lang="en-CA" sz="3600" i="1">
-                              <a:solidFill>
-                                <a:prstClr val="black"/>
-                              </a:solidFill>
-                              <a:latin typeface="Cambria Math" panose="02040503050406030204" pitchFamily="18" charset="0"/>
-                            </a:rPr>
-                            <m:t>𝑤</m:t>
-                          </m:r>
-                        </m:e>
-                        <m:sub>
-                          <m:r>
-                            <a:rPr lang="en-CA" sz="3600" i="1">
-                              <a:solidFill>
-                                <a:prstClr val="black"/>
-                              </a:solidFill>
-                              <a:latin typeface="Cambria Math" panose="02040503050406030204" pitchFamily="18" charset="0"/>
-                            </a:rPr>
-                            <m:t>𝑊𝑖𝑘𝑖</m:t>
-                          </m:r>
-                        </m:sub>
-                      </m:sSub>
-                      <m:d>
-                        <m:dPr>
-                          <m:ctrlPr>
-                            <a:rPr lang="en-CA" sz="3600" i="1">
-                              <a:solidFill>
-                                <a:prstClr val="black"/>
-                              </a:solidFill>
-                              <a:latin typeface="Cambria Math" panose="02040503050406030204" pitchFamily="18" charset="0"/>
-                            </a:rPr>
-                          </m:ctrlPr>
-                        </m:dPr>
-                        <m:e>
-                          <m:sSub>
-                            <m:sSubPr>
-                              <m:ctrlPr>
-                                <a:rPr lang="en-CA" sz="3600" i="1">
-                                  <a:solidFill>
-                                    <a:prstClr val="black"/>
-                                  </a:solidFill>
-                                  <a:latin typeface="Cambria Math" panose="02040503050406030204" pitchFamily="18" charset="0"/>
-                                </a:rPr>
-                              </m:ctrlPr>
-                            </m:sSubPr>
-                            <m:e>
-                              <m:r>
-                                <a:rPr lang="en-CA" sz="3600" i="1">
-                                  <a:solidFill>
-                                    <a:prstClr val="black"/>
-                                  </a:solidFill>
-                                  <a:latin typeface="Cambria Math" panose="02040503050406030204" pitchFamily="18" charset="0"/>
-                                </a:rPr>
-                                <m:t>𝑎</m:t>
-                              </m:r>
-                            </m:e>
-                            <m:sub>
-                              <m:r>
-                                <a:rPr lang="en-CA" sz="3600" i="1">
-                                  <a:solidFill>
-                                    <a:prstClr val="black"/>
-                                  </a:solidFill>
-                                  <a:latin typeface="Cambria Math" panose="02040503050406030204" pitchFamily="18" charset="0"/>
-                                </a:rPr>
-                                <m:t>𝑖</m:t>
-                              </m:r>
-                            </m:sub>
-                          </m:sSub>
-                          <m:r>
-                            <a:rPr lang="en-CA" sz="3600" i="1">
-                              <a:solidFill>
-                                <a:prstClr val="black"/>
-                              </a:solidFill>
-                              <a:latin typeface="Cambria Math" panose="02040503050406030204" pitchFamily="18" charset="0"/>
-                            </a:rPr>
-                            <m:t>,</m:t>
-                          </m:r>
-                          <m:sSub>
-                            <m:sSubPr>
-                              <m:ctrlPr>
-                                <a:rPr lang="en-CA" sz="3600" i="1">
-                                  <a:solidFill>
-                                    <a:prstClr val="black"/>
-                                  </a:solidFill>
-                                  <a:latin typeface="Cambria Math" panose="02040503050406030204" pitchFamily="18" charset="0"/>
-                                </a:rPr>
-                              </m:ctrlPr>
-                            </m:sSubPr>
-                            <m:e>
-                              <m:r>
-                                <a:rPr lang="en-CA" sz="3600" i="1">
-                                  <a:solidFill>
-                                    <a:prstClr val="black"/>
-                                  </a:solidFill>
-                                  <a:latin typeface="Cambria Math" panose="02040503050406030204" pitchFamily="18" charset="0"/>
-                                </a:rPr>
-                                <m:t>𝑎</m:t>
-                              </m:r>
-                            </m:e>
-                            <m:sub>
-                              <m:r>
-                                <a:rPr lang="en-CA" sz="3600" i="1">
-                                  <a:solidFill>
-                                    <a:prstClr val="black"/>
-                                  </a:solidFill>
-                                  <a:latin typeface="Cambria Math" panose="02040503050406030204" pitchFamily="18" charset="0"/>
-                                </a:rPr>
-                                <m:t>𝑗</m:t>
-                              </m:r>
-                            </m:sub>
-                          </m:sSub>
-                        </m:e>
-                      </m:d>
-                      <m:r>
-                        <a:rPr lang="en-CA" sz="3600" i="1">
-                          <a:solidFill>
-                            <a:prstClr val="black"/>
-                          </a:solidFill>
-                          <a:latin typeface="Cambria Math" panose="02040503050406030204" pitchFamily="18" charset="0"/>
-                        </a:rPr>
-                        <m:t>= …</m:t>
-                      </m:r>
-                    </m:oMath>
-                  </m:oMathPara>
-                </a14:m>
-                <a:endParaRPr lang="en-CA" sz="3600" dirty="0">
-                  <a:solidFill>
-                    <a:prstClr val="black"/>
-                  </a:solidFill>
-                </a:endParaRPr>
-              </a:p>
-              <a:p>
-                <a:pPr lvl="0">
-                  <a:buClr>
-                    <a:srgbClr val="FF6A19"/>
-                  </a:buClr>
-                </a:pPr>
-                <a:endParaRPr lang="en-CA" sz="3600" dirty="0">
+                <a:endParaRPr lang="en-CA" sz="2800" dirty="0">
                   <a:solidFill>
                     <a:prstClr val="black"/>
                   </a:solidFill>
@@ -5933,7 +6347,7 @@
                     </m:oMathParaPr>
                     <m:oMath xmlns:m="http://schemas.openxmlformats.org/officeDocument/2006/math">
                       <m:r>
-                        <a:rPr lang="en-CA" sz="3600" i="1">
+                        <a:rPr lang="en-CA" sz="2800" i="1">
                           <a:solidFill>
                             <a:prstClr val="black"/>
                           </a:solidFill>
@@ -5944,11 +6358,11 @@
                       <m:d>
                         <m:dPr>
                           <m:ctrlPr>
-                            <a:rPr lang="en-CA" sz="3600" i="1">
+                            <a:rPr lang="en-CA" sz="2800" i="1">
                               <a:solidFill>
                                 <a:prstClr val="black"/>
                               </a:solidFill>
-                              <a:latin typeface="Cambria Math" panose="02040503050406030204" pitchFamily="18" charset="0"/>
+                              <a:latin typeface="Cambria Math"/>
                             </a:rPr>
                           </m:ctrlPr>
                         </m:dPr>
@@ -5956,17 +6370,17 @@
                           <m:sSub>
                             <m:sSubPr>
                               <m:ctrlPr>
-                                <a:rPr lang="en-CA" sz="3600" i="1">
+                                <a:rPr lang="en-CA" sz="2800" i="1">
                                   <a:solidFill>
                                     <a:prstClr val="black"/>
                                   </a:solidFill>
-                                  <a:latin typeface="Cambria Math" panose="02040503050406030204" pitchFamily="18" charset="0"/>
+                                  <a:latin typeface="Cambria Math"/>
                                 </a:rPr>
                               </m:ctrlPr>
                             </m:sSubPr>
                             <m:e>
                               <m:r>
-                                <a:rPr lang="en-CA" sz="3600" i="1">
+                                <a:rPr lang="en-CA" sz="2800" i="1">
                                   <a:solidFill>
                                     <a:prstClr val="black"/>
                                   </a:solidFill>
@@ -5977,7 +6391,7 @@
                             </m:e>
                             <m:sub>
                               <m:r>
-                                <a:rPr lang="en-CA" sz="3600" i="1">
+                                <a:rPr lang="en-CA" sz="2800" i="1">
                                   <a:solidFill>
                                     <a:prstClr val="black"/>
                                   </a:solidFill>
@@ -5988,7 +6402,7 @@
                             </m:sub>
                           </m:sSub>
                           <m:r>
-                            <a:rPr lang="en-CA" sz="3600" i="1">
+                            <a:rPr lang="en-CA" sz="2800" i="1">
                               <a:solidFill>
                                 <a:prstClr val="black"/>
                               </a:solidFill>
@@ -5999,17 +6413,17 @@
                           <m:sSub>
                             <m:sSubPr>
                               <m:ctrlPr>
-                                <a:rPr lang="en-CA" sz="3600" i="1">
+                                <a:rPr lang="en-CA" sz="2800" i="1">
                                   <a:solidFill>
                                     <a:prstClr val="black"/>
                                   </a:solidFill>
-                                  <a:latin typeface="Cambria Math" panose="02040503050406030204" pitchFamily="18" charset="0"/>
+                                  <a:latin typeface="Cambria Math"/>
                                 </a:rPr>
                               </m:ctrlPr>
                             </m:sSubPr>
                             <m:e>
                               <m:r>
-                                <a:rPr lang="en-CA" sz="3600" i="1">
+                                <a:rPr lang="en-CA" sz="2800" i="1">
                                   <a:solidFill>
                                     <a:prstClr val="black"/>
                                   </a:solidFill>
@@ -6020,7 +6434,7 @@
                             </m:e>
                             <m:sub>
                               <m:r>
-                                <a:rPr lang="en-CA" sz="3600" i="1">
+                                <a:rPr lang="en-CA" sz="2800" i="1">
                                   <a:solidFill>
                                     <a:prstClr val="black"/>
                                   </a:solidFill>
@@ -6033,7 +6447,7 @@
                         </m:e>
                       </m:d>
                       <m:r>
-                        <a:rPr lang="en-CA" sz="3600" i="1">
+                        <a:rPr lang="en-CA" sz="2800" i="1">
                           <a:solidFill>
                             <a:prstClr val="black"/>
                           </a:solidFill>
@@ -6042,7 +6456,7 @@
                         <m:t>=</m:t>
                       </m:r>
                       <m:r>
-                        <a:rPr lang="en-CA" sz="3600" i="1">
+                        <a:rPr lang="en-CA" sz="2800" i="1">
                           <a:solidFill>
                             <a:prstClr val="black"/>
                           </a:solidFill>
@@ -6051,7 +6465,7 @@
                         <m:t>𝛼</m:t>
                       </m:r>
                       <m:r>
-                        <a:rPr lang="en-CA" sz="3600" i="1">
+                        <a:rPr lang="en-CA" sz="2800" i="1">
                           <a:solidFill>
                             <a:prstClr val="black"/>
                           </a:solidFill>
@@ -6062,17 +6476,17 @@
                       <m:sSub>
                         <m:sSubPr>
                           <m:ctrlPr>
-                            <a:rPr lang="en-CA" sz="3600" i="1">
+                            <a:rPr lang="en-CA" sz="2800" i="1">
                               <a:solidFill>
                                 <a:prstClr val="black"/>
                               </a:solidFill>
-                              <a:latin typeface="Cambria Math" panose="02040503050406030204" pitchFamily="18" charset="0"/>
+                              <a:latin typeface="Cambria Math"/>
                             </a:rPr>
                           </m:ctrlPr>
                         </m:sSubPr>
                         <m:e>
                           <m:r>
-                            <a:rPr lang="en-CA" sz="3600" i="1">
+                            <a:rPr lang="en-CA" sz="2800" i="1">
                               <a:solidFill>
                                 <a:prstClr val="black"/>
                               </a:solidFill>
@@ -6083,7 +6497,7 @@
                         </m:e>
                         <m:sub>
                           <m:r>
-                            <a:rPr lang="en-CA" sz="3600" i="1">
+                            <a:rPr lang="en-CA" sz="2800" i="1">
                               <a:solidFill>
                                 <a:prstClr val="black"/>
                               </a:solidFill>
@@ -6094,7 +6508,7 @@
                         </m:sub>
                       </m:sSub>
                       <m:r>
-                        <a:rPr lang="en-CA" sz="3600" i="1">
+                        <a:rPr lang="en-CA" sz="2800" i="1">
                           <a:solidFill>
                             <a:prstClr val="black"/>
                           </a:solidFill>
@@ -6103,7 +6517,7 @@
                         <m:t>+(1−</m:t>
                       </m:r>
                       <m:r>
-                        <a:rPr lang="en-CA" sz="3600" i="1">
+                        <a:rPr lang="en-CA" sz="2800" i="1">
                           <a:solidFill>
                             <a:prstClr val="black"/>
                           </a:solidFill>
@@ -6112,7 +6526,7 @@
                         <m:t>𝛼</m:t>
                       </m:r>
                       <m:r>
-                        <a:rPr lang="en-CA" sz="3600" i="1">
+                        <a:rPr lang="en-CA" sz="2800" i="1">
                           <a:solidFill>
                             <a:prstClr val="black"/>
                           </a:solidFill>
@@ -6123,17 +6537,17 @@
                       <m:sSub>
                         <m:sSubPr>
                           <m:ctrlPr>
-                            <a:rPr lang="en-CA" sz="3600" i="1">
+                            <a:rPr lang="en-CA" sz="2800" i="1">
                               <a:solidFill>
                                 <a:prstClr val="black"/>
                               </a:solidFill>
-                              <a:latin typeface="Cambria Math" panose="02040503050406030204" pitchFamily="18" charset="0"/>
+                              <a:latin typeface="Cambria Math"/>
                             </a:rPr>
                           </m:ctrlPr>
                         </m:sSubPr>
                         <m:e>
                           <m:r>
-                            <a:rPr lang="en-CA" sz="3600" i="1">
+                            <a:rPr lang="en-CA" sz="2800" i="1">
                               <a:solidFill>
                                 <a:prstClr val="black"/>
                               </a:solidFill>
@@ -6144,7 +6558,7 @@
                         </m:e>
                         <m:sub>
                           <m:r>
-                            <a:rPr lang="en-CA" sz="3600" i="1">
+                            <a:rPr lang="en-CA" sz="2800" i="1">
                               <a:solidFill>
                                 <a:prstClr val="black"/>
                               </a:solidFill>
@@ -6157,7 +6571,7 @@
                     </m:oMath>
                   </m:oMathPara>
                 </a14:m>
-                <a:endParaRPr lang="en-CA" dirty="0"/>
+                <a:endParaRPr lang="en-CA" sz="2800" dirty="0"/>
               </a:p>
             </p:txBody>
           </p:sp>
@@ -6174,12 +6588,12 @@
             <p:spPr>
               <a:xfrm>
                 <a:off x="8861239" y="13493758"/>
-                <a:ext cx="8135880" cy="3917098"/>
+                <a:ext cx="8135880" cy="4008533"/>
               </a:xfrm>
               <a:prstGeom prst="rect">
                 <a:avLst/>
               </a:prstGeom>
-              <a:blipFill>
+              <a:blipFill rotWithShape="1">
                 <a:blip r:embed="rId8"/>
                 <a:stretch>
                   <a:fillRect/>
@@ -6191,7 +6605,7 @@
               <a:lstStyle/>
               <a:p>
                 <a:r>
-                  <a:rPr lang="en-CA">
+                  <a:rPr lang="en-US">
                     <a:noFill/>
                   </a:rPr>
                   <a:t> </a:t>
@@ -6301,6 +6715,66 @@
           </a:p>
         </p:txBody>
       </p:sp>
+      <p:pic>
+        <p:nvPicPr>
+          <p:cNvPr id="3" name="Picture 2"/>
+          <p:cNvPicPr>
+            <a:picLocks noChangeAspect="1"/>
+          </p:cNvPicPr>
+          <p:nvPr/>
+        </p:nvPicPr>
+        <p:blipFill>
+          <a:blip r:embed="rId9">
+            <a:extLst>
+              <a:ext uri="{28A0092B-C50C-407E-A947-70E740481C1C}">
+                <a14:useLocalDpi xmlns:a14="http://schemas.microsoft.com/office/drawing/2010/main" val="0"/>
+              </a:ext>
+            </a:extLst>
+          </a:blip>
+          <a:stretch>
+            <a:fillRect/>
+          </a:stretch>
+        </p:blipFill>
+        <p:spPr>
+          <a:xfrm>
+            <a:off x="22580279" y="14731800"/>
+            <a:ext cx="8824631" cy="5137584"/>
+          </a:xfrm>
+          <a:prstGeom prst="rect">
+            <a:avLst/>
+          </a:prstGeom>
+        </p:spPr>
+      </p:pic>
+      <p:pic>
+        <p:nvPicPr>
+          <p:cNvPr id="20" name="Picture 19"/>
+          <p:cNvPicPr>
+            <a:picLocks noChangeAspect="1"/>
+          </p:cNvPicPr>
+          <p:nvPr/>
+        </p:nvPicPr>
+        <p:blipFill>
+          <a:blip r:embed="rId10">
+            <a:extLst>
+              <a:ext uri="{28A0092B-C50C-407E-A947-70E740481C1C}">
+                <a14:useLocalDpi xmlns:a14="http://schemas.microsoft.com/office/drawing/2010/main" val="0"/>
+              </a:ext>
+            </a:extLst>
+          </a:blip>
+          <a:stretch>
+            <a:fillRect/>
+          </a:stretch>
+        </p:blipFill>
+        <p:spPr>
+          <a:xfrm>
+            <a:off x="22823740" y="4972800"/>
+            <a:ext cx="8423515" cy="5277112"/>
+          </a:xfrm>
+          <a:prstGeom prst="rect">
+            <a:avLst/>
+          </a:prstGeom>
+        </p:spPr>
+      </p:pic>
     </p:spTree>
     <p:extLst>
       <p:ext uri="{BB962C8B-B14F-4D97-AF65-F5344CB8AC3E}">
@@ -6569,7 +7043,7 @@
   <a:extraClrSchemeLst/>
   <a:extLst>
     <a:ext uri="{05A4C25C-085E-4340-85A3-A5531E510DB2}">
-      <thm15:themeFamily xmlns:thm15="http://schemas.microsoft.com/office/thememl/2012/main" name="Office Theme" id="{62F939B6-93AF-4DB8-9C6B-D6C7DFDC589F}" vid="{4A3C46E8-61CC-4603-A589-7422A47A8E4A}"/>
+      <thm15:themeFamily xmlns:thm15="http://schemas.microsoft.com/office/thememl/2012/main" xmlns="" name="Office Theme" id="{62F939B6-93AF-4DB8-9C6B-D6C7DFDC589F}" vid="{4A3C46E8-61CC-4603-A589-7422A47A8E4A}"/>
     </a:ext>
   </a:extLst>
 </a:theme>

--- a/poster/poster.pptx
+++ b/poster/poster.pptx
@@ -106,7 +106,7 @@
   </p:defaultTextStyle>
   <p:extLst>
     <p:ext uri="{EFAFB233-063F-42B5-8137-9DF3F51BA10A}">
-      <p15:sldGuideLst xmlns:p15="http://schemas.microsoft.com/office/powerpoint/2012/main" xmlns="">
+      <p15:sldGuideLst xmlns:p15="http://schemas.microsoft.com/office/powerpoint/2012/main">
         <p15:guide id="1" orient="horz" pos="6912" userDrawn="1">
           <p15:clr>
             <a:srgbClr val="A4A3A4"/>
@@ -3743,8 +3743,12 @@
               <a:buChar char="▶"/>
             </a:pPr>
             <a:r>
+              <a:rPr lang="en-CA" sz="3600" dirty="0" smtClean="0"/>
+              <a:t>We used </a:t>
+            </a:r>
+            <a:r>
               <a:rPr lang="en-CA" sz="3600" dirty="0"/>
-              <a:t>We used social and classification data </a:t>
+              <a:t>social and classification data </a:t>
             </a:r>
             <a:r>
               <a:rPr lang="en-CA" sz="3600" dirty="0" smtClean="0"/>
@@ -3890,8 +3894,12 @@
               <a:buChar char="▶"/>
             </a:pPr>
             <a:r>
+              <a:rPr lang="en-CA" sz="3600" dirty="0" smtClean="0"/>
+              <a:t>Sample 10 </a:t>
+            </a:r>
+            <a:r>
               <a:rPr lang="en-CA" sz="3600" dirty="0"/>
-              <a:t>Sample 10 million tweets across 50,000 users.</a:t>
+              <a:t>million tweets across 50,000 users.</a:t>
             </a:r>
           </a:p>
           <a:p>
@@ -3903,8 +3911,12 @@
               <a:buChar char="▶"/>
             </a:pPr>
             <a:r>
+              <a:rPr lang="en-CA" sz="3600" dirty="0" smtClean="0"/>
+              <a:t>Newest </a:t>
+            </a:r>
+            <a:r>
               <a:rPr lang="en-CA" sz="3600" dirty="0"/>
-              <a:t>Newest tweeted is a user’s primary activity, secondary activities are those mentioned in older tweets.</a:t>
+              <a:t>tweeted is a user’s primary activity, secondary activities are those mentioned in older tweets.</a:t>
             </a:r>
           </a:p>
           <a:p>
@@ -3980,12 +3992,12 @@
               <a:t>77 activity </a:t>
             </a:r>
             <a:r>
-              <a:rPr lang="en-CA" sz="3600" dirty="0">
+              <a:rPr lang="en-CA" sz="3600" dirty="0" smtClean="0">
                 <a:solidFill>
                   <a:prstClr val="black"/>
                 </a:solidFill>
               </a:rPr>
-              <a:t>nodes.</a:t>
+              <a:t>nodes</a:t>
             </a:r>
             <a:endParaRPr lang="en-CA" sz="3600" b="0" i="1" dirty="0">
               <a:latin typeface="Cambria Math" panose="02040503050406030204" pitchFamily="18" charset="0"/>
@@ -4740,7 +4752,7 @@
           <p:nvPr>
             <p:extLst>
               <p:ext uri="{D42A27DB-BD31-4B8C-83A1-F6EECF244321}">
-                <p14:modId xmlns:p14="http://schemas.microsoft.com/office/powerpoint/2010/main" val="438742233"/>
+                <p14:modId xmlns:p14="http://schemas.microsoft.com/office/powerpoint/2010/main" val="3102142493"/>
               </p:ext>
             </p:extLst>
           </p:nvPr>
@@ -4759,28 +4771,28 @@
                 <a:gridCol w="2453135">
                   <a:extLst>
                     <a:ext uri="{9D8B030D-6E8A-4147-A177-3AD203B41FA5}">
-                      <a16:colId xmlns:a16="http://schemas.microsoft.com/office/drawing/2014/main" xmlns="" val="3234236087"/>
+                      <a16:colId xmlns:a16="http://schemas.microsoft.com/office/drawing/2014/main" val="3234236087"/>
                     </a:ext>
                   </a:extLst>
                 </a:gridCol>
                 <a:gridCol w="2453135">
                   <a:extLst>
                     <a:ext uri="{9D8B030D-6E8A-4147-A177-3AD203B41FA5}">
-                      <a16:colId xmlns:a16="http://schemas.microsoft.com/office/drawing/2014/main" xmlns="" val="2361038209"/>
+                      <a16:colId xmlns:a16="http://schemas.microsoft.com/office/drawing/2014/main" val="2361038209"/>
                     </a:ext>
                   </a:extLst>
                 </a:gridCol>
                 <a:gridCol w="2453135">
                   <a:extLst>
                     <a:ext uri="{9D8B030D-6E8A-4147-A177-3AD203B41FA5}">
-                      <a16:colId xmlns:a16="http://schemas.microsoft.com/office/drawing/2014/main" xmlns="" val="600948068"/>
+                      <a16:colId xmlns:a16="http://schemas.microsoft.com/office/drawing/2014/main" val="600948068"/>
                     </a:ext>
                   </a:extLst>
                 </a:gridCol>
                 <a:gridCol w="2453135">
                   <a:extLst>
                     <a:ext uri="{9D8B030D-6E8A-4147-A177-3AD203B41FA5}">
-                      <a16:colId xmlns:a16="http://schemas.microsoft.com/office/drawing/2014/main" xmlns="" val="3971599481"/>
+                      <a16:colId xmlns:a16="http://schemas.microsoft.com/office/drawing/2014/main" val="3971599481"/>
                     </a:ext>
                   </a:extLst>
                 </a:gridCol>
@@ -4793,9 +4805,10 @@
                     <a:p>
                       <a:pPr algn="ctr"/>
                       <a:r>
-                        <a:rPr lang="en-CA" sz="2800" dirty="0"/>
-                        <a:t>Activities</a:t>
+                        <a:rPr lang="en-CA" sz="2800" smtClean="0"/>
+                        <a:t>Sample Activities</a:t>
                       </a:r>
+                      <a:endParaRPr lang="en-CA" sz="2800" dirty="0"/>
                     </a:p>
                   </a:txBody>
                   <a:tcPr marL="53521" marR="53521" marT="26760" marB="26760"/>
@@ -4853,7 +4866,7 @@
                 </a:tc>
                 <a:extLst>
                   <a:ext uri="{0D108BD9-81ED-4DB2-BD59-A6C34878D82A}">
-                    <a16:rowId xmlns:a16="http://schemas.microsoft.com/office/drawing/2014/main" xmlns="" val="1488854628"/>
+                    <a16:rowId xmlns:a16="http://schemas.microsoft.com/office/drawing/2014/main" val="1488854628"/>
                   </a:ext>
                 </a:extLst>
               </a:tr>
@@ -4956,7 +4969,7 @@
                 </a:tc>
                 <a:extLst>
                   <a:ext uri="{0D108BD9-81ED-4DB2-BD59-A6C34878D82A}">
-                    <a16:rowId xmlns:a16="http://schemas.microsoft.com/office/drawing/2014/main" xmlns="" val="2730295962"/>
+                    <a16:rowId xmlns:a16="http://schemas.microsoft.com/office/drawing/2014/main" val="2730295962"/>
                   </a:ext>
                 </a:extLst>
               </a:tr>
@@ -5061,7 +5074,7 @@
                 </a:tc>
                 <a:extLst>
                   <a:ext uri="{0D108BD9-81ED-4DB2-BD59-A6C34878D82A}">
-                    <a16:rowId xmlns:a16="http://schemas.microsoft.com/office/drawing/2014/main" xmlns="" val="944698896"/>
+                    <a16:rowId xmlns:a16="http://schemas.microsoft.com/office/drawing/2014/main" val="944698896"/>
                   </a:ext>
                 </a:extLst>
               </a:tr>
@@ -5126,7 +5139,7 @@
                 </a:tc>
                 <a:extLst>
                   <a:ext uri="{0D108BD9-81ED-4DB2-BD59-A6C34878D82A}">
-                    <a16:rowId xmlns:a16="http://schemas.microsoft.com/office/drawing/2014/main" xmlns="" val="542318825"/>
+                    <a16:rowId xmlns:a16="http://schemas.microsoft.com/office/drawing/2014/main" val="542318825"/>
                   </a:ext>
                 </a:extLst>
               </a:tr>
@@ -5191,7 +5204,7 @@
                 </a:tc>
                 <a:extLst>
                   <a:ext uri="{0D108BD9-81ED-4DB2-BD59-A6C34878D82A}">
-                    <a16:rowId xmlns:a16="http://schemas.microsoft.com/office/drawing/2014/main" xmlns="" val="2736929169"/>
+                    <a16:rowId xmlns:a16="http://schemas.microsoft.com/office/drawing/2014/main" val="2736929169"/>
                   </a:ext>
                 </a:extLst>
               </a:tr>
@@ -5240,7 +5253,7 @@
                               <a:solidFill>
                                 <a:prstClr val="black"/>
                               </a:solidFill>
-                              <a:latin typeface="Cambria Math"/>
+                              <a:latin typeface="Cambria Math" panose="02040503050406030204" pitchFamily="18" charset="0"/>
                             </a:rPr>
                           </m:ctrlPr>
                         </m:sSubPr>
@@ -5274,7 +5287,7 @@
                               <a:solidFill>
                                 <a:prstClr val="black"/>
                               </a:solidFill>
-                              <a:latin typeface="Cambria Math"/>
+                              <a:latin typeface="Cambria Math" panose="02040503050406030204" pitchFamily="18" charset="0"/>
                             </a:rPr>
                           </m:ctrlPr>
                         </m:dPr>
@@ -5286,7 +5299,7 @@
                                   <a:solidFill>
                                     <a:prstClr val="black"/>
                                   </a:solidFill>
-                                  <a:latin typeface="Cambria Math"/>
+                                  <a:latin typeface="Cambria Math" panose="02040503050406030204" pitchFamily="18" charset="0"/>
                                 </a:rPr>
                               </m:ctrlPr>
                             </m:sSubPr>
@@ -5329,7 +5342,7 @@
                                   <a:solidFill>
                                     <a:prstClr val="black"/>
                                   </a:solidFill>
-                                  <a:latin typeface="Cambria Math"/>
+                                  <a:latin typeface="Cambria Math" panose="02040503050406030204" pitchFamily="18" charset="0"/>
                                 </a:rPr>
                               </m:ctrlPr>
                             </m:sSubPr>
@@ -5374,7 +5387,7 @@
                               <a:solidFill>
                                 <a:prstClr val="black"/>
                               </a:solidFill>
-                              <a:latin typeface="Cambria Math"/>
+                              <a:latin typeface="Cambria Math" panose="02040503050406030204" pitchFamily="18" charset="0"/>
                               <a:ea typeface="Cambria Math" panose="02040503050406030204" pitchFamily="18" charset="0"/>
                             </a:rPr>
                           </m:ctrlPr>
@@ -5389,7 +5402,7 @@
                                   <a:solidFill>
                                     <a:prstClr val="black"/>
                                   </a:solidFill>
-                                  <a:latin typeface="Cambria Math"/>
+                                  <a:latin typeface="Cambria Math" panose="02040503050406030204" pitchFamily="18" charset="0"/>
                                   <a:ea typeface="Cambria Math" panose="02040503050406030204" pitchFamily="18" charset="0"/>
                                 </a:rPr>
                               </m:ctrlPr>
@@ -5402,7 +5415,7 @@
                                       <a:solidFill>
                                         <a:prstClr val="black"/>
                                       </a:solidFill>
-                                      <a:latin typeface="Cambria Math"/>
+                                      <a:latin typeface="Cambria Math" panose="02040503050406030204" pitchFamily="18" charset="0"/>
                                       <a:ea typeface="Cambria Math" panose="02040503050406030204" pitchFamily="18" charset="0"/>
                                     </a:rPr>
                                   </m:ctrlPr>
@@ -5442,7 +5455,7 @@
                                       <a:solidFill>
                                         <a:prstClr val="black"/>
                                       </a:solidFill>
-                                      <a:latin typeface="Cambria Math"/>
+                                      <a:latin typeface="Cambria Math" panose="02040503050406030204" pitchFamily="18" charset="0"/>
                                       <a:ea typeface="Cambria Math" panose="02040503050406030204" pitchFamily="18" charset="0"/>
                                     </a:rPr>
                                   </m:ctrlPr>
@@ -5469,7 +5482,7 @@
                                           <a:solidFill>
                                             <a:prstClr val="black"/>
                                           </a:solidFill>
-                                          <a:latin typeface="Cambria Math"/>
+                                          <a:latin typeface="Cambria Math" panose="02040503050406030204" pitchFamily="18" charset="0"/>
                                           <a:ea typeface="Cambria Math" panose="02040503050406030204" pitchFamily="18" charset="0"/>
                                         </a:rPr>
                                       </m:ctrlPr>
@@ -5482,7 +5495,7 @@
                                               <a:solidFill>
                                                 <a:prstClr val="black"/>
                                               </a:solidFill>
-                                              <a:latin typeface="Cambria Math"/>
+                                              <a:latin typeface="Cambria Math" panose="02040503050406030204" pitchFamily="18" charset="0"/>
                                               <a:ea typeface="Cambria Math" panose="02040503050406030204" pitchFamily="18" charset="0"/>
                                             </a:rPr>
                                           </m:ctrlPr>
@@ -5529,7 +5542,7 @@
                                               <a:solidFill>
                                                 <a:prstClr val="black"/>
                                               </a:solidFill>
-                                              <a:latin typeface="Cambria Math"/>
+                                              <a:latin typeface="Cambria Math" panose="02040503050406030204" pitchFamily="18" charset="0"/>
                                               <a:ea typeface="Cambria Math" panose="02040503050406030204" pitchFamily="18" charset="0"/>
                                             </a:rPr>
                                           </m:ctrlPr>
@@ -5576,7 +5589,7 @@
                                   <a:solidFill>
                                     <a:prstClr val="black"/>
                                   </a:solidFill>
-                                  <a:latin typeface="Cambria Math"/>
+                                  <a:latin typeface="Cambria Math" panose="02040503050406030204" pitchFamily="18" charset="0"/>
                                   <a:ea typeface="Cambria Math" panose="02040503050406030204" pitchFamily="18" charset="0"/>
                                 </a:rPr>
                               </m:ctrlPr>
@@ -5607,7 +5620,7 @@
                                       <a:solidFill>
                                         <a:prstClr val="black"/>
                                       </a:solidFill>
-                                      <a:latin typeface="Cambria Math"/>
+                                      <a:latin typeface="Cambria Math" panose="02040503050406030204" pitchFamily="18" charset="0"/>
                                       <a:ea typeface="Cambria Math" panose="02040503050406030204" pitchFamily="18" charset="0"/>
                                     </a:rPr>
                                   </m:ctrlPr>
@@ -5620,7 +5633,7 @@
                                           <a:solidFill>
                                             <a:prstClr val="black"/>
                                           </a:solidFill>
-                                          <a:latin typeface="Cambria Math"/>
+                                          <a:latin typeface="Cambria Math" panose="02040503050406030204" pitchFamily="18" charset="0"/>
                                           <a:ea typeface="Cambria Math" panose="02040503050406030204" pitchFamily="18" charset="0"/>
                                         </a:rPr>
                                       </m:ctrlPr>
@@ -5660,7 +5673,7 @@
                                           <a:solidFill>
                                             <a:prstClr val="black"/>
                                           </a:solidFill>
-                                          <a:latin typeface="Cambria Math"/>
+                                          <a:latin typeface="Cambria Math" panose="02040503050406030204" pitchFamily="18" charset="0"/>
                                           <a:ea typeface="Cambria Math" panose="02040503050406030204" pitchFamily="18" charset="0"/>
                                         </a:rPr>
                                       </m:ctrlPr>
@@ -5687,7 +5700,7 @@
                                               <a:solidFill>
                                                 <a:prstClr val="black"/>
                                               </a:solidFill>
-                                              <a:latin typeface="Cambria Math"/>
+                                              <a:latin typeface="Cambria Math" panose="02040503050406030204" pitchFamily="18" charset="0"/>
                                               <a:ea typeface="Cambria Math" panose="02040503050406030204" pitchFamily="18" charset="0"/>
                                             </a:rPr>
                                           </m:ctrlPr>
@@ -5700,7 +5713,7 @@
                                                   <a:solidFill>
                                                     <a:prstClr val="black"/>
                                                   </a:solidFill>
-                                                  <a:latin typeface="Cambria Math"/>
+                                                  <a:latin typeface="Cambria Math" panose="02040503050406030204" pitchFamily="18" charset="0"/>
                                                   <a:ea typeface="Cambria Math" panose="02040503050406030204" pitchFamily="18" charset="0"/>
                                                 </a:rPr>
                                               </m:ctrlPr>
@@ -5747,7 +5760,7 @@
                                                   <a:solidFill>
                                                     <a:prstClr val="black"/>
                                                   </a:solidFill>
-                                                  <a:latin typeface="Cambria Math"/>
+                                                  <a:latin typeface="Cambria Math" panose="02040503050406030204" pitchFamily="18" charset="0"/>
                                                   <a:ea typeface="Cambria Math" panose="02040503050406030204" pitchFamily="18" charset="0"/>
                                                 </a:rPr>
                                               </m:ctrlPr>
@@ -5826,7 +5839,7 @@
                             <a:solidFill>
                               <a:prstClr val="black"/>
                             </a:solidFill>
-                            <a:latin typeface="Cambria Math"/>
+                            <a:latin typeface="Cambria Math" panose="02040503050406030204" pitchFamily="18" charset="0"/>
                           </a:rPr>
                         </m:ctrlPr>
                       </m:sSubPr>
@@ -5860,7 +5873,7 @@
                             <a:solidFill>
                               <a:prstClr val="black"/>
                             </a:solidFill>
-                            <a:latin typeface="Cambria Math"/>
+                            <a:latin typeface="Cambria Math" panose="02040503050406030204" pitchFamily="18" charset="0"/>
                           </a:rPr>
                         </m:ctrlPr>
                       </m:dPr>
@@ -5872,7 +5885,7 @@
                                 <a:solidFill>
                                   <a:prstClr val="black"/>
                                 </a:solidFill>
-                                <a:latin typeface="Cambria Math"/>
+                                <a:latin typeface="Cambria Math" panose="02040503050406030204" pitchFamily="18" charset="0"/>
                               </a:rPr>
                             </m:ctrlPr>
                           </m:sSubPr>
@@ -5900,13 +5913,13 @@
                           </m:sub>
                         </m:sSub>
                         <m:r>
-                          <a:rPr lang="en-CA" sz="2800" i="1">
+                          <a:rPr lang="en-US" sz="2800" b="0" i="1" smtClean="0">
                             <a:solidFill>
                               <a:prstClr val="black"/>
                             </a:solidFill>
                             <a:latin typeface="Cambria Math" panose="02040503050406030204" pitchFamily="18" charset="0"/>
                           </a:rPr>
-                          <m:t>,</m:t>
+                          <m:t>|</m:t>
                         </m:r>
                         <m:sSub>
                           <m:sSubPr>
@@ -5915,7 +5928,7 @@
                                 <a:solidFill>
                                   <a:prstClr val="black"/>
                                 </a:solidFill>
-                                <a:latin typeface="Cambria Math"/>
+                                <a:latin typeface="Cambria Math" panose="02040503050406030204" pitchFamily="18" charset="0"/>
                               </a:rPr>
                             </m:ctrlPr>
                           </m:sSubPr>
@@ -5974,7 +5987,7 @@
                             <a:solidFill>
                               <a:prstClr val="black"/>
                             </a:solidFill>
-                            <a:latin typeface="Cambria Math"/>
+                            <a:latin typeface="Cambria Math" panose="02040503050406030204" pitchFamily="18" charset="0"/>
                           </a:rPr>
                         </m:ctrlPr>
                       </m:naryPr>
@@ -6037,11 +6050,20 @@
                                 <a:solidFill>
                                   <a:prstClr val="black"/>
                                 </a:solidFill>
-                                <a:latin typeface="Cambria Math"/>
+                                <a:latin typeface="Cambria Math" panose="02040503050406030204" pitchFamily="18" charset="0"/>
                               </a:rPr>
                             </m:ctrlPr>
                           </m:sSupPr>
                           <m:e>
+                            <m:r>
+                              <a:rPr lang="en-US" sz="2800" b="0" i="1" dirty="0" smtClean="0">
+                                <a:solidFill>
+                                  <a:prstClr val="black"/>
+                                </a:solidFill>
+                                <a:latin typeface="Cambria Math" panose="02040503050406030204" pitchFamily="18" charset="0"/>
+                              </a:rPr>
+                              <m:t>(</m:t>
+                            </m:r>
                             <m:r>
                               <a:rPr lang="en-US" sz="2800" b="0" i="1" dirty="0" smtClean="0">
                                 <a:solidFill>
@@ -6078,7 +6100,7 @@
                                     <a:solidFill>
                                       <a:prstClr val="black"/>
                                     </a:solidFill>
-                                    <a:latin typeface="Cambria Math"/>
+                                    <a:latin typeface="Cambria Math" panose="02040503050406030204" pitchFamily="18" charset="0"/>
                                   </a:rPr>
                                 </m:ctrlPr>
                               </m:dPr>
@@ -6103,7 +6125,25 @@
                             </a:solidFill>
                             <a:latin typeface="Cambria Math"/>
                           </a:rPr>
-                          <m:t>−1+</m:t>
+                          <m:t>−1</m:t>
+                        </m:r>
+                        <m:r>
+                          <a:rPr lang="en-US" sz="2800" b="0" i="1" dirty="0" smtClean="0">
+                            <a:solidFill>
+                              <a:prstClr val="black"/>
+                            </a:solidFill>
+                            <a:latin typeface="Cambria Math" panose="02040503050406030204" pitchFamily="18" charset="0"/>
+                          </a:rPr>
+                          <m:t>)</m:t>
+                        </m:r>
+                        <m:r>
+                          <a:rPr lang="en-US" sz="2800" b="0" i="1" dirty="0" smtClean="0">
+                            <a:solidFill>
+                              <a:prstClr val="black"/>
+                            </a:solidFill>
+                            <a:latin typeface="Cambria Math"/>
+                          </a:rPr>
+                          <m:t>+</m:t>
                         </m:r>
                         <m:r>
                           <a:rPr lang="en-US" sz="2800" b="0" i="1" dirty="0" smtClean="0">
@@ -6121,7 +6161,7 @@
                                 <a:solidFill>
                                   <a:prstClr val="black"/>
                                 </a:solidFill>
-                                <a:latin typeface="Cambria Math"/>
+                                <a:latin typeface="Cambria Math" panose="02040503050406030204" pitchFamily="18" charset="0"/>
                               </a:rPr>
                             </m:ctrlPr>
                           </m:sSupPr>
@@ -6133,7 +6173,7 @@
                                     <a:solidFill>
                                       <a:prstClr val="black"/>
                                     </a:solidFill>
-                                    <a:latin typeface="Cambria Math"/>
+                                    <a:latin typeface="Cambria Math" panose="02040503050406030204" pitchFamily="18" charset="0"/>
                                   </a:rPr>
                                 </m:ctrlPr>
                               </m:dPr>
@@ -6316,7 +6356,7 @@
                     </m:oMath>
                   </m:oMathPara>
                 </a14:m>
-                <a:endParaRPr lang="en-CA" sz="2800" dirty="0">
+                <a:endParaRPr lang="en-CA" sz="2800" dirty="0" smtClean="0">
                   <a:solidFill>
                     <a:prstClr val="black"/>
                   </a:solidFill>
@@ -6362,7 +6402,7 @@
                               <a:solidFill>
                                 <a:prstClr val="black"/>
                               </a:solidFill>
-                              <a:latin typeface="Cambria Math"/>
+                              <a:latin typeface="Cambria Math" panose="02040503050406030204" pitchFamily="18" charset="0"/>
                             </a:rPr>
                           </m:ctrlPr>
                         </m:dPr>
@@ -6374,7 +6414,7 @@
                                   <a:solidFill>
                                     <a:prstClr val="black"/>
                                   </a:solidFill>
-                                  <a:latin typeface="Cambria Math"/>
+                                  <a:latin typeface="Cambria Math" panose="02040503050406030204" pitchFamily="18" charset="0"/>
                                 </a:rPr>
                               </m:ctrlPr>
                             </m:sSubPr>
@@ -6417,7 +6457,7 @@
                                   <a:solidFill>
                                     <a:prstClr val="black"/>
                                   </a:solidFill>
-                                  <a:latin typeface="Cambria Math"/>
+                                  <a:latin typeface="Cambria Math" panose="02040503050406030204" pitchFamily="18" charset="0"/>
                                 </a:rPr>
                               </m:ctrlPr>
                             </m:sSubPr>
@@ -6480,7 +6520,7 @@
                               <a:solidFill>
                                 <a:prstClr val="black"/>
                               </a:solidFill>
-                              <a:latin typeface="Cambria Math"/>
+                              <a:latin typeface="Cambria Math" panose="02040503050406030204" pitchFamily="18" charset="0"/>
                             </a:rPr>
                           </m:ctrlPr>
                         </m:sSubPr>
@@ -6504,6 +6544,15 @@
                               <a:latin typeface="Cambria Math" panose="02040503050406030204" pitchFamily="18" charset="0"/>
                             </a:rPr>
                             <m:t>𝑇</m:t>
+                          </m:r>
+                          <m:r>
+                            <a:rPr lang="en-US" sz="2800" b="0" i="1" smtClean="0">
+                              <a:solidFill>
+                                <a:prstClr val="black"/>
+                              </a:solidFill>
+                              <a:latin typeface="Cambria Math" panose="02040503050406030204" pitchFamily="18" charset="0"/>
+                            </a:rPr>
+                            <m:t>𝑤𝑖𝑡𝑡𝑒𝑟</m:t>
                           </m:r>
                         </m:sub>
                       </m:sSub>
@@ -6541,7 +6590,7 @@
                               <a:solidFill>
                                 <a:prstClr val="black"/>
                               </a:solidFill>
-                              <a:latin typeface="Cambria Math"/>
+                              <a:latin typeface="Cambria Math" panose="02040503050406030204" pitchFamily="18" charset="0"/>
                             </a:rPr>
                           </m:ctrlPr>
                         </m:sSubPr>
@@ -6565,6 +6614,15 @@
                               <a:latin typeface="Cambria Math" panose="02040503050406030204" pitchFamily="18" charset="0"/>
                             </a:rPr>
                             <m:t>𝑊</m:t>
+                          </m:r>
+                          <m:r>
+                            <a:rPr lang="en-US" sz="2800" b="0" i="1" smtClean="0">
+                              <a:solidFill>
+                                <a:prstClr val="black"/>
+                              </a:solidFill>
+                              <a:latin typeface="Cambria Math" panose="02040503050406030204" pitchFamily="18" charset="0"/>
+                            </a:rPr>
+                            <m:t>𝑖𝑘𝑖</m:t>
                           </m:r>
                         </m:sub>
                       </m:sSub>
@@ -6593,7 +6651,7 @@
               <a:prstGeom prst="rect">
                 <a:avLst/>
               </a:prstGeom>
-              <a:blipFill rotWithShape="1">
+              <a:blipFill>
                 <a:blip r:embed="rId8"/>
                 <a:stretch>
                   <a:fillRect/>
@@ -6605,7 +6663,7 @@
               <a:lstStyle/>
               <a:p>
                 <a:r>
-                  <a:rPr lang="en-US">
+                  <a:rPr lang="en-IN">
                     <a:noFill/>
                   </a:rPr>
                   <a:t> </a:t>
@@ -6785,6 +6843,13 @@
   <p:clrMapOvr>
     <a:masterClrMapping/>
   </p:clrMapOvr>
+  <p:timing>
+    <p:tnLst>
+      <p:par>
+        <p:cTn id="1" dur="indefinite" restart="never" nodeType="tmRoot"/>
+      </p:par>
+    </p:tnLst>
+  </p:timing>
 </p:sld>
 </file>
 
@@ -7043,7 +7108,7 @@
   <a:extraClrSchemeLst/>
   <a:extLst>
     <a:ext uri="{05A4C25C-085E-4340-85A3-A5531E510DB2}">
-      <thm15:themeFamily xmlns:thm15="http://schemas.microsoft.com/office/thememl/2012/main" xmlns="" name="Office Theme" id="{62F939B6-93AF-4DB8-9C6B-D6C7DFDC589F}" vid="{4A3C46E8-61CC-4603-A589-7422A47A8E4A}"/>
+      <thm15:themeFamily xmlns:thm15="http://schemas.microsoft.com/office/thememl/2012/main" name="Office Theme" id="{62F939B6-93AF-4DB8-9C6B-D6C7DFDC589F}" vid="{4A3C46E8-61CC-4603-A589-7422A47A8E4A}"/>
     </a:ext>
   </a:extLst>
 </a:theme>

--- a/poster/poster.pptx
+++ b/poster/poster.pptx
@@ -123,6 +123,2328 @@
 </p:presentation>
 </file>
 
+<file path=ppt/charts/chart1.xml><?xml version="1.0" encoding="utf-8"?>
+<c:chartSpace xmlns:c="http://schemas.openxmlformats.org/drawingml/2006/chart" xmlns:a="http://schemas.openxmlformats.org/drawingml/2006/main" xmlns:r="http://schemas.openxmlformats.org/officeDocument/2006/relationships" xmlns:c16r2="http://schemas.microsoft.com/office/drawing/2015/06/chart">
+  <c:date1904 val="0"/>
+  <c:lang val="en-US"/>
+  <c:roundedCorners val="0"/>
+  <mc:AlternateContent xmlns:mc="http://schemas.openxmlformats.org/markup-compatibility/2006">
+    <mc:Choice xmlns:c14="http://schemas.microsoft.com/office/drawing/2007/8/2/chart" Requires="c14">
+      <c14:style val="102"/>
+    </mc:Choice>
+    <mc:Fallback>
+      <c:style val="2"/>
+    </mc:Fallback>
+  </mc:AlternateContent>
+  <c:chart>
+    <c:title>
+      <c:tx>
+        <c:rich>
+          <a:bodyPr rot="0" spcFirstLastPara="1" vertOverflow="ellipsis" vert="horz" wrap="square" anchor="ctr" anchorCtr="1"/>
+          <a:lstStyle/>
+          <a:p>
+            <a:pPr>
+              <a:defRPr sz="2400" b="1" i="0" u="none" strike="noStrike" kern="1200" spc="0" baseline="0">
+                <a:solidFill>
+                  <a:schemeClr val="tx1">
+                    <a:lumMod val="65000"/>
+                    <a:lumOff val="35000"/>
+                  </a:schemeClr>
+                </a:solidFill>
+                <a:latin typeface="+mn-lt"/>
+                <a:ea typeface="+mn-ea"/>
+                <a:cs typeface="+mn-cs"/>
+              </a:defRPr>
+            </a:pPr>
+            <a:r>
+              <a:rPr lang="en-US" sz="2400" b="1" dirty="0"/>
+              <a:t>Effect of Varying </a:t>
+            </a:r>
+            <a:r>
+              <a:rPr lang="el-GR" sz="2400" b="1" dirty="0"/>
+              <a:t>α</a:t>
+            </a:r>
+            <a:r>
+              <a:rPr lang="en-CA" sz="2400" b="1" dirty="0"/>
+              <a:t> With </a:t>
+            </a:r>
+            <a:r>
+              <a:rPr lang="en-US" sz="2400" b="1" dirty="0"/>
+              <a:t>5 Recommendations</a:t>
+            </a:r>
+          </a:p>
+        </c:rich>
+      </c:tx>
+      <c:overlay val="0"/>
+      <c:spPr>
+        <a:noFill/>
+        <a:ln>
+          <a:noFill/>
+        </a:ln>
+        <a:effectLst/>
+      </c:spPr>
+      <c:txPr>
+        <a:bodyPr rot="0" spcFirstLastPara="1" vertOverflow="ellipsis" vert="horz" wrap="square" anchor="ctr" anchorCtr="1"/>
+        <a:lstStyle/>
+        <a:p>
+          <a:pPr>
+            <a:defRPr sz="2400" b="1" i="0" u="none" strike="noStrike" kern="1200" spc="0" baseline="0">
+              <a:solidFill>
+                <a:schemeClr val="tx1">
+                  <a:lumMod val="65000"/>
+                  <a:lumOff val="35000"/>
+                </a:schemeClr>
+              </a:solidFill>
+              <a:latin typeface="+mn-lt"/>
+              <a:ea typeface="+mn-ea"/>
+              <a:cs typeface="+mn-cs"/>
+            </a:defRPr>
+          </a:pPr>
+          <a:endParaRPr lang="en-US"/>
+        </a:p>
+      </c:txPr>
+    </c:title>
+    <c:autoTitleDeleted val="0"/>
+    <c:plotArea>
+      <c:layout/>
+      <c:scatterChart>
+        <c:scatterStyle val="smoothMarker"/>
+        <c:varyColors val="0"/>
+        <c:ser>
+          <c:idx val="0"/>
+          <c:order val="0"/>
+          <c:spPr>
+            <a:ln w="50800" cap="rnd">
+              <a:solidFill>
+                <a:schemeClr val="accent1"/>
+              </a:solidFill>
+              <a:round/>
+            </a:ln>
+            <a:effectLst/>
+          </c:spPr>
+          <c:marker>
+            <c:symbol val="none"/>
+          </c:marker>
+          <c:xVal>
+            <c:numRef>
+              <c:f>Sheet1!$A$1:$A$11</c:f>
+              <c:numCache>
+                <c:formatCode>General</c:formatCode>
+                <c:ptCount val="11"/>
+                <c:pt idx="0">
+                  <c:v>0</c:v>
+                </c:pt>
+                <c:pt idx="1">
+                  <c:v>0.1</c:v>
+                </c:pt>
+                <c:pt idx="2">
+                  <c:v>0.2</c:v>
+                </c:pt>
+                <c:pt idx="3">
+                  <c:v>0.3</c:v>
+                </c:pt>
+                <c:pt idx="4">
+                  <c:v>0.4</c:v>
+                </c:pt>
+                <c:pt idx="5">
+                  <c:v>0.5</c:v>
+                </c:pt>
+                <c:pt idx="6">
+                  <c:v>0.6</c:v>
+                </c:pt>
+                <c:pt idx="7">
+                  <c:v>0.7</c:v>
+                </c:pt>
+                <c:pt idx="8">
+                  <c:v>0.8</c:v>
+                </c:pt>
+                <c:pt idx="9">
+                  <c:v>0.9</c:v>
+                </c:pt>
+                <c:pt idx="10">
+                  <c:v>1</c:v>
+                </c:pt>
+              </c:numCache>
+            </c:numRef>
+          </c:xVal>
+          <c:yVal>
+            <c:numRef>
+              <c:f>Sheet1!$B$1:$B$11</c:f>
+              <c:numCache>
+                <c:formatCode>General</c:formatCode>
+                <c:ptCount val="11"/>
+                <c:pt idx="0">
+                  <c:v>10.9888441831646</c:v>
+                </c:pt>
+                <c:pt idx="1">
+                  <c:v>15.8764145702938</c:v>
+                </c:pt>
+                <c:pt idx="2">
+                  <c:v>23.808948962716102</c:v>
+                </c:pt>
+                <c:pt idx="3">
+                  <c:v>30.697927380411201</c:v>
+                </c:pt>
+                <c:pt idx="4">
+                  <c:v>33.884221705367302</c:v>
+                </c:pt>
+                <c:pt idx="5">
+                  <c:v>34.893685980857803</c:v>
+                </c:pt>
+                <c:pt idx="6">
+                  <c:v>34.877336685158703</c:v>
+                </c:pt>
+                <c:pt idx="7">
+                  <c:v>34.7572984766351</c:v>
+                </c:pt>
+                <c:pt idx="8">
+                  <c:v>34.4238465417451</c:v>
+                </c:pt>
+                <c:pt idx="9">
+                  <c:v>34.3272530220897</c:v>
+                </c:pt>
+                <c:pt idx="10">
+                  <c:v>34.131381977671502</c:v>
+                </c:pt>
+              </c:numCache>
+            </c:numRef>
+          </c:yVal>
+          <c:smooth val="1"/>
+          <c:extLst>
+            <c:ext xmlns:c16="http://schemas.microsoft.com/office/drawing/2014/chart" uri="{C3380CC4-5D6E-409C-BE32-E72D297353CC}">
+              <c16:uniqueId val="{00000000-265C-43FC-8F45-4796C1A52146}"/>
+            </c:ext>
+          </c:extLst>
+        </c:ser>
+        <c:dLbls>
+          <c:showLegendKey val="0"/>
+          <c:showVal val="0"/>
+          <c:showCatName val="0"/>
+          <c:showSerName val="0"/>
+          <c:showPercent val="0"/>
+          <c:showBubbleSize val="0"/>
+        </c:dLbls>
+        <c:axId val="315353760"/>
+        <c:axId val="423277352"/>
+      </c:scatterChart>
+      <c:valAx>
+        <c:axId val="315353760"/>
+        <c:scaling>
+          <c:orientation val="minMax"/>
+          <c:max val="1"/>
+        </c:scaling>
+        <c:delete val="0"/>
+        <c:axPos val="b"/>
+        <c:majorGridlines>
+          <c:spPr>
+            <a:ln w="9525" cap="flat" cmpd="sng" algn="ctr">
+              <a:solidFill>
+                <a:schemeClr val="tx1">
+                  <a:lumMod val="15000"/>
+                  <a:lumOff val="85000"/>
+                </a:schemeClr>
+              </a:solidFill>
+              <a:round/>
+            </a:ln>
+            <a:effectLst/>
+          </c:spPr>
+        </c:majorGridlines>
+        <c:title>
+          <c:tx>
+            <c:rich>
+              <a:bodyPr rot="0" spcFirstLastPara="1" vertOverflow="ellipsis" vert="horz" wrap="square" anchor="ctr" anchorCtr="1"/>
+              <a:lstStyle/>
+              <a:p>
+                <a:pPr>
+                  <a:defRPr sz="2400" b="0" i="0" u="none" strike="noStrike" kern="1200" baseline="0">
+                    <a:solidFill>
+                      <a:schemeClr val="tx1">
+                        <a:lumMod val="65000"/>
+                        <a:lumOff val="35000"/>
+                      </a:schemeClr>
+                    </a:solidFill>
+                    <a:latin typeface="+mn-lt"/>
+                    <a:ea typeface="+mn-ea"/>
+                    <a:cs typeface="+mn-cs"/>
+                  </a:defRPr>
+                </a:pPr>
+                <a:r>
+                  <a:rPr lang="el-GR" sz="2400" dirty="0"/>
+                  <a:t>α</a:t>
+                </a:r>
+                <a:endParaRPr lang="en-CA" sz="2400" dirty="0"/>
+              </a:p>
+            </c:rich>
+          </c:tx>
+          <c:overlay val="0"/>
+          <c:spPr>
+            <a:noFill/>
+            <a:ln>
+              <a:noFill/>
+            </a:ln>
+            <a:effectLst/>
+          </c:spPr>
+          <c:txPr>
+            <a:bodyPr rot="0" spcFirstLastPara="1" vertOverflow="ellipsis" vert="horz" wrap="square" anchor="ctr" anchorCtr="1"/>
+            <a:lstStyle/>
+            <a:p>
+              <a:pPr>
+                <a:defRPr sz="2400" b="0" i="0" u="none" strike="noStrike" kern="1200" baseline="0">
+                  <a:solidFill>
+                    <a:schemeClr val="tx1">
+                      <a:lumMod val="65000"/>
+                      <a:lumOff val="35000"/>
+                    </a:schemeClr>
+                  </a:solidFill>
+                  <a:latin typeface="+mn-lt"/>
+                  <a:ea typeface="+mn-ea"/>
+                  <a:cs typeface="+mn-cs"/>
+                </a:defRPr>
+              </a:pPr>
+              <a:endParaRPr lang="en-US"/>
+            </a:p>
+          </c:txPr>
+        </c:title>
+        <c:numFmt formatCode="General" sourceLinked="1"/>
+        <c:majorTickMark val="none"/>
+        <c:minorTickMark val="none"/>
+        <c:tickLblPos val="nextTo"/>
+        <c:spPr>
+          <a:noFill/>
+          <a:ln w="9525" cap="flat" cmpd="sng" algn="ctr">
+            <a:solidFill>
+              <a:schemeClr val="tx1">
+                <a:lumMod val="25000"/>
+                <a:lumOff val="75000"/>
+              </a:schemeClr>
+            </a:solidFill>
+            <a:round/>
+          </a:ln>
+          <a:effectLst/>
+        </c:spPr>
+        <c:txPr>
+          <a:bodyPr rot="-60000000" spcFirstLastPara="1" vertOverflow="ellipsis" vert="horz" wrap="square" anchor="ctr" anchorCtr="1"/>
+          <a:lstStyle/>
+          <a:p>
+            <a:pPr>
+              <a:defRPr sz="2000" b="0" i="0" u="none" strike="noStrike" kern="1200" baseline="0">
+                <a:solidFill>
+                  <a:schemeClr val="tx1">
+                    <a:lumMod val="65000"/>
+                    <a:lumOff val="35000"/>
+                  </a:schemeClr>
+                </a:solidFill>
+                <a:latin typeface="+mn-lt"/>
+                <a:ea typeface="+mn-ea"/>
+                <a:cs typeface="+mn-cs"/>
+              </a:defRPr>
+            </a:pPr>
+            <a:endParaRPr lang="en-US"/>
+          </a:p>
+        </c:txPr>
+        <c:crossAx val="423277352"/>
+        <c:crosses val="autoZero"/>
+        <c:crossBetween val="midCat"/>
+      </c:valAx>
+      <c:valAx>
+        <c:axId val="423277352"/>
+        <c:scaling>
+          <c:orientation val="minMax"/>
+        </c:scaling>
+        <c:delete val="0"/>
+        <c:axPos val="l"/>
+        <c:majorGridlines>
+          <c:spPr>
+            <a:ln w="9525" cap="flat" cmpd="sng" algn="ctr">
+              <a:solidFill>
+                <a:schemeClr val="tx1">
+                  <a:lumMod val="15000"/>
+                  <a:lumOff val="85000"/>
+                </a:schemeClr>
+              </a:solidFill>
+              <a:round/>
+            </a:ln>
+            <a:effectLst/>
+          </c:spPr>
+        </c:majorGridlines>
+        <c:title>
+          <c:tx>
+            <c:rich>
+              <a:bodyPr rot="-5400000" spcFirstLastPara="1" vertOverflow="ellipsis" vert="horz" wrap="square" anchor="ctr" anchorCtr="1"/>
+              <a:lstStyle/>
+              <a:p>
+                <a:pPr>
+                  <a:defRPr sz="2400" b="0" i="0" u="none" strike="noStrike" kern="1200" baseline="0">
+                    <a:solidFill>
+                      <a:schemeClr val="tx1">
+                        <a:lumMod val="65000"/>
+                        <a:lumOff val="35000"/>
+                      </a:schemeClr>
+                    </a:solidFill>
+                    <a:latin typeface="+mn-lt"/>
+                    <a:ea typeface="+mn-ea"/>
+                    <a:cs typeface="+mn-cs"/>
+                  </a:defRPr>
+                </a:pPr>
+                <a:r>
+                  <a:rPr lang="en-US" sz="2400"/>
+                  <a:t>Accuracy (%)</a:t>
+                </a:r>
+              </a:p>
+            </c:rich>
+          </c:tx>
+          <c:overlay val="0"/>
+          <c:spPr>
+            <a:noFill/>
+            <a:ln>
+              <a:noFill/>
+            </a:ln>
+            <a:effectLst/>
+          </c:spPr>
+          <c:txPr>
+            <a:bodyPr rot="-5400000" spcFirstLastPara="1" vertOverflow="ellipsis" vert="horz" wrap="square" anchor="ctr" anchorCtr="1"/>
+            <a:lstStyle/>
+            <a:p>
+              <a:pPr>
+                <a:defRPr sz="2400" b="0" i="0" u="none" strike="noStrike" kern="1200" baseline="0">
+                  <a:solidFill>
+                    <a:schemeClr val="tx1">
+                      <a:lumMod val="65000"/>
+                      <a:lumOff val="35000"/>
+                    </a:schemeClr>
+                  </a:solidFill>
+                  <a:latin typeface="+mn-lt"/>
+                  <a:ea typeface="+mn-ea"/>
+                  <a:cs typeface="+mn-cs"/>
+                </a:defRPr>
+              </a:pPr>
+              <a:endParaRPr lang="en-US"/>
+            </a:p>
+          </c:txPr>
+        </c:title>
+        <c:numFmt formatCode="General" sourceLinked="1"/>
+        <c:majorTickMark val="none"/>
+        <c:minorTickMark val="none"/>
+        <c:tickLblPos val="nextTo"/>
+        <c:spPr>
+          <a:noFill/>
+          <a:ln w="9525" cap="flat" cmpd="sng" algn="ctr">
+            <a:solidFill>
+              <a:schemeClr val="tx1">
+                <a:lumMod val="25000"/>
+                <a:lumOff val="75000"/>
+              </a:schemeClr>
+            </a:solidFill>
+            <a:round/>
+          </a:ln>
+          <a:effectLst/>
+        </c:spPr>
+        <c:txPr>
+          <a:bodyPr rot="-60000000" spcFirstLastPara="1" vertOverflow="ellipsis" vert="horz" wrap="square" anchor="ctr" anchorCtr="1"/>
+          <a:lstStyle/>
+          <a:p>
+            <a:pPr>
+              <a:defRPr sz="2000" b="0" i="0" u="none" strike="noStrike" kern="1200" baseline="0">
+                <a:solidFill>
+                  <a:schemeClr val="tx1">
+                    <a:lumMod val="65000"/>
+                    <a:lumOff val="35000"/>
+                  </a:schemeClr>
+                </a:solidFill>
+                <a:latin typeface="+mn-lt"/>
+                <a:ea typeface="+mn-ea"/>
+                <a:cs typeface="+mn-cs"/>
+              </a:defRPr>
+            </a:pPr>
+            <a:endParaRPr lang="en-US"/>
+          </a:p>
+        </c:txPr>
+        <c:crossAx val="315353760"/>
+        <c:crosses val="autoZero"/>
+        <c:crossBetween val="midCat"/>
+      </c:valAx>
+      <c:spPr>
+        <a:noFill/>
+        <a:ln>
+          <a:noFill/>
+        </a:ln>
+        <a:effectLst/>
+      </c:spPr>
+    </c:plotArea>
+    <c:plotVisOnly val="1"/>
+    <c:dispBlanksAs val="gap"/>
+    <c:showDLblsOverMax val="0"/>
+  </c:chart>
+  <c:spPr>
+    <a:noFill/>
+    <a:ln>
+      <a:noFill/>
+    </a:ln>
+    <a:effectLst/>
+  </c:spPr>
+  <c:txPr>
+    <a:bodyPr/>
+    <a:lstStyle/>
+    <a:p>
+      <a:pPr>
+        <a:defRPr/>
+      </a:pPr>
+      <a:endParaRPr lang="en-US"/>
+    </a:p>
+  </c:txPr>
+  <c:externalData r:id="rId3">
+    <c:autoUpdate val="0"/>
+  </c:externalData>
+</c:chartSpace>
+</file>
+
+<file path=ppt/charts/chart2.xml><?xml version="1.0" encoding="utf-8"?>
+<c:chartSpace xmlns:c="http://schemas.openxmlformats.org/drawingml/2006/chart" xmlns:a="http://schemas.openxmlformats.org/drawingml/2006/main" xmlns:r="http://schemas.openxmlformats.org/officeDocument/2006/relationships" xmlns:c16r2="http://schemas.microsoft.com/office/drawing/2015/06/chart">
+  <c:date1904 val="0"/>
+  <c:lang val="en-US"/>
+  <c:roundedCorners val="0"/>
+  <mc:AlternateContent xmlns:mc="http://schemas.openxmlformats.org/markup-compatibility/2006">
+    <mc:Choice xmlns:c14="http://schemas.microsoft.com/office/drawing/2007/8/2/chart" Requires="c14">
+      <c14:style val="102"/>
+    </mc:Choice>
+    <mc:Fallback>
+      <c:style val="2"/>
+    </mc:Fallback>
+  </mc:AlternateContent>
+  <c:chart>
+    <c:title>
+      <c:tx>
+        <c:rich>
+          <a:bodyPr rot="0" spcFirstLastPara="1" vertOverflow="ellipsis" vert="horz" wrap="square" anchor="ctr" anchorCtr="1"/>
+          <a:lstStyle/>
+          <a:p>
+            <a:pPr>
+              <a:defRPr sz="2400" b="1" i="0" u="none" strike="noStrike" kern="1200" spc="0" baseline="0">
+                <a:solidFill>
+                  <a:schemeClr val="tx1">
+                    <a:lumMod val="65000"/>
+                    <a:lumOff val="35000"/>
+                  </a:schemeClr>
+                </a:solidFill>
+                <a:latin typeface="+mn-lt"/>
+                <a:ea typeface="+mn-ea"/>
+                <a:cs typeface="+mn-cs"/>
+              </a:defRPr>
+            </a:pPr>
+            <a:r>
+              <a:rPr lang="en-US" sz="2400" b="1" i="0" baseline="0" dirty="0">
+                <a:effectLst/>
+              </a:rPr>
+              <a:t>Effect of Varying the Number of Recommendations (</a:t>
+            </a:r>
+            <a:r>
+              <a:rPr lang="el-GR" sz="2400" b="1" i="0" baseline="0" dirty="0">
+                <a:effectLst/>
+                <a:latin typeface="Times New Roman" panose="02020603050405020304" pitchFamily="18" charset="0"/>
+                <a:cs typeface="Times New Roman" panose="02020603050405020304" pitchFamily="18" charset="0"/>
+              </a:rPr>
+              <a:t>α</a:t>
+            </a:r>
+            <a:r>
+              <a:rPr lang="en-CA" sz="2400" b="1" i="0" baseline="0" dirty="0">
+                <a:effectLst/>
+                <a:latin typeface="Times New Roman" panose="02020603050405020304" pitchFamily="18" charset="0"/>
+                <a:cs typeface="Times New Roman" panose="02020603050405020304" pitchFamily="18" charset="0"/>
+              </a:rPr>
+              <a:t> = 0.5)</a:t>
+            </a:r>
+            <a:endParaRPr lang="en-CA" sz="2400" b="1" dirty="0">
+              <a:effectLst/>
+            </a:endParaRPr>
+          </a:p>
+        </c:rich>
+      </c:tx>
+      <c:overlay val="0"/>
+      <c:spPr>
+        <a:noFill/>
+        <a:ln>
+          <a:noFill/>
+        </a:ln>
+        <a:effectLst/>
+      </c:spPr>
+      <c:txPr>
+        <a:bodyPr rot="0" spcFirstLastPara="1" vertOverflow="ellipsis" vert="horz" wrap="square" anchor="ctr" anchorCtr="1"/>
+        <a:lstStyle/>
+        <a:p>
+          <a:pPr>
+            <a:defRPr sz="2400" b="1" i="0" u="none" strike="noStrike" kern="1200" spc="0" baseline="0">
+              <a:solidFill>
+                <a:schemeClr val="tx1">
+                  <a:lumMod val="65000"/>
+                  <a:lumOff val="35000"/>
+                </a:schemeClr>
+              </a:solidFill>
+              <a:latin typeface="+mn-lt"/>
+              <a:ea typeface="+mn-ea"/>
+              <a:cs typeface="+mn-cs"/>
+            </a:defRPr>
+          </a:pPr>
+          <a:endParaRPr lang="en-US"/>
+        </a:p>
+      </c:txPr>
+    </c:title>
+    <c:autoTitleDeleted val="0"/>
+    <c:plotArea>
+      <c:layout/>
+      <c:scatterChart>
+        <c:scatterStyle val="lineMarker"/>
+        <c:varyColors val="0"/>
+        <c:ser>
+          <c:idx val="0"/>
+          <c:order val="0"/>
+          <c:tx>
+            <c:v>Random</c:v>
+          </c:tx>
+          <c:spPr>
+            <a:ln w="50800" cap="rnd">
+              <a:solidFill>
+                <a:schemeClr val="accent1"/>
+              </a:solidFill>
+              <a:round/>
+            </a:ln>
+            <a:effectLst/>
+          </c:spPr>
+          <c:marker>
+            <c:symbol val="none"/>
+          </c:marker>
+          <c:xVal>
+            <c:numRef>
+              <c:f>Sheet1!$D$1:$D$20</c:f>
+              <c:numCache>
+                <c:formatCode>General</c:formatCode>
+                <c:ptCount val="20"/>
+                <c:pt idx="0">
+                  <c:v>1</c:v>
+                </c:pt>
+                <c:pt idx="1">
+                  <c:v>2</c:v>
+                </c:pt>
+                <c:pt idx="2">
+                  <c:v>3</c:v>
+                </c:pt>
+                <c:pt idx="3">
+                  <c:v>4</c:v>
+                </c:pt>
+                <c:pt idx="4">
+                  <c:v>5</c:v>
+                </c:pt>
+                <c:pt idx="5">
+                  <c:v>6</c:v>
+                </c:pt>
+                <c:pt idx="6">
+                  <c:v>7</c:v>
+                </c:pt>
+                <c:pt idx="7">
+                  <c:v>8</c:v>
+                </c:pt>
+                <c:pt idx="8">
+                  <c:v>9</c:v>
+                </c:pt>
+                <c:pt idx="9">
+                  <c:v>10</c:v>
+                </c:pt>
+                <c:pt idx="10">
+                  <c:v>11</c:v>
+                </c:pt>
+                <c:pt idx="11">
+                  <c:v>12</c:v>
+                </c:pt>
+                <c:pt idx="12">
+                  <c:v>13</c:v>
+                </c:pt>
+                <c:pt idx="13">
+                  <c:v>14</c:v>
+                </c:pt>
+                <c:pt idx="14">
+                  <c:v>15</c:v>
+                </c:pt>
+                <c:pt idx="15">
+                  <c:v>16</c:v>
+                </c:pt>
+                <c:pt idx="16">
+                  <c:v>17</c:v>
+                </c:pt>
+                <c:pt idx="17">
+                  <c:v>18</c:v>
+                </c:pt>
+                <c:pt idx="18">
+                  <c:v>19</c:v>
+                </c:pt>
+                <c:pt idx="19">
+                  <c:v>20</c:v>
+                </c:pt>
+              </c:numCache>
+            </c:numRef>
+          </c:xVal>
+          <c:yVal>
+            <c:numRef>
+              <c:f>Sheet1!$E$1:$E$20</c:f>
+              <c:numCache>
+                <c:formatCode>General</c:formatCode>
+                <c:ptCount val="20"/>
+                <c:pt idx="0">
+                  <c:v>1.2987012987013</c:v>
+                </c:pt>
+                <c:pt idx="1">
+                  <c:v>2.5974025974026</c:v>
+                </c:pt>
+                <c:pt idx="2">
+                  <c:v>3.8961038961039001</c:v>
+                </c:pt>
+                <c:pt idx="3">
+                  <c:v>5.1948051948052001</c:v>
+                </c:pt>
+                <c:pt idx="4">
+                  <c:v>6.4935064935064899</c:v>
+                </c:pt>
+                <c:pt idx="5">
+                  <c:v>7.7922077922077904</c:v>
+                </c:pt>
+                <c:pt idx="6">
+                  <c:v>9.0909090909090899</c:v>
+                </c:pt>
+                <c:pt idx="7">
+                  <c:v>10.3896103896104</c:v>
+                </c:pt>
+                <c:pt idx="8">
+                  <c:v>11.6883116883117</c:v>
+                </c:pt>
+                <c:pt idx="9">
+                  <c:v>12.987012987012999</c:v>
+                </c:pt>
+                <c:pt idx="10">
+                  <c:v>14.285714285714301</c:v>
+                </c:pt>
+                <c:pt idx="11">
+                  <c:v>15.5844155844156</c:v>
+                </c:pt>
+                <c:pt idx="12">
+                  <c:v>16.883116883116902</c:v>
+                </c:pt>
+                <c:pt idx="13">
+                  <c:v>18.181818181818201</c:v>
+                </c:pt>
+                <c:pt idx="14">
+                  <c:v>19.480519480519501</c:v>
+                </c:pt>
+                <c:pt idx="15">
+                  <c:v>20.7792207792208</c:v>
+                </c:pt>
+                <c:pt idx="16">
+                  <c:v>22.0779220779221</c:v>
+                </c:pt>
+                <c:pt idx="17">
+                  <c:v>23.3766233766234</c:v>
+                </c:pt>
+                <c:pt idx="18">
+                  <c:v>24.675324675324699</c:v>
+                </c:pt>
+                <c:pt idx="19">
+                  <c:v>25.974025974025999</c:v>
+                </c:pt>
+              </c:numCache>
+            </c:numRef>
+          </c:yVal>
+          <c:smooth val="0"/>
+          <c:extLst>
+            <c:ext xmlns:c16="http://schemas.microsoft.com/office/drawing/2014/chart" uri="{C3380CC4-5D6E-409C-BE32-E72D297353CC}">
+              <c16:uniqueId val="{00000000-5024-44D7-B659-2FEF50422439}"/>
+            </c:ext>
+          </c:extLst>
+        </c:ser>
+        <c:ser>
+          <c:idx val="1"/>
+          <c:order val="1"/>
+          <c:tx>
+            <c:v>DISCOVR</c:v>
+          </c:tx>
+          <c:spPr>
+            <a:ln w="50800" cap="rnd">
+              <a:solidFill>
+                <a:schemeClr val="accent4"/>
+              </a:solidFill>
+              <a:round/>
+            </a:ln>
+            <a:effectLst/>
+          </c:spPr>
+          <c:marker>
+            <c:symbol val="none"/>
+          </c:marker>
+          <c:xVal>
+            <c:numRef>
+              <c:f>Sheet1!$D$1:$D$20</c:f>
+              <c:numCache>
+                <c:formatCode>General</c:formatCode>
+                <c:ptCount val="20"/>
+                <c:pt idx="0">
+                  <c:v>1</c:v>
+                </c:pt>
+                <c:pt idx="1">
+                  <c:v>2</c:v>
+                </c:pt>
+                <c:pt idx="2">
+                  <c:v>3</c:v>
+                </c:pt>
+                <c:pt idx="3">
+                  <c:v>4</c:v>
+                </c:pt>
+                <c:pt idx="4">
+                  <c:v>5</c:v>
+                </c:pt>
+                <c:pt idx="5">
+                  <c:v>6</c:v>
+                </c:pt>
+                <c:pt idx="6">
+                  <c:v>7</c:v>
+                </c:pt>
+                <c:pt idx="7">
+                  <c:v>8</c:v>
+                </c:pt>
+                <c:pt idx="8">
+                  <c:v>9</c:v>
+                </c:pt>
+                <c:pt idx="9">
+                  <c:v>10</c:v>
+                </c:pt>
+                <c:pt idx="10">
+                  <c:v>11</c:v>
+                </c:pt>
+                <c:pt idx="11">
+                  <c:v>12</c:v>
+                </c:pt>
+                <c:pt idx="12">
+                  <c:v>13</c:v>
+                </c:pt>
+                <c:pt idx="13">
+                  <c:v>14</c:v>
+                </c:pt>
+                <c:pt idx="14">
+                  <c:v>15</c:v>
+                </c:pt>
+                <c:pt idx="15">
+                  <c:v>16</c:v>
+                </c:pt>
+                <c:pt idx="16">
+                  <c:v>17</c:v>
+                </c:pt>
+                <c:pt idx="17">
+                  <c:v>18</c:v>
+                </c:pt>
+                <c:pt idx="18">
+                  <c:v>19</c:v>
+                </c:pt>
+                <c:pt idx="19">
+                  <c:v>20</c:v>
+                </c:pt>
+              </c:numCache>
+            </c:numRef>
+          </c:xVal>
+          <c:yVal>
+            <c:numRef>
+              <c:f>Sheet1!$F$1:$F$20</c:f>
+              <c:numCache>
+                <c:formatCode>General</c:formatCode>
+                <c:ptCount val="20"/>
+                <c:pt idx="0">
+                  <c:v>11.363985127531601</c:v>
+                </c:pt>
+                <c:pt idx="1">
+                  <c:v>19.119518505488401</c:v>
+                </c:pt>
+                <c:pt idx="2">
+                  <c:v>25.164603069960702</c:v>
+                </c:pt>
+                <c:pt idx="3">
+                  <c:v>30.417576445828001</c:v>
+                </c:pt>
+                <c:pt idx="4">
+                  <c:v>34.893685980857803</c:v>
+                </c:pt>
+                <c:pt idx="5">
+                  <c:v>39.118464662960001</c:v>
+                </c:pt>
+                <c:pt idx="6">
+                  <c:v>42.854313106140502</c:v>
+                </c:pt>
+                <c:pt idx="7">
+                  <c:v>46.517947312577398</c:v>
+                </c:pt>
+                <c:pt idx="8">
+                  <c:v>49.792179759868702</c:v>
+                </c:pt>
+                <c:pt idx="9">
+                  <c:v>52.645481978891397</c:v>
+                </c:pt>
+                <c:pt idx="10">
+                  <c:v>55.2461088735826</c:v>
+                </c:pt>
+                <c:pt idx="11">
+                  <c:v>57.915782862991897</c:v>
+                </c:pt>
+                <c:pt idx="12">
+                  <c:v>60.124054011348001</c:v>
+                </c:pt>
+                <c:pt idx="13">
+                  <c:v>62.239174893304003</c:v>
+                </c:pt>
+                <c:pt idx="14">
+                  <c:v>64.275658968825994</c:v>
+                </c:pt>
+                <c:pt idx="15">
+                  <c:v>66.156054336530303</c:v>
+                </c:pt>
+                <c:pt idx="16">
+                  <c:v>68.011413554453895</c:v>
+                </c:pt>
+                <c:pt idx="17">
+                  <c:v>69.661220455069596</c:v>
+                </c:pt>
+                <c:pt idx="18">
+                  <c:v>71.243896462069102</c:v>
+                </c:pt>
+                <c:pt idx="19">
+                  <c:v>72.913471096499094</c:v>
+                </c:pt>
+              </c:numCache>
+            </c:numRef>
+          </c:yVal>
+          <c:smooth val="0"/>
+          <c:extLst>
+            <c:ext xmlns:c16="http://schemas.microsoft.com/office/drawing/2014/chart" uri="{C3380CC4-5D6E-409C-BE32-E72D297353CC}">
+              <c16:uniqueId val="{00000001-5024-44D7-B659-2FEF50422439}"/>
+            </c:ext>
+          </c:extLst>
+        </c:ser>
+        <c:dLbls>
+          <c:showLegendKey val="0"/>
+          <c:showVal val="0"/>
+          <c:showCatName val="0"/>
+          <c:showSerName val="0"/>
+          <c:showPercent val="0"/>
+          <c:showBubbleSize val="0"/>
+        </c:dLbls>
+        <c:axId val="428973248"/>
+        <c:axId val="428975544"/>
+      </c:scatterChart>
+      <c:valAx>
+        <c:axId val="428973248"/>
+        <c:scaling>
+          <c:orientation val="minMax"/>
+          <c:max val="20"/>
+          <c:min val="0"/>
+        </c:scaling>
+        <c:delete val="0"/>
+        <c:axPos val="b"/>
+        <c:majorGridlines>
+          <c:spPr>
+            <a:ln w="9525" cap="flat" cmpd="sng" algn="ctr">
+              <a:solidFill>
+                <a:schemeClr val="tx1">
+                  <a:lumMod val="15000"/>
+                  <a:lumOff val="85000"/>
+                </a:schemeClr>
+              </a:solidFill>
+              <a:round/>
+            </a:ln>
+            <a:effectLst/>
+          </c:spPr>
+        </c:majorGridlines>
+        <c:title>
+          <c:tx>
+            <c:rich>
+              <a:bodyPr rot="0" spcFirstLastPara="1" vertOverflow="ellipsis" vert="horz" wrap="square" anchor="ctr" anchorCtr="1"/>
+              <a:lstStyle/>
+              <a:p>
+                <a:pPr>
+                  <a:defRPr sz="2400" b="0" i="0" u="none" strike="noStrike" kern="1200" baseline="0">
+                    <a:solidFill>
+                      <a:schemeClr val="tx1">
+                        <a:lumMod val="65000"/>
+                        <a:lumOff val="35000"/>
+                      </a:schemeClr>
+                    </a:solidFill>
+                    <a:latin typeface="+mn-lt"/>
+                    <a:ea typeface="+mn-ea"/>
+                    <a:cs typeface="+mn-cs"/>
+                  </a:defRPr>
+                </a:pPr>
+                <a:r>
+                  <a:rPr lang="en-US" sz="2400"/>
+                  <a:t>Number of Recommendations</a:t>
+                </a:r>
+              </a:p>
+            </c:rich>
+          </c:tx>
+          <c:overlay val="0"/>
+          <c:spPr>
+            <a:noFill/>
+            <a:ln>
+              <a:noFill/>
+            </a:ln>
+            <a:effectLst/>
+          </c:spPr>
+          <c:txPr>
+            <a:bodyPr rot="0" spcFirstLastPara="1" vertOverflow="ellipsis" vert="horz" wrap="square" anchor="ctr" anchorCtr="1"/>
+            <a:lstStyle/>
+            <a:p>
+              <a:pPr>
+                <a:defRPr sz="2400" b="0" i="0" u="none" strike="noStrike" kern="1200" baseline="0">
+                  <a:solidFill>
+                    <a:schemeClr val="tx1">
+                      <a:lumMod val="65000"/>
+                      <a:lumOff val="35000"/>
+                    </a:schemeClr>
+                  </a:solidFill>
+                  <a:latin typeface="+mn-lt"/>
+                  <a:ea typeface="+mn-ea"/>
+                  <a:cs typeface="+mn-cs"/>
+                </a:defRPr>
+              </a:pPr>
+              <a:endParaRPr lang="en-US"/>
+            </a:p>
+          </c:txPr>
+        </c:title>
+        <c:numFmt formatCode="General" sourceLinked="1"/>
+        <c:majorTickMark val="none"/>
+        <c:minorTickMark val="none"/>
+        <c:tickLblPos val="nextTo"/>
+        <c:spPr>
+          <a:noFill/>
+          <a:ln w="9525" cap="flat" cmpd="sng" algn="ctr">
+            <a:solidFill>
+              <a:schemeClr val="tx1">
+                <a:lumMod val="25000"/>
+                <a:lumOff val="75000"/>
+              </a:schemeClr>
+            </a:solidFill>
+            <a:round/>
+          </a:ln>
+          <a:effectLst/>
+        </c:spPr>
+        <c:txPr>
+          <a:bodyPr rot="-60000000" spcFirstLastPara="1" vertOverflow="ellipsis" vert="horz" wrap="square" anchor="ctr" anchorCtr="1"/>
+          <a:lstStyle/>
+          <a:p>
+            <a:pPr>
+              <a:defRPr sz="2000" b="0" i="0" u="none" strike="noStrike" kern="1200" baseline="0">
+                <a:solidFill>
+                  <a:schemeClr val="tx1">
+                    <a:lumMod val="65000"/>
+                    <a:lumOff val="35000"/>
+                  </a:schemeClr>
+                </a:solidFill>
+                <a:latin typeface="+mn-lt"/>
+                <a:ea typeface="+mn-ea"/>
+                <a:cs typeface="+mn-cs"/>
+              </a:defRPr>
+            </a:pPr>
+            <a:endParaRPr lang="en-US"/>
+          </a:p>
+        </c:txPr>
+        <c:crossAx val="428975544"/>
+        <c:crosses val="autoZero"/>
+        <c:crossBetween val="midCat"/>
+      </c:valAx>
+      <c:valAx>
+        <c:axId val="428975544"/>
+        <c:scaling>
+          <c:orientation val="minMax"/>
+        </c:scaling>
+        <c:delete val="0"/>
+        <c:axPos val="l"/>
+        <c:majorGridlines>
+          <c:spPr>
+            <a:ln w="9525" cap="flat" cmpd="sng" algn="ctr">
+              <a:solidFill>
+                <a:schemeClr val="tx1">
+                  <a:lumMod val="15000"/>
+                  <a:lumOff val="85000"/>
+                </a:schemeClr>
+              </a:solidFill>
+              <a:round/>
+            </a:ln>
+            <a:effectLst/>
+          </c:spPr>
+        </c:majorGridlines>
+        <c:title>
+          <c:tx>
+            <c:rich>
+              <a:bodyPr rot="-5400000" spcFirstLastPara="1" vertOverflow="ellipsis" vert="horz" wrap="square" anchor="ctr" anchorCtr="1"/>
+              <a:lstStyle/>
+              <a:p>
+                <a:pPr>
+                  <a:defRPr sz="2400" b="0" i="0" u="none" strike="noStrike" kern="1200" baseline="0">
+                    <a:solidFill>
+                      <a:schemeClr val="tx1">
+                        <a:lumMod val="65000"/>
+                        <a:lumOff val="35000"/>
+                      </a:schemeClr>
+                    </a:solidFill>
+                    <a:latin typeface="+mn-lt"/>
+                    <a:ea typeface="+mn-ea"/>
+                    <a:cs typeface="+mn-cs"/>
+                  </a:defRPr>
+                </a:pPr>
+                <a:r>
+                  <a:rPr lang="en-CA" sz="2400"/>
+                  <a:t>Accuracy (%)</a:t>
+                </a:r>
+              </a:p>
+            </c:rich>
+          </c:tx>
+          <c:overlay val="0"/>
+          <c:spPr>
+            <a:noFill/>
+            <a:ln>
+              <a:noFill/>
+            </a:ln>
+            <a:effectLst/>
+          </c:spPr>
+          <c:txPr>
+            <a:bodyPr rot="-5400000" spcFirstLastPara="1" vertOverflow="ellipsis" vert="horz" wrap="square" anchor="ctr" anchorCtr="1"/>
+            <a:lstStyle/>
+            <a:p>
+              <a:pPr>
+                <a:defRPr sz="2400" b="0" i="0" u="none" strike="noStrike" kern="1200" baseline="0">
+                  <a:solidFill>
+                    <a:schemeClr val="tx1">
+                      <a:lumMod val="65000"/>
+                      <a:lumOff val="35000"/>
+                    </a:schemeClr>
+                  </a:solidFill>
+                  <a:latin typeface="+mn-lt"/>
+                  <a:ea typeface="+mn-ea"/>
+                  <a:cs typeface="+mn-cs"/>
+                </a:defRPr>
+              </a:pPr>
+              <a:endParaRPr lang="en-US"/>
+            </a:p>
+          </c:txPr>
+        </c:title>
+        <c:numFmt formatCode="General" sourceLinked="1"/>
+        <c:majorTickMark val="none"/>
+        <c:minorTickMark val="none"/>
+        <c:tickLblPos val="nextTo"/>
+        <c:spPr>
+          <a:noFill/>
+          <a:ln w="9525" cap="flat" cmpd="sng" algn="ctr">
+            <a:solidFill>
+              <a:schemeClr val="tx1">
+                <a:lumMod val="25000"/>
+                <a:lumOff val="75000"/>
+              </a:schemeClr>
+            </a:solidFill>
+            <a:round/>
+          </a:ln>
+          <a:effectLst/>
+        </c:spPr>
+        <c:txPr>
+          <a:bodyPr rot="-60000000" spcFirstLastPara="1" vertOverflow="ellipsis" vert="horz" wrap="square" anchor="ctr" anchorCtr="1"/>
+          <a:lstStyle/>
+          <a:p>
+            <a:pPr>
+              <a:defRPr sz="2000" b="0" i="0" u="none" strike="noStrike" kern="1200" baseline="0">
+                <a:solidFill>
+                  <a:schemeClr val="tx1">
+                    <a:lumMod val="65000"/>
+                    <a:lumOff val="35000"/>
+                  </a:schemeClr>
+                </a:solidFill>
+                <a:latin typeface="+mn-lt"/>
+                <a:ea typeface="+mn-ea"/>
+                <a:cs typeface="+mn-cs"/>
+              </a:defRPr>
+            </a:pPr>
+            <a:endParaRPr lang="en-US"/>
+          </a:p>
+        </c:txPr>
+        <c:crossAx val="428973248"/>
+        <c:crosses val="autoZero"/>
+        <c:crossBetween val="midCat"/>
+      </c:valAx>
+      <c:spPr>
+        <a:noFill/>
+        <a:ln>
+          <a:noFill/>
+        </a:ln>
+        <a:effectLst/>
+      </c:spPr>
+    </c:plotArea>
+    <c:legend>
+      <c:legendPos val="r"/>
+      <c:overlay val="0"/>
+      <c:spPr>
+        <a:noFill/>
+        <a:ln>
+          <a:noFill/>
+        </a:ln>
+        <a:effectLst/>
+      </c:spPr>
+      <c:txPr>
+        <a:bodyPr rot="0" spcFirstLastPara="1" vertOverflow="ellipsis" vert="horz" wrap="square" anchor="ctr" anchorCtr="1"/>
+        <a:lstStyle/>
+        <a:p>
+          <a:pPr>
+            <a:defRPr sz="2000" b="0" i="0" u="none" strike="noStrike" kern="1200" baseline="0">
+              <a:solidFill>
+                <a:schemeClr val="tx1">
+                  <a:lumMod val="65000"/>
+                  <a:lumOff val="35000"/>
+                </a:schemeClr>
+              </a:solidFill>
+              <a:latin typeface="+mn-lt"/>
+              <a:ea typeface="+mn-ea"/>
+              <a:cs typeface="+mn-cs"/>
+            </a:defRPr>
+          </a:pPr>
+          <a:endParaRPr lang="en-US"/>
+        </a:p>
+      </c:txPr>
+    </c:legend>
+    <c:plotVisOnly val="1"/>
+    <c:dispBlanksAs val="gap"/>
+    <c:showDLblsOverMax val="0"/>
+  </c:chart>
+  <c:spPr>
+    <a:noFill/>
+    <a:ln>
+      <a:noFill/>
+    </a:ln>
+    <a:effectLst/>
+  </c:spPr>
+  <c:txPr>
+    <a:bodyPr/>
+    <a:lstStyle/>
+    <a:p>
+      <a:pPr>
+        <a:defRPr sz="2000"/>
+      </a:pPr>
+      <a:endParaRPr lang="en-US"/>
+    </a:p>
+  </c:txPr>
+  <c:externalData r:id="rId3">
+    <c:autoUpdate val="0"/>
+  </c:externalData>
+</c:chartSpace>
+</file>
+
+<file path=ppt/charts/colors1.xml><?xml version="1.0" encoding="utf-8"?>
+<cs:colorStyle xmlns:cs="http://schemas.microsoft.com/office/drawing/2012/chartStyle" xmlns:a="http://schemas.openxmlformats.org/drawingml/2006/main" meth="cycle" id="10">
+  <a:schemeClr val="accent1"/>
+  <a:schemeClr val="accent2"/>
+  <a:schemeClr val="accent3"/>
+  <a:schemeClr val="accent4"/>
+  <a:schemeClr val="accent5"/>
+  <a:schemeClr val="accent6"/>
+  <cs:variation/>
+  <cs:variation>
+    <a:lumMod val="60000"/>
+  </cs:variation>
+  <cs:variation>
+    <a:lumMod val="80000"/>
+    <a:lumOff val="20000"/>
+  </cs:variation>
+  <cs:variation>
+    <a:lumMod val="80000"/>
+  </cs:variation>
+  <cs:variation>
+    <a:lumMod val="60000"/>
+    <a:lumOff val="40000"/>
+  </cs:variation>
+  <cs:variation>
+    <a:lumMod val="50000"/>
+  </cs:variation>
+  <cs:variation>
+    <a:lumMod val="70000"/>
+    <a:lumOff val="30000"/>
+  </cs:variation>
+  <cs:variation>
+    <a:lumMod val="70000"/>
+  </cs:variation>
+  <cs:variation>
+    <a:lumMod val="50000"/>
+    <a:lumOff val="50000"/>
+  </cs:variation>
+</cs:colorStyle>
+</file>
+
+<file path=ppt/charts/colors2.xml><?xml version="1.0" encoding="utf-8"?>
+<cs:colorStyle xmlns:cs="http://schemas.microsoft.com/office/drawing/2012/chartStyle" xmlns:a="http://schemas.openxmlformats.org/drawingml/2006/main" meth="cycle" id="10">
+  <a:schemeClr val="accent1"/>
+  <a:schemeClr val="accent2"/>
+  <a:schemeClr val="accent3"/>
+  <a:schemeClr val="accent4"/>
+  <a:schemeClr val="accent5"/>
+  <a:schemeClr val="accent6"/>
+  <cs:variation/>
+  <cs:variation>
+    <a:lumMod val="60000"/>
+  </cs:variation>
+  <cs:variation>
+    <a:lumMod val="80000"/>
+    <a:lumOff val="20000"/>
+  </cs:variation>
+  <cs:variation>
+    <a:lumMod val="80000"/>
+  </cs:variation>
+  <cs:variation>
+    <a:lumMod val="60000"/>
+    <a:lumOff val="40000"/>
+  </cs:variation>
+  <cs:variation>
+    <a:lumMod val="50000"/>
+  </cs:variation>
+  <cs:variation>
+    <a:lumMod val="70000"/>
+    <a:lumOff val="30000"/>
+  </cs:variation>
+  <cs:variation>
+    <a:lumMod val="70000"/>
+  </cs:variation>
+  <cs:variation>
+    <a:lumMod val="50000"/>
+    <a:lumOff val="50000"/>
+  </cs:variation>
+</cs:colorStyle>
+</file>
+
+<file path=ppt/charts/style1.xml><?xml version="1.0" encoding="utf-8"?>
+<cs:chartStyle xmlns:cs="http://schemas.microsoft.com/office/drawing/2012/chartStyle" xmlns:a="http://schemas.openxmlformats.org/drawingml/2006/main" id="240">
+  <cs:axisTitle>
+    <cs:lnRef idx="0"/>
+    <cs:fillRef idx="0"/>
+    <cs:effectRef idx="0"/>
+    <cs:fontRef idx="minor">
+      <a:schemeClr val="tx1">
+        <a:lumMod val="65000"/>
+        <a:lumOff val="35000"/>
+      </a:schemeClr>
+    </cs:fontRef>
+    <cs:defRPr sz="1000" kern="1200"/>
+  </cs:axisTitle>
+  <cs:categoryAxis>
+    <cs:lnRef idx="0"/>
+    <cs:fillRef idx="0"/>
+    <cs:effectRef idx="0"/>
+    <cs:fontRef idx="minor">
+      <a:schemeClr val="tx1">
+        <a:lumMod val="65000"/>
+        <a:lumOff val="35000"/>
+      </a:schemeClr>
+    </cs:fontRef>
+    <cs:spPr>
+      <a:ln w="9525" cap="flat" cmpd="sng" algn="ctr">
+        <a:solidFill>
+          <a:schemeClr val="tx1">
+            <a:lumMod val="25000"/>
+            <a:lumOff val="75000"/>
+          </a:schemeClr>
+        </a:solidFill>
+        <a:round/>
+      </a:ln>
+    </cs:spPr>
+    <cs:defRPr sz="900" kern="1200"/>
+  </cs:categoryAxis>
+  <cs:chartArea mods="allowNoFillOverride allowNoLineOverride">
+    <cs:lnRef idx="0"/>
+    <cs:fillRef idx="0"/>
+    <cs:effectRef idx="0"/>
+    <cs:fontRef idx="minor">
+      <a:schemeClr val="tx1"/>
+    </cs:fontRef>
+    <cs:spPr>
+      <a:solidFill>
+        <a:schemeClr val="bg1"/>
+      </a:solidFill>
+      <a:ln w="9525" cap="flat" cmpd="sng" algn="ctr">
+        <a:solidFill>
+          <a:schemeClr val="tx1">
+            <a:lumMod val="15000"/>
+            <a:lumOff val="85000"/>
+          </a:schemeClr>
+        </a:solidFill>
+        <a:round/>
+      </a:ln>
+    </cs:spPr>
+    <cs:defRPr sz="1000" kern="1200"/>
+  </cs:chartArea>
+  <cs:dataLabel>
+    <cs:lnRef idx="0"/>
+    <cs:fillRef idx="0"/>
+    <cs:effectRef idx="0"/>
+    <cs:fontRef idx="minor">
+      <a:schemeClr val="tx1">
+        <a:lumMod val="75000"/>
+        <a:lumOff val="25000"/>
+      </a:schemeClr>
+    </cs:fontRef>
+    <cs:defRPr sz="900" kern="1200"/>
+  </cs:dataLabel>
+  <cs:dataLabelCallout>
+    <cs:lnRef idx="0"/>
+    <cs:fillRef idx="0"/>
+    <cs:effectRef idx="0"/>
+    <cs:fontRef idx="minor">
+      <a:schemeClr val="dk1">
+        <a:lumMod val="65000"/>
+        <a:lumOff val="35000"/>
+      </a:schemeClr>
+    </cs:fontRef>
+    <cs:spPr>
+      <a:solidFill>
+        <a:schemeClr val="lt1"/>
+      </a:solidFill>
+      <a:ln>
+        <a:solidFill>
+          <a:schemeClr val="dk1">
+            <a:lumMod val="25000"/>
+            <a:lumOff val="75000"/>
+          </a:schemeClr>
+        </a:solidFill>
+      </a:ln>
+    </cs:spPr>
+    <cs:defRPr sz="900" kern="1200"/>
+    <cs:bodyPr rot="0" spcFirstLastPara="1" vertOverflow="clip" horzOverflow="clip" vert="horz" wrap="square" lIns="36576" tIns="18288" rIns="36576" bIns="18288" anchor="ctr" anchorCtr="1">
+      <a:spAutoFit/>
+    </cs:bodyPr>
+  </cs:dataLabelCallout>
+  <cs:dataPoint>
+    <cs:lnRef idx="0"/>
+    <cs:fillRef idx="1">
+      <cs:styleClr val="auto"/>
+    </cs:fillRef>
+    <cs:effectRef idx="0"/>
+    <cs:fontRef idx="minor">
+      <a:schemeClr val="tx1"/>
+    </cs:fontRef>
+  </cs:dataPoint>
+  <cs:dataPoint3D>
+    <cs:lnRef idx="0"/>
+    <cs:fillRef idx="1">
+      <cs:styleClr val="auto"/>
+    </cs:fillRef>
+    <cs:effectRef idx="0"/>
+    <cs:fontRef idx="minor">
+      <a:schemeClr val="tx1"/>
+    </cs:fontRef>
+  </cs:dataPoint3D>
+  <cs:dataPointLine>
+    <cs:lnRef idx="0">
+      <cs:styleClr val="auto"/>
+    </cs:lnRef>
+    <cs:fillRef idx="1"/>
+    <cs:effectRef idx="0"/>
+    <cs:fontRef idx="minor">
+      <a:schemeClr val="tx1"/>
+    </cs:fontRef>
+    <cs:spPr>
+      <a:ln w="19050" cap="rnd">
+        <a:solidFill>
+          <a:schemeClr val="phClr"/>
+        </a:solidFill>
+        <a:round/>
+      </a:ln>
+    </cs:spPr>
+  </cs:dataPointLine>
+  <cs:dataPointMarker>
+    <cs:lnRef idx="0">
+      <cs:styleClr val="auto"/>
+    </cs:lnRef>
+    <cs:fillRef idx="1">
+      <cs:styleClr val="auto"/>
+    </cs:fillRef>
+    <cs:effectRef idx="0"/>
+    <cs:fontRef idx="minor">
+      <a:schemeClr val="tx1"/>
+    </cs:fontRef>
+    <cs:spPr>
+      <a:ln w="9525">
+        <a:solidFill>
+          <a:schemeClr val="phClr"/>
+        </a:solidFill>
+      </a:ln>
+    </cs:spPr>
+  </cs:dataPointMarker>
+  <cs:dataPointMarkerLayout symbol="circle" size="5"/>
+  <cs:dataPointWireframe>
+    <cs:lnRef idx="0">
+      <cs:styleClr val="auto"/>
+    </cs:lnRef>
+    <cs:fillRef idx="0"/>
+    <cs:effectRef idx="0"/>
+    <cs:fontRef idx="minor">
+      <a:schemeClr val="dk1"/>
+    </cs:fontRef>
+    <cs:spPr>
+      <a:ln w="9525" cap="rnd">
+        <a:solidFill>
+          <a:schemeClr val="phClr"/>
+        </a:solidFill>
+        <a:round/>
+      </a:ln>
+    </cs:spPr>
+  </cs:dataPointWireframe>
+  <cs:dataTable>
+    <cs:lnRef idx="0"/>
+    <cs:fillRef idx="0"/>
+    <cs:effectRef idx="0"/>
+    <cs:fontRef idx="minor">
+      <a:schemeClr val="tx1">
+        <a:lumMod val="65000"/>
+        <a:lumOff val="35000"/>
+      </a:schemeClr>
+    </cs:fontRef>
+    <cs:spPr>
+      <a:noFill/>
+      <a:ln w="9525" cap="flat" cmpd="sng" algn="ctr">
+        <a:solidFill>
+          <a:schemeClr val="tx1">
+            <a:lumMod val="15000"/>
+            <a:lumOff val="85000"/>
+          </a:schemeClr>
+        </a:solidFill>
+        <a:round/>
+      </a:ln>
+    </cs:spPr>
+    <cs:defRPr sz="900" kern="1200"/>
+  </cs:dataTable>
+  <cs:downBar>
+    <cs:lnRef idx="0"/>
+    <cs:fillRef idx="0"/>
+    <cs:effectRef idx="0"/>
+    <cs:fontRef idx="minor">
+      <a:schemeClr val="tx1"/>
+    </cs:fontRef>
+    <cs:spPr>
+      <a:solidFill>
+        <a:schemeClr val="dk1">
+          <a:lumMod val="75000"/>
+          <a:lumOff val="25000"/>
+        </a:schemeClr>
+      </a:solidFill>
+      <a:ln w="9525" cap="flat" cmpd="sng" algn="ctr">
+        <a:solidFill>
+          <a:schemeClr val="tx1">
+            <a:lumMod val="65000"/>
+            <a:lumOff val="35000"/>
+          </a:schemeClr>
+        </a:solidFill>
+        <a:round/>
+      </a:ln>
+    </cs:spPr>
+  </cs:downBar>
+  <cs:dropLine>
+    <cs:lnRef idx="0"/>
+    <cs:fillRef idx="0"/>
+    <cs:effectRef idx="0"/>
+    <cs:fontRef idx="minor">
+      <a:schemeClr val="tx1"/>
+    </cs:fontRef>
+    <cs:spPr>
+      <a:ln w="9525" cap="flat" cmpd="sng" algn="ctr">
+        <a:solidFill>
+          <a:schemeClr val="tx1">
+            <a:lumMod val="35000"/>
+            <a:lumOff val="65000"/>
+          </a:schemeClr>
+        </a:solidFill>
+        <a:round/>
+      </a:ln>
+    </cs:spPr>
+  </cs:dropLine>
+  <cs:errorBar>
+    <cs:lnRef idx="0"/>
+    <cs:fillRef idx="0"/>
+    <cs:effectRef idx="0"/>
+    <cs:fontRef idx="minor">
+      <a:schemeClr val="tx1"/>
+    </cs:fontRef>
+    <cs:spPr>
+      <a:ln w="9525" cap="flat" cmpd="sng" algn="ctr">
+        <a:solidFill>
+          <a:schemeClr val="tx1">
+            <a:lumMod val="65000"/>
+            <a:lumOff val="35000"/>
+          </a:schemeClr>
+        </a:solidFill>
+        <a:round/>
+      </a:ln>
+    </cs:spPr>
+  </cs:errorBar>
+  <cs:floor>
+    <cs:lnRef idx="0"/>
+    <cs:fillRef idx="0"/>
+    <cs:effectRef idx="0"/>
+    <cs:fontRef idx="minor">
+      <a:schemeClr val="tx1"/>
+    </cs:fontRef>
+    <cs:spPr>
+      <a:noFill/>
+      <a:ln>
+        <a:noFill/>
+      </a:ln>
+    </cs:spPr>
+  </cs:floor>
+  <cs:gridlineMajor>
+    <cs:lnRef idx="0"/>
+    <cs:fillRef idx="0"/>
+    <cs:effectRef idx="0"/>
+    <cs:fontRef idx="minor">
+      <a:schemeClr val="tx1"/>
+    </cs:fontRef>
+    <cs:spPr>
+      <a:ln w="9525" cap="flat" cmpd="sng" algn="ctr">
+        <a:solidFill>
+          <a:schemeClr val="tx1">
+            <a:lumMod val="15000"/>
+            <a:lumOff val="85000"/>
+          </a:schemeClr>
+        </a:solidFill>
+        <a:round/>
+      </a:ln>
+    </cs:spPr>
+  </cs:gridlineMajor>
+  <cs:gridlineMinor>
+    <cs:lnRef idx="0"/>
+    <cs:fillRef idx="0"/>
+    <cs:effectRef idx="0"/>
+    <cs:fontRef idx="minor">
+      <a:schemeClr val="tx1"/>
+    </cs:fontRef>
+    <cs:spPr>
+      <a:ln w="9525" cap="flat" cmpd="sng" algn="ctr">
+        <a:solidFill>
+          <a:schemeClr val="tx1">
+            <a:lumMod val="5000"/>
+            <a:lumOff val="95000"/>
+          </a:schemeClr>
+        </a:solidFill>
+        <a:round/>
+      </a:ln>
+    </cs:spPr>
+  </cs:gridlineMinor>
+  <cs:hiLoLine>
+    <cs:lnRef idx="0"/>
+    <cs:fillRef idx="0"/>
+    <cs:effectRef idx="0"/>
+    <cs:fontRef idx="minor">
+      <a:schemeClr val="tx1"/>
+    </cs:fontRef>
+    <cs:spPr>
+      <a:ln w="9525" cap="flat" cmpd="sng" algn="ctr">
+        <a:solidFill>
+          <a:schemeClr val="tx1">
+            <a:lumMod val="50000"/>
+            <a:lumOff val="50000"/>
+          </a:schemeClr>
+        </a:solidFill>
+        <a:round/>
+      </a:ln>
+    </cs:spPr>
+  </cs:hiLoLine>
+  <cs:leaderLine>
+    <cs:lnRef idx="0"/>
+    <cs:fillRef idx="0"/>
+    <cs:effectRef idx="0"/>
+    <cs:fontRef idx="minor">
+      <a:schemeClr val="tx1"/>
+    </cs:fontRef>
+    <cs:spPr>
+      <a:ln w="9525" cap="flat" cmpd="sng" algn="ctr">
+        <a:solidFill>
+          <a:schemeClr val="tx1">
+            <a:lumMod val="35000"/>
+            <a:lumOff val="65000"/>
+          </a:schemeClr>
+        </a:solidFill>
+        <a:round/>
+      </a:ln>
+    </cs:spPr>
+  </cs:leaderLine>
+  <cs:legend>
+    <cs:lnRef idx="0"/>
+    <cs:fillRef idx="0"/>
+    <cs:effectRef idx="0"/>
+    <cs:fontRef idx="minor">
+      <a:schemeClr val="tx1">
+        <a:lumMod val="65000"/>
+        <a:lumOff val="35000"/>
+      </a:schemeClr>
+    </cs:fontRef>
+    <cs:defRPr sz="900" kern="1200"/>
+  </cs:legend>
+  <cs:plotArea mods="allowNoFillOverride allowNoLineOverride">
+    <cs:lnRef idx="0"/>
+    <cs:fillRef idx="0"/>
+    <cs:effectRef idx="0"/>
+    <cs:fontRef idx="minor">
+      <a:schemeClr val="tx1"/>
+    </cs:fontRef>
+  </cs:plotArea>
+  <cs:plotArea3D mods="allowNoFillOverride allowNoLineOverride">
+    <cs:lnRef idx="0"/>
+    <cs:fillRef idx="0"/>
+    <cs:effectRef idx="0"/>
+    <cs:fontRef idx="minor">
+      <a:schemeClr val="tx1"/>
+    </cs:fontRef>
+  </cs:plotArea3D>
+  <cs:seriesAxis>
+    <cs:lnRef idx="0"/>
+    <cs:fillRef idx="0"/>
+    <cs:effectRef idx="0"/>
+    <cs:fontRef idx="minor">
+      <a:schemeClr val="tx1">
+        <a:lumMod val="65000"/>
+        <a:lumOff val="35000"/>
+      </a:schemeClr>
+    </cs:fontRef>
+    <cs:defRPr sz="900" kern="1200"/>
+  </cs:seriesAxis>
+  <cs:seriesLine>
+    <cs:lnRef idx="0"/>
+    <cs:fillRef idx="0"/>
+    <cs:effectRef idx="0"/>
+    <cs:fontRef idx="minor">
+      <a:schemeClr val="tx1"/>
+    </cs:fontRef>
+    <cs:spPr>
+      <a:ln w="9525" cap="flat" cmpd="sng" algn="ctr">
+        <a:solidFill>
+          <a:schemeClr val="tx1">
+            <a:lumMod val="35000"/>
+            <a:lumOff val="65000"/>
+          </a:schemeClr>
+        </a:solidFill>
+        <a:round/>
+      </a:ln>
+    </cs:spPr>
+  </cs:seriesLine>
+  <cs:title>
+    <cs:lnRef idx="0"/>
+    <cs:fillRef idx="0"/>
+    <cs:effectRef idx="0"/>
+    <cs:fontRef idx="minor">
+      <a:schemeClr val="tx1">
+        <a:lumMod val="65000"/>
+        <a:lumOff val="35000"/>
+      </a:schemeClr>
+    </cs:fontRef>
+    <cs:defRPr sz="1400" b="0" kern="1200" spc="0" baseline="0"/>
+  </cs:title>
+  <cs:trendline>
+    <cs:lnRef idx="0">
+      <cs:styleClr val="auto"/>
+    </cs:lnRef>
+    <cs:fillRef idx="0"/>
+    <cs:effectRef idx="0"/>
+    <cs:fontRef idx="minor">
+      <a:schemeClr val="tx1"/>
+    </cs:fontRef>
+    <cs:spPr>
+      <a:ln w="19050" cap="rnd">
+        <a:solidFill>
+          <a:schemeClr val="phClr"/>
+        </a:solidFill>
+        <a:prstDash val="sysDot"/>
+      </a:ln>
+    </cs:spPr>
+  </cs:trendline>
+  <cs:trendlineLabel>
+    <cs:lnRef idx="0"/>
+    <cs:fillRef idx="0"/>
+    <cs:effectRef idx="0"/>
+    <cs:fontRef idx="minor">
+      <a:schemeClr val="tx1">
+        <a:lumMod val="65000"/>
+        <a:lumOff val="35000"/>
+      </a:schemeClr>
+    </cs:fontRef>
+    <cs:defRPr sz="900" kern="1200"/>
+  </cs:trendlineLabel>
+  <cs:upBar>
+    <cs:lnRef idx="0"/>
+    <cs:fillRef idx="0"/>
+    <cs:effectRef idx="0"/>
+    <cs:fontRef idx="minor">
+      <a:schemeClr val="tx1"/>
+    </cs:fontRef>
+    <cs:spPr>
+      <a:solidFill>
+        <a:schemeClr val="lt1"/>
+      </a:solidFill>
+      <a:ln w="9525" cap="flat" cmpd="sng" algn="ctr">
+        <a:solidFill>
+          <a:schemeClr val="tx1">
+            <a:lumMod val="65000"/>
+            <a:lumOff val="35000"/>
+          </a:schemeClr>
+        </a:solidFill>
+        <a:round/>
+      </a:ln>
+    </cs:spPr>
+  </cs:upBar>
+  <cs:valueAxis>
+    <cs:lnRef idx="0"/>
+    <cs:fillRef idx="0"/>
+    <cs:effectRef idx="0"/>
+    <cs:fontRef idx="minor">
+      <a:schemeClr val="tx1">
+        <a:lumMod val="65000"/>
+        <a:lumOff val="35000"/>
+      </a:schemeClr>
+    </cs:fontRef>
+    <cs:spPr>
+      <a:ln w="9525" cap="flat" cmpd="sng" algn="ctr">
+        <a:solidFill>
+          <a:schemeClr val="tx1">
+            <a:lumMod val="25000"/>
+            <a:lumOff val="75000"/>
+          </a:schemeClr>
+        </a:solidFill>
+        <a:round/>
+      </a:ln>
+    </cs:spPr>
+    <cs:defRPr sz="900" kern="1200"/>
+  </cs:valueAxis>
+  <cs:wall>
+    <cs:lnRef idx="0"/>
+    <cs:fillRef idx="0"/>
+    <cs:effectRef idx="0"/>
+    <cs:fontRef idx="minor">
+      <a:schemeClr val="tx1"/>
+    </cs:fontRef>
+    <cs:spPr>
+      <a:noFill/>
+      <a:ln>
+        <a:noFill/>
+      </a:ln>
+    </cs:spPr>
+  </cs:wall>
+</cs:chartStyle>
+</file>
+
+<file path=ppt/charts/style2.xml><?xml version="1.0" encoding="utf-8"?>
+<cs:chartStyle xmlns:cs="http://schemas.microsoft.com/office/drawing/2012/chartStyle" xmlns:a="http://schemas.openxmlformats.org/drawingml/2006/main" id="240">
+  <cs:axisTitle>
+    <cs:lnRef idx="0"/>
+    <cs:fillRef idx="0"/>
+    <cs:effectRef idx="0"/>
+    <cs:fontRef idx="minor">
+      <a:schemeClr val="tx1">
+        <a:lumMod val="65000"/>
+        <a:lumOff val="35000"/>
+      </a:schemeClr>
+    </cs:fontRef>
+    <cs:defRPr sz="1000" kern="1200"/>
+  </cs:axisTitle>
+  <cs:categoryAxis>
+    <cs:lnRef idx="0"/>
+    <cs:fillRef idx="0"/>
+    <cs:effectRef idx="0"/>
+    <cs:fontRef idx="minor">
+      <a:schemeClr val="tx1">
+        <a:lumMod val="65000"/>
+        <a:lumOff val="35000"/>
+      </a:schemeClr>
+    </cs:fontRef>
+    <cs:spPr>
+      <a:ln w="9525" cap="flat" cmpd="sng" algn="ctr">
+        <a:solidFill>
+          <a:schemeClr val="tx1">
+            <a:lumMod val="25000"/>
+            <a:lumOff val="75000"/>
+          </a:schemeClr>
+        </a:solidFill>
+        <a:round/>
+      </a:ln>
+    </cs:spPr>
+    <cs:defRPr sz="900" kern="1200"/>
+  </cs:categoryAxis>
+  <cs:chartArea mods="allowNoFillOverride allowNoLineOverride">
+    <cs:lnRef idx="0"/>
+    <cs:fillRef idx="0"/>
+    <cs:effectRef idx="0"/>
+    <cs:fontRef idx="minor">
+      <a:schemeClr val="tx1"/>
+    </cs:fontRef>
+    <cs:spPr>
+      <a:solidFill>
+        <a:schemeClr val="bg1"/>
+      </a:solidFill>
+      <a:ln w="9525" cap="flat" cmpd="sng" algn="ctr">
+        <a:solidFill>
+          <a:schemeClr val="tx1">
+            <a:lumMod val="15000"/>
+            <a:lumOff val="85000"/>
+          </a:schemeClr>
+        </a:solidFill>
+        <a:round/>
+      </a:ln>
+    </cs:spPr>
+    <cs:defRPr sz="1000" kern="1200"/>
+  </cs:chartArea>
+  <cs:dataLabel>
+    <cs:lnRef idx="0"/>
+    <cs:fillRef idx="0"/>
+    <cs:effectRef idx="0"/>
+    <cs:fontRef idx="minor">
+      <a:schemeClr val="tx1">
+        <a:lumMod val="75000"/>
+        <a:lumOff val="25000"/>
+      </a:schemeClr>
+    </cs:fontRef>
+    <cs:defRPr sz="900" kern="1200"/>
+  </cs:dataLabel>
+  <cs:dataLabelCallout>
+    <cs:lnRef idx="0"/>
+    <cs:fillRef idx="0"/>
+    <cs:effectRef idx="0"/>
+    <cs:fontRef idx="minor">
+      <a:schemeClr val="dk1">
+        <a:lumMod val="65000"/>
+        <a:lumOff val="35000"/>
+      </a:schemeClr>
+    </cs:fontRef>
+    <cs:spPr>
+      <a:solidFill>
+        <a:schemeClr val="lt1"/>
+      </a:solidFill>
+      <a:ln>
+        <a:solidFill>
+          <a:schemeClr val="dk1">
+            <a:lumMod val="25000"/>
+            <a:lumOff val="75000"/>
+          </a:schemeClr>
+        </a:solidFill>
+      </a:ln>
+    </cs:spPr>
+    <cs:defRPr sz="900" kern="1200"/>
+    <cs:bodyPr rot="0" spcFirstLastPara="1" vertOverflow="clip" horzOverflow="clip" vert="horz" wrap="square" lIns="36576" tIns="18288" rIns="36576" bIns="18288" anchor="ctr" anchorCtr="1">
+      <a:spAutoFit/>
+    </cs:bodyPr>
+  </cs:dataLabelCallout>
+  <cs:dataPoint>
+    <cs:lnRef idx="0"/>
+    <cs:fillRef idx="1">
+      <cs:styleClr val="auto"/>
+    </cs:fillRef>
+    <cs:effectRef idx="0"/>
+    <cs:fontRef idx="minor">
+      <a:schemeClr val="tx1"/>
+    </cs:fontRef>
+  </cs:dataPoint>
+  <cs:dataPoint3D>
+    <cs:lnRef idx="0"/>
+    <cs:fillRef idx="1">
+      <cs:styleClr val="auto"/>
+    </cs:fillRef>
+    <cs:effectRef idx="0"/>
+    <cs:fontRef idx="minor">
+      <a:schemeClr val="tx1"/>
+    </cs:fontRef>
+  </cs:dataPoint3D>
+  <cs:dataPointLine>
+    <cs:lnRef idx="0">
+      <cs:styleClr val="auto"/>
+    </cs:lnRef>
+    <cs:fillRef idx="1"/>
+    <cs:effectRef idx="0"/>
+    <cs:fontRef idx="minor">
+      <a:schemeClr val="tx1"/>
+    </cs:fontRef>
+    <cs:spPr>
+      <a:ln w="19050" cap="rnd">
+        <a:solidFill>
+          <a:schemeClr val="phClr"/>
+        </a:solidFill>
+        <a:round/>
+      </a:ln>
+    </cs:spPr>
+  </cs:dataPointLine>
+  <cs:dataPointMarker>
+    <cs:lnRef idx="0">
+      <cs:styleClr val="auto"/>
+    </cs:lnRef>
+    <cs:fillRef idx="1">
+      <cs:styleClr val="auto"/>
+    </cs:fillRef>
+    <cs:effectRef idx="0"/>
+    <cs:fontRef idx="minor">
+      <a:schemeClr val="tx1"/>
+    </cs:fontRef>
+    <cs:spPr>
+      <a:ln w="9525">
+        <a:solidFill>
+          <a:schemeClr val="phClr"/>
+        </a:solidFill>
+      </a:ln>
+    </cs:spPr>
+  </cs:dataPointMarker>
+  <cs:dataPointMarkerLayout symbol="circle" size="5"/>
+  <cs:dataPointWireframe>
+    <cs:lnRef idx="0">
+      <cs:styleClr val="auto"/>
+    </cs:lnRef>
+    <cs:fillRef idx="0"/>
+    <cs:effectRef idx="0"/>
+    <cs:fontRef idx="minor">
+      <a:schemeClr val="dk1"/>
+    </cs:fontRef>
+    <cs:spPr>
+      <a:ln w="9525" cap="rnd">
+        <a:solidFill>
+          <a:schemeClr val="phClr"/>
+        </a:solidFill>
+        <a:round/>
+      </a:ln>
+    </cs:spPr>
+  </cs:dataPointWireframe>
+  <cs:dataTable>
+    <cs:lnRef idx="0"/>
+    <cs:fillRef idx="0"/>
+    <cs:effectRef idx="0"/>
+    <cs:fontRef idx="minor">
+      <a:schemeClr val="tx1">
+        <a:lumMod val="65000"/>
+        <a:lumOff val="35000"/>
+      </a:schemeClr>
+    </cs:fontRef>
+    <cs:spPr>
+      <a:noFill/>
+      <a:ln w="9525" cap="flat" cmpd="sng" algn="ctr">
+        <a:solidFill>
+          <a:schemeClr val="tx1">
+            <a:lumMod val="15000"/>
+            <a:lumOff val="85000"/>
+          </a:schemeClr>
+        </a:solidFill>
+        <a:round/>
+      </a:ln>
+    </cs:spPr>
+    <cs:defRPr sz="900" kern="1200"/>
+  </cs:dataTable>
+  <cs:downBar>
+    <cs:lnRef idx="0"/>
+    <cs:fillRef idx="0"/>
+    <cs:effectRef idx="0"/>
+    <cs:fontRef idx="minor">
+      <a:schemeClr val="tx1"/>
+    </cs:fontRef>
+    <cs:spPr>
+      <a:solidFill>
+        <a:schemeClr val="dk1">
+          <a:lumMod val="75000"/>
+          <a:lumOff val="25000"/>
+        </a:schemeClr>
+      </a:solidFill>
+      <a:ln w="9525" cap="flat" cmpd="sng" algn="ctr">
+        <a:solidFill>
+          <a:schemeClr val="tx1">
+            <a:lumMod val="65000"/>
+            <a:lumOff val="35000"/>
+          </a:schemeClr>
+        </a:solidFill>
+        <a:round/>
+      </a:ln>
+    </cs:spPr>
+  </cs:downBar>
+  <cs:dropLine>
+    <cs:lnRef idx="0"/>
+    <cs:fillRef idx="0"/>
+    <cs:effectRef idx="0"/>
+    <cs:fontRef idx="minor">
+      <a:schemeClr val="tx1"/>
+    </cs:fontRef>
+    <cs:spPr>
+      <a:ln w="9525" cap="flat" cmpd="sng" algn="ctr">
+        <a:solidFill>
+          <a:schemeClr val="tx1">
+            <a:lumMod val="35000"/>
+            <a:lumOff val="65000"/>
+          </a:schemeClr>
+        </a:solidFill>
+        <a:round/>
+      </a:ln>
+    </cs:spPr>
+  </cs:dropLine>
+  <cs:errorBar>
+    <cs:lnRef idx="0"/>
+    <cs:fillRef idx="0"/>
+    <cs:effectRef idx="0"/>
+    <cs:fontRef idx="minor">
+      <a:schemeClr val="tx1"/>
+    </cs:fontRef>
+    <cs:spPr>
+      <a:ln w="9525" cap="flat" cmpd="sng" algn="ctr">
+        <a:solidFill>
+          <a:schemeClr val="tx1">
+            <a:lumMod val="65000"/>
+            <a:lumOff val="35000"/>
+          </a:schemeClr>
+        </a:solidFill>
+        <a:round/>
+      </a:ln>
+    </cs:spPr>
+  </cs:errorBar>
+  <cs:floor>
+    <cs:lnRef idx="0"/>
+    <cs:fillRef idx="0"/>
+    <cs:effectRef idx="0"/>
+    <cs:fontRef idx="minor">
+      <a:schemeClr val="tx1"/>
+    </cs:fontRef>
+    <cs:spPr>
+      <a:noFill/>
+      <a:ln>
+        <a:noFill/>
+      </a:ln>
+    </cs:spPr>
+  </cs:floor>
+  <cs:gridlineMajor>
+    <cs:lnRef idx="0"/>
+    <cs:fillRef idx="0"/>
+    <cs:effectRef idx="0"/>
+    <cs:fontRef idx="minor">
+      <a:schemeClr val="tx1"/>
+    </cs:fontRef>
+    <cs:spPr>
+      <a:ln w="9525" cap="flat" cmpd="sng" algn="ctr">
+        <a:solidFill>
+          <a:schemeClr val="tx1">
+            <a:lumMod val="15000"/>
+            <a:lumOff val="85000"/>
+          </a:schemeClr>
+        </a:solidFill>
+        <a:round/>
+      </a:ln>
+    </cs:spPr>
+  </cs:gridlineMajor>
+  <cs:gridlineMinor>
+    <cs:lnRef idx="0"/>
+    <cs:fillRef idx="0"/>
+    <cs:effectRef idx="0"/>
+    <cs:fontRef idx="minor">
+      <a:schemeClr val="tx1"/>
+    </cs:fontRef>
+    <cs:spPr>
+      <a:ln w="9525" cap="flat" cmpd="sng" algn="ctr">
+        <a:solidFill>
+          <a:schemeClr val="tx1">
+            <a:lumMod val="5000"/>
+            <a:lumOff val="95000"/>
+          </a:schemeClr>
+        </a:solidFill>
+        <a:round/>
+      </a:ln>
+    </cs:spPr>
+  </cs:gridlineMinor>
+  <cs:hiLoLine>
+    <cs:lnRef idx="0"/>
+    <cs:fillRef idx="0"/>
+    <cs:effectRef idx="0"/>
+    <cs:fontRef idx="minor">
+      <a:schemeClr val="tx1"/>
+    </cs:fontRef>
+    <cs:spPr>
+      <a:ln w="9525" cap="flat" cmpd="sng" algn="ctr">
+        <a:solidFill>
+          <a:schemeClr val="tx1">
+            <a:lumMod val="50000"/>
+            <a:lumOff val="50000"/>
+          </a:schemeClr>
+        </a:solidFill>
+        <a:round/>
+      </a:ln>
+    </cs:spPr>
+  </cs:hiLoLine>
+  <cs:leaderLine>
+    <cs:lnRef idx="0"/>
+    <cs:fillRef idx="0"/>
+    <cs:effectRef idx="0"/>
+    <cs:fontRef idx="minor">
+      <a:schemeClr val="tx1"/>
+    </cs:fontRef>
+    <cs:spPr>
+      <a:ln w="9525" cap="flat" cmpd="sng" algn="ctr">
+        <a:solidFill>
+          <a:schemeClr val="tx1">
+            <a:lumMod val="35000"/>
+            <a:lumOff val="65000"/>
+          </a:schemeClr>
+        </a:solidFill>
+        <a:round/>
+      </a:ln>
+    </cs:spPr>
+  </cs:leaderLine>
+  <cs:legend>
+    <cs:lnRef idx="0"/>
+    <cs:fillRef idx="0"/>
+    <cs:effectRef idx="0"/>
+    <cs:fontRef idx="minor">
+      <a:schemeClr val="tx1">
+        <a:lumMod val="65000"/>
+        <a:lumOff val="35000"/>
+      </a:schemeClr>
+    </cs:fontRef>
+    <cs:defRPr sz="900" kern="1200"/>
+  </cs:legend>
+  <cs:plotArea mods="allowNoFillOverride allowNoLineOverride">
+    <cs:lnRef idx="0"/>
+    <cs:fillRef idx="0"/>
+    <cs:effectRef idx="0"/>
+    <cs:fontRef idx="minor">
+      <a:schemeClr val="tx1"/>
+    </cs:fontRef>
+  </cs:plotArea>
+  <cs:plotArea3D mods="allowNoFillOverride allowNoLineOverride">
+    <cs:lnRef idx="0"/>
+    <cs:fillRef idx="0"/>
+    <cs:effectRef idx="0"/>
+    <cs:fontRef idx="minor">
+      <a:schemeClr val="tx1"/>
+    </cs:fontRef>
+  </cs:plotArea3D>
+  <cs:seriesAxis>
+    <cs:lnRef idx="0"/>
+    <cs:fillRef idx="0"/>
+    <cs:effectRef idx="0"/>
+    <cs:fontRef idx="minor">
+      <a:schemeClr val="tx1">
+        <a:lumMod val="65000"/>
+        <a:lumOff val="35000"/>
+      </a:schemeClr>
+    </cs:fontRef>
+    <cs:defRPr sz="900" kern="1200"/>
+  </cs:seriesAxis>
+  <cs:seriesLine>
+    <cs:lnRef idx="0"/>
+    <cs:fillRef idx="0"/>
+    <cs:effectRef idx="0"/>
+    <cs:fontRef idx="minor">
+      <a:schemeClr val="tx1"/>
+    </cs:fontRef>
+    <cs:spPr>
+      <a:ln w="9525" cap="flat" cmpd="sng" algn="ctr">
+        <a:solidFill>
+          <a:schemeClr val="tx1">
+            <a:lumMod val="35000"/>
+            <a:lumOff val="65000"/>
+          </a:schemeClr>
+        </a:solidFill>
+        <a:round/>
+      </a:ln>
+    </cs:spPr>
+  </cs:seriesLine>
+  <cs:title>
+    <cs:lnRef idx="0"/>
+    <cs:fillRef idx="0"/>
+    <cs:effectRef idx="0"/>
+    <cs:fontRef idx="minor">
+      <a:schemeClr val="tx1">
+        <a:lumMod val="65000"/>
+        <a:lumOff val="35000"/>
+      </a:schemeClr>
+    </cs:fontRef>
+    <cs:defRPr sz="1400" b="0" kern="1200" spc="0" baseline="0"/>
+  </cs:title>
+  <cs:trendline>
+    <cs:lnRef idx="0">
+      <cs:styleClr val="auto"/>
+    </cs:lnRef>
+    <cs:fillRef idx="0"/>
+    <cs:effectRef idx="0"/>
+    <cs:fontRef idx="minor">
+      <a:schemeClr val="tx1"/>
+    </cs:fontRef>
+    <cs:spPr>
+      <a:ln w="19050" cap="rnd">
+        <a:solidFill>
+          <a:schemeClr val="phClr"/>
+        </a:solidFill>
+        <a:prstDash val="sysDot"/>
+      </a:ln>
+    </cs:spPr>
+  </cs:trendline>
+  <cs:trendlineLabel>
+    <cs:lnRef idx="0"/>
+    <cs:fillRef idx="0"/>
+    <cs:effectRef idx="0"/>
+    <cs:fontRef idx="minor">
+      <a:schemeClr val="tx1">
+        <a:lumMod val="65000"/>
+        <a:lumOff val="35000"/>
+      </a:schemeClr>
+    </cs:fontRef>
+    <cs:defRPr sz="900" kern="1200"/>
+  </cs:trendlineLabel>
+  <cs:upBar>
+    <cs:lnRef idx="0"/>
+    <cs:fillRef idx="0"/>
+    <cs:effectRef idx="0"/>
+    <cs:fontRef idx="minor">
+      <a:schemeClr val="tx1"/>
+    </cs:fontRef>
+    <cs:spPr>
+      <a:solidFill>
+        <a:schemeClr val="lt1"/>
+      </a:solidFill>
+      <a:ln w="9525" cap="flat" cmpd="sng" algn="ctr">
+        <a:solidFill>
+          <a:schemeClr val="tx1">
+            <a:lumMod val="65000"/>
+            <a:lumOff val="35000"/>
+          </a:schemeClr>
+        </a:solidFill>
+        <a:round/>
+      </a:ln>
+    </cs:spPr>
+  </cs:upBar>
+  <cs:valueAxis>
+    <cs:lnRef idx="0"/>
+    <cs:fillRef idx="0"/>
+    <cs:effectRef idx="0"/>
+    <cs:fontRef idx="minor">
+      <a:schemeClr val="tx1">
+        <a:lumMod val="65000"/>
+        <a:lumOff val="35000"/>
+      </a:schemeClr>
+    </cs:fontRef>
+    <cs:spPr>
+      <a:ln w="9525" cap="flat" cmpd="sng" algn="ctr">
+        <a:solidFill>
+          <a:schemeClr val="tx1">
+            <a:lumMod val="25000"/>
+            <a:lumOff val="75000"/>
+          </a:schemeClr>
+        </a:solidFill>
+        <a:round/>
+      </a:ln>
+    </cs:spPr>
+    <cs:defRPr sz="900" kern="1200"/>
+  </cs:valueAxis>
+  <cs:wall>
+    <cs:lnRef idx="0"/>
+    <cs:fillRef idx="0"/>
+    <cs:effectRef idx="0"/>
+    <cs:fontRef idx="minor">
+      <a:schemeClr val="tx1"/>
+    </cs:fontRef>
+    <cs:spPr>
+      <a:noFill/>
+      <a:ln>
+        <a:noFill/>
+      </a:ln>
+    </cs:spPr>
+  </cs:wall>
+</cs:chartStyle>
+</file>
+
 <file path=ppt/slideLayouts/slideLayout1.xml><?xml version="1.0" encoding="utf-8"?>
 <p:sldLayout xmlns:a="http://schemas.openxmlformats.org/drawingml/2006/main" xmlns:r="http://schemas.openxmlformats.org/officeDocument/2006/relationships" xmlns:p="http://schemas.openxmlformats.org/presentationml/2006/main" type="title" preserve="1">
   <p:cSld name="Title Slide">
@@ -254,7 +2576,7 @@
           <a:p>
             <a:fld id="{6B7A1737-7B87-42E8-863A-565794F87A24}" type="datetimeFigureOut">
               <a:rPr lang="en-CA" smtClean="0"/>
-              <a:t>2016-05-20</a:t>
+              <a:t>5/20/16</a:t>
             </a:fld>
             <a:endParaRPr lang="en-CA"/>
           </a:p>
@@ -424,7 +2746,7 @@
           <a:p>
             <a:fld id="{6B7A1737-7B87-42E8-863A-565794F87A24}" type="datetimeFigureOut">
               <a:rPr lang="en-CA" smtClean="0"/>
-              <a:t>2016-05-20</a:t>
+              <a:t>5/20/16</a:t>
             </a:fld>
             <a:endParaRPr lang="en-CA"/>
           </a:p>
@@ -604,7 +2926,7 @@
           <a:p>
             <a:fld id="{6B7A1737-7B87-42E8-863A-565794F87A24}" type="datetimeFigureOut">
               <a:rPr lang="en-CA" smtClean="0"/>
-              <a:t>2016-05-20</a:t>
+              <a:t>5/20/16</a:t>
             </a:fld>
             <a:endParaRPr lang="en-CA"/>
           </a:p>
@@ -774,7 +3096,7 @@
           <a:p>
             <a:fld id="{6B7A1737-7B87-42E8-863A-565794F87A24}" type="datetimeFigureOut">
               <a:rPr lang="en-CA" smtClean="0"/>
-              <a:t>2016-05-20</a:t>
+              <a:t>5/20/16</a:t>
             </a:fld>
             <a:endParaRPr lang="en-CA"/>
           </a:p>
@@ -1018,7 +3340,7 @@
           <a:p>
             <a:fld id="{6B7A1737-7B87-42E8-863A-565794F87A24}" type="datetimeFigureOut">
               <a:rPr lang="en-CA" smtClean="0"/>
-              <a:t>2016-05-20</a:t>
+              <a:t>5/20/16</a:t>
             </a:fld>
             <a:endParaRPr lang="en-CA"/>
           </a:p>
@@ -1250,7 +3572,7 @@
           <a:p>
             <a:fld id="{6B7A1737-7B87-42E8-863A-565794F87A24}" type="datetimeFigureOut">
               <a:rPr lang="en-CA" smtClean="0"/>
-              <a:t>2016-05-20</a:t>
+              <a:t>5/20/16</a:t>
             </a:fld>
             <a:endParaRPr lang="en-CA"/>
           </a:p>
@@ -1617,7 +3939,7 @@
           <a:p>
             <a:fld id="{6B7A1737-7B87-42E8-863A-565794F87A24}" type="datetimeFigureOut">
               <a:rPr lang="en-CA" smtClean="0"/>
-              <a:t>2016-05-20</a:t>
+              <a:t>5/20/16</a:t>
             </a:fld>
             <a:endParaRPr lang="en-CA"/>
           </a:p>
@@ -1735,7 +4057,7 @@
           <a:p>
             <a:fld id="{6B7A1737-7B87-42E8-863A-565794F87A24}" type="datetimeFigureOut">
               <a:rPr lang="en-CA" smtClean="0"/>
-              <a:t>2016-05-20</a:t>
+              <a:t>5/20/16</a:t>
             </a:fld>
             <a:endParaRPr lang="en-CA"/>
           </a:p>
@@ -1830,7 +4152,7 @@
           <a:p>
             <a:fld id="{6B7A1737-7B87-42E8-863A-565794F87A24}" type="datetimeFigureOut">
               <a:rPr lang="en-CA" smtClean="0"/>
-              <a:t>2016-05-20</a:t>
+              <a:t>5/20/16</a:t>
             </a:fld>
             <a:endParaRPr lang="en-CA"/>
           </a:p>
@@ -2107,7 +4429,7 @@
           <a:p>
             <a:fld id="{6B7A1737-7B87-42E8-863A-565794F87A24}" type="datetimeFigureOut">
               <a:rPr lang="en-CA" smtClean="0"/>
-              <a:t>2016-05-20</a:t>
+              <a:t>5/20/16</a:t>
             </a:fld>
             <a:endParaRPr lang="en-CA"/>
           </a:p>
@@ -2364,7 +4686,7 @@
           <a:p>
             <a:fld id="{6B7A1737-7B87-42E8-863A-565794F87A24}" type="datetimeFigureOut">
               <a:rPr lang="en-CA" smtClean="0"/>
-              <a:t>2016-05-20</a:t>
+              <a:t>5/20/16</a:t>
             </a:fld>
             <a:endParaRPr lang="en-CA"/>
           </a:p>
@@ -2577,7 +4899,7 @@
           <a:p>
             <a:fld id="{6B7A1737-7B87-42E8-863A-565794F87A24}" type="datetimeFigureOut">
               <a:rPr lang="en-CA" smtClean="0"/>
-              <a:t>2016-05-20</a:t>
+              <a:t>5/20/16</a:t>
             </a:fld>
             <a:endParaRPr lang="en-CA"/>
           </a:p>
@@ -3258,7 +5580,7 @@
         </p:nvSpPr>
         <p:spPr bwMode="auto">
           <a:xfrm>
-            <a:off x="818147" y="12292478"/>
+            <a:off x="818147" y="12480736"/>
             <a:ext cx="6704360" cy="914400"/>
           </a:xfrm>
           <a:prstGeom prst="rect">
@@ -3474,7 +5796,7 @@
         </p:nvSpPr>
         <p:spPr bwMode="auto">
           <a:xfrm>
-            <a:off x="8221827" y="17593967"/>
+            <a:off x="8221827" y="17726488"/>
             <a:ext cx="13382182" cy="914400"/>
           </a:xfrm>
           <a:prstGeom prst="rect">
@@ -3528,7 +5850,7 @@
         </p:nvSpPr>
         <p:spPr bwMode="auto">
           <a:xfrm>
-            <a:off x="22287713" y="13511744"/>
+            <a:off x="22287712" y="15333974"/>
             <a:ext cx="9812539" cy="914400"/>
           </a:xfrm>
           <a:prstGeom prst="rect">
@@ -3567,7 +5889,7 @@
                 </a:effectLst>
                 <a:latin typeface="Corbel" panose="020B0503020204020204" pitchFamily="34" charset="0"/>
               </a:rPr>
-              <a:t>Analysis</a:t>
+              <a:t>Discussion</a:t>
             </a:r>
           </a:p>
         </p:txBody>
@@ -3580,7 +5902,7 @@
         </p:nvSpPr>
         <p:spPr>
           <a:xfrm>
-            <a:off x="833763" y="13570060"/>
+            <a:off x="833763" y="13731424"/>
             <a:ext cx="6704360" cy="7848302"/>
           </a:xfrm>
           <a:prstGeom prst="rect">
@@ -3743,20 +6065,8 @@
               <a:buChar char="▶"/>
             </a:pPr>
             <a:r>
-              <a:rPr lang="en-CA" sz="3600" dirty="0" smtClean="0"/>
-              <a:t>We used </a:t>
-            </a:r>
-            <a:r>
               <a:rPr lang="en-CA" sz="3600" dirty="0"/>
-              <a:t>social and classification data </a:t>
-            </a:r>
-            <a:r>
-              <a:rPr lang="en-CA" sz="3600" dirty="0" smtClean="0"/>
-              <a:t>to </a:t>
-            </a:r>
-            <a:r>
-              <a:rPr lang="en-CA" sz="3600" dirty="0"/>
-              <a:t>build a relationship graph for activities.</a:t>
+              <a:t>We used social and classification data to build a relationship graph for activities.</a:t>
             </a:r>
           </a:p>
           <a:p>
@@ -3894,12 +6204,8 @@
               <a:buChar char="▶"/>
             </a:pPr>
             <a:r>
-              <a:rPr lang="en-CA" sz="3600" dirty="0" smtClean="0"/>
-              <a:t>Sample 10 </a:t>
-            </a:r>
-            <a:r>
               <a:rPr lang="en-CA" sz="3600" dirty="0"/>
-              <a:t>million tweets across 50,000 users.</a:t>
+              <a:t>Sampled 10 million tweets across 50,000 users.</a:t>
             </a:r>
           </a:p>
           <a:p>
@@ -3911,12 +6217,8 @@
               <a:buChar char="▶"/>
             </a:pPr>
             <a:r>
-              <a:rPr lang="en-CA" sz="3600" dirty="0" smtClean="0"/>
-              <a:t>Newest </a:t>
-            </a:r>
-            <a:r>
               <a:rPr lang="en-CA" sz="3600" dirty="0"/>
-              <a:t>tweeted is a user’s primary activity, secondary activities are those mentioned in older tweets.</a:t>
+              <a:t>Newest tweeted is a user’s primary activity, secondary activities are those mentioned in older tweets.</a:t>
             </a:r>
           </a:p>
           <a:p>
@@ -3981,23 +6283,7 @@
                   <a:prstClr val="black"/>
                 </a:solidFill>
               </a:rPr>
-              <a:t>Fully connected graph with </a:t>
-            </a:r>
-            <a:r>
-              <a:rPr lang="en-CA" sz="3600" dirty="0" smtClean="0">
-                <a:solidFill>
-                  <a:prstClr val="black"/>
-                </a:solidFill>
-              </a:rPr>
-              <a:t>77 activity </a:t>
-            </a:r>
-            <a:r>
-              <a:rPr lang="en-CA" sz="3600" dirty="0" smtClean="0">
-                <a:solidFill>
-                  <a:prstClr val="black"/>
-                </a:solidFill>
-              </a:rPr>
-              <a:t>nodes</a:t>
+              <a:t>Fully connected graph with 77 activity nodes.</a:t>
             </a:r>
             <a:endParaRPr lang="en-CA" sz="3600" b="0" i="1" dirty="0">
               <a:latin typeface="Cambria Math" panose="02040503050406030204" pitchFamily="18" charset="0"/>
@@ -4363,7 +6649,7 @@
               </p:nvCxnSpPr>
               <p:spPr>
                 <a:xfrm>
-                  <a:off x="18708394" y="15447801"/>
+                  <a:off x="18708394" y="15471574"/>
                   <a:ext cx="675861" cy="0"/>
                 </a:xfrm>
                 <a:prstGeom prst="line">
@@ -4641,7 +6927,7 @@
           </p:nvCxnSpPr>
           <p:spPr>
             <a:xfrm>
-              <a:off x="19028543" y="15435482"/>
+              <a:off x="19028543" y="15408978"/>
               <a:ext cx="753502" cy="0"/>
             </a:xfrm>
             <a:prstGeom prst="line">
@@ -4678,7 +6964,7 @@
         </p:nvSpPr>
         <p:spPr>
           <a:xfrm>
-            <a:off x="8175809" y="18715221"/>
+            <a:off x="8175809" y="18728473"/>
             <a:ext cx="12794680" cy="2308324"/>
           </a:xfrm>
           <a:prstGeom prst="rect">
@@ -4704,23 +6990,7 @@
                   <a:prstClr val="black"/>
                 </a:solidFill>
               </a:rPr>
-              <a:t>User </a:t>
-            </a:r>
-            <a:r>
-              <a:rPr lang="en-CA" sz="3600" dirty="0" smtClean="0">
-                <a:solidFill>
-                  <a:prstClr val="black"/>
-                </a:solidFill>
-              </a:rPr>
-              <a:t>provides up to </a:t>
-            </a:r>
-            <a:r>
-              <a:rPr lang="en-CA" sz="3600" dirty="0">
-                <a:solidFill>
-                  <a:prstClr val="black"/>
-                </a:solidFill>
-              </a:rPr>
-              <a:t>5 input activities.</a:t>
+              <a:t>User provides up to 5 input activities.</a:t>
             </a:r>
             <a:endParaRPr lang="en-CA" sz="3600" i="1" dirty="0"/>
           </a:p>
@@ -4752,13 +7022,13 @@
           <p:nvPr>
             <p:extLst>
               <p:ext uri="{D42A27DB-BD31-4B8C-83A1-F6EECF244321}">
-                <p14:modId xmlns:p14="http://schemas.microsoft.com/office/powerpoint/2010/main" val="3102142493"/>
+                <p14:modId xmlns:p14="http://schemas.microsoft.com/office/powerpoint/2010/main" val="2859395716"/>
               </p:ext>
             </p:extLst>
           </p:nvPr>
         </p:nvGraphicFramePr>
         <p:xfrm>
-          <a:off x="22287712" y="10662979"/>
+          <a:off x="22308117" y="12661140"/>
           <a:ext cx="9812540" cy="2464764"/>
         </p:xfrm>
         <a:graphic>
@@ -4805,7 +7075,7 @@
                     <a:p>
                       <a:pPr algn="ctr"/>
                       <a:r>
-                        <a:rPr lang="en-CA" sz="2800" smtClean="0"/>
+                        <a:rPr lang="en-CA" sz="2800"/>
                         <a:t>Sample Activities</a:t>
                       </a:r>
                       <a:endParaRPr lang="en-CA" sz="2800" dirty="0"/>
@@ -5029,10 +7299,9 @@
                     <a:p>
                       <a:pPr algn="ctr"/>
                       <a:r>
-                        <a:rPr lang="en-CA" sz="2400" dirty="0" smtClean="0"/>
+                        <a:rPr lang="en-CA" sz="2400" dirty="0"/>
                         <a:t>0.125</a:t>
                       </a:r>
-                      <a:endParaRPr lang="en-CA" sz="2400" dirty="0"/>
                     </a:p>
                   </a:txBody>
                   <a:tcPr marL="53521" marR="53521" marT="26760" marB="26760">
@@ -5054,10 +7323,9 @@
                     <a:p>
                       <a:pPr algn="ctr"/>
                       <a:r>
-                        <a:rPr lang="en-CA" sz="2400" dirty="0" smtClean="0"/>
+                        <a:rPr lang="en-CA" sz="2400" dirty="0"/>
                         <a:t>0.071</a:t>
                       </a:r>
-                      <a:endParaRPr lang="en-CA" sz="2400" dirty="0"/>
                     </a:p>
                   </a:txBody>
                   <a:tcPr marL="53521" marR="53521" marT="26760" marB="26760">
@@ -5114,10 +7382,9 @@
                     <a:p>
                       <a:pPr algn="ctr"/>
                       <a:r>
-                        <a:rPr lang="en-CA" sz="2400" dirty="0" smtClean="0"/>
+                        <a:rPr lang="en-CA" sz="2400" dirty="0"/>
                         <a:t>0.072</a:t>
                       </a:r>
-                      <a:endParaRPr lang="en-CA" sz="2400" dirty="0"/>
                     </a:p>
                   </a:txBody>
                   <a:tcPr marL="53521" marR="53521" marT="26760" marB="26760"/>
@@ -5129,10 +7396,9 @@
                     <a:p>
                       <a:pPr algn="ctr"/>
                       <a:r>
-                        <a:rPr lang="en-CA" sz="2400" dirty="0" smtClean="0"/>
+                        <a:rPr lang="en-CA" sz="2400" dirty="0"/>
                         <a:t>0.037</a:t>
                       </a:r>
-                      <a:endParaRPr lang="en-CA" sz="2400" dirty="0"/>
                     </a:p>
                   </a:txBody>
                   <a:tcPr marL="53521" marR="53521" marT="26760" marB="26760"/>
@@ -5179,10 +7445,9 @@
                     <a:p>
                       <a:pPr algn="ctr"/>
                       <a:r>
-                        <a:rPr lang="en-CA" sz="2400" dirty="0" smtClean="0"/>
+                        <a:rPr lang="en-CA" sz="2400" dirty="0"/>
                         <a:t>0.043</a:t>
                       </a:r>
-                      <a:endParaRPr lang="en-CA" sz="2400" dirty="0"/>
                     </a:p>
                   </a:txBody>
                   <a:tcPr marL="53521" marR="53521" marT="26760" marB="26760"/>
@@ -5194,10 +7459,9 @@
                     <a:p>
                       <a:pPr algn="ctr"/>
                       <a:r>
-                        <a:rPr lang="en-CA" sz="2400" dirty="0" smtClean="0"/>
+                        <a:rPr lang="en-CA" sz="2400" dirty="0"/>
                         <a:t>0.030</a:t>
                       </a:r>
-                      <a:endParaRPr lang="en-CA" sz="2400" dirty="0"/>
                     </a:p>
                   </a:txBody>
                   <a:tcPr marL="53521" marR="53521" marT="26760" marB="26760"/>
@@ -5222,7 +7486,7 @@
             </p:nvSpPr>
             <p:spPr>
               <a:xfrm>
-                <a:off x="8861239" y="13493758"/>
+                <a:off x="8861239" y="13466474"/>
                 <a:ext cx="8135880" cy="4008533"/>
               </a:xfrm>
               <a:prstGeom prst="rect">
@@ -5969,7 +8233,7 @@
                   </m:oMath>
                 </a14:m>
                 <a:r>
-                  <a:rPr lang="en-CA" sz="2800" dirty="0" smtClean="0">
+                  <a:rPr lang="en-CA" sz="2800" dirty="0">
                     <a:solidFill>
                       <a:prstClr val="black"/>
                     </a:solidFill>
@@ -6215,7 +8479,7 @@
                     </m:r>
                   </m:oMath>
                 </a14:m>
-                <a:endParaRPr lang="en-US" sz="2800" b="0" dirty="0" smtClean="0">
+                <a:endParaRPr lang="en-US" sz="2800" b="0" dirty="0">
                   <a:solidFill>
                     <a:prstClr val="black"/>
                   </a:solidFill>
@@ -6356,7 +8620,7 @@
                     </m:oMath>
                   </m:oMathPara>
                 </a14:m>
-                <a:endParaRPr lang="en-CA" sz="2800" dirty="0" smtClean="0">
+                <a:endParaRPr lang="en-CA" sz="2800" dirty="0">
                   <a:solidFill>
                     <a:prstClr val="black"/>
                   </a:solidFill>
@@ -6645,7 +8909,7 @@
             </p:nvSpPr>
             <p:spPr>
               <a:xfrm>
-                <a:off x="8861239" y="13493758"/>
+                <a:off x="8861239" y="13466474"/>
                 <a:ext cx="8135880" cy="4008533"/>
               </a:xfrm>
               <a:prstGeom prst="rect">
@@ -6663,7 +8927,7 @@
               <a:lstStyle/>
               <a:p>
                 <a:r>
-                  <a:rPr lang="en-IN">
+                  <a:rPr lang="en-CA">
                     <a:noFill/>
                   </a:rPr>
                   <a:t> </a:t>
@@ -6773,66 +9037,227 @@
           </a:p>
         </p:txBody>
       </p:sp>
-      <p:pic>
-        <p:nvPicPr>
-          <p:cNvPr id="3" name="Picture 2"/>
-          <p:cNvPicPr>
-            <a:picLocks noChangeAspect="1"/>
-          </p:cNvPicPr>
+      <p:graphicFrame>
+        <p:nvGraphicFramePr>
+          <p:cNvPr id="41" name="Chart 40"/>
+          <p:cNvGraphicFramePr>
+            <a:graphicFrameLocks/>
+          </p:cNvGraphicFramePr>
+          <p:nvPr>
+            <p:extLst>
+              <p:ext uri="{D42A27DB-BD31-4B8C-83A1-F6EECF244321}">
+                <p14:modId xmlns:p14="http://schemas.microsoft.com/office/powerpoint/2010/main" val="2463731301"/>
+              </p:ext>
+            </p:extLst>
+          </p:nvPr>
+        </p:nvGraphicFramePr>
+        <p:xfrm>
+          <a:off x="22287712" y="6033587"/>
+          <a:ext cx="9822698" cy="3207256"/>
+        </p:xfrm>
+        <a:graphic>
+          <a:graphicData uri="http://schemas.openxmlformats.org/drawingml/2006/chart">
+            <c:chart xmlns:c="http://schemas.openxmlformats.org/drawingml/2006/chart" xmlns:r="http://schemas.openxmlformats.org/officeDocument/2006/relationships" r:id="rId9"/>
+          </a:graphicData>
+        </a:graphic>
+      </p:graphicFrame>
+      <p:graphicFrame>
+        <p:nvGraphicFramePr>
+          <p:cNvPr id="45" name="Chart 44"/>
+          <p:cNvGraphicFramePr>
+            <a:graphicFrameLocks/>
+          </p:cNvGraphicFramePr>
+          <p:nvPr>
+            <p:extLst>
+              <p:ext uri="{D42A27DB-BD31-4B8C-83A1-F6EECF244321}">
+                <p14:modId xmlns:p14="http://schemas.microsoft.com/office/powerpoint/2010/main" val="468705721"/>
+              </p:ext>
+            </p:extLst>
+          </p:nvPr>
+        </p:nvGraphicFramePr>
+        <p:xfrm>
+          <a:off x="22487651" y="9109495"/>
+          <a:ext cx="9622759" cy="3534203"/>
+        </p:xfrm>
+        <a:graphic>
+          <a:graphicData uri="http://schemas.openxmlformats.org/drawingml/2006/chart">
+            <c:chart xmlns:c="http://schemas.openxmlformats.org/drawingml/2006/chart" xmlns:r="http://schemas.openxmlformats.org/officeDocument/2006/relationships" r:id="rId10"/>
+          </a:graphicData>
+        </a:graphic>
+      </p:graphicFrame>
+      <p:sp>
+        <p:nvSpPr>
+          <p:cNvPr id="46" name="TextBox 45"/>
+          <p:cNvSpPr txBox="1"/>
           <p:nvPr/>
-        </p:nvPicPr>
-        <p:blipFill>
-          <a:blip r:embed="rId9">
-            <a:extLst>
-              <a:ext uri="{28A0092B-C50C-407E-A947-70E740481C1C}">
-                <a14:useLocalDpi xmlns:a14="http://schemas.microsoft.com/office/drawing/2010/main" val="0"/>
-              </a:ext>
-            </a:extLst>
-          </a:blip>
-          <a:stretch>
-            <a:fillRect/>
-          </a:stretch>
-        </p:blipFill>
+        </p:nvSpPr>
         <p:spPr>
           <a:xfrm>
-            <a:off x="22580279" y="14731800"/>
-            <a:ext cx="8824631" cy="5137584"/>
+            <a:off x="22297870" y="4833258"/>
+            <a:ext cx="9802381" cy="1200329"/>
           </a:xfrm>
           <a:prstGeom prst="rect">
             <a:avLst/>
           </a:prstGeom>
+          <a:noFill/>
         </p:spPr>
-      </p:pic>
-      <p:pic>
-        <p:nvPicPr>
-          <p:cNvPr id="20" name="Picture 19"/>
-          <p:cNvPicPr>
-            <a:picLocks noChangeAspect="1"/>
-          </p:cNvPicPr>
-          <p:nvPr/>
-        </p:nvPicPr>
-        <p:blipFill>
-          <a:blip r:embed="rId10">
-            <a:extLst>
-              <a:ext uri="{28A0092B-C50C-407E-A947-70E740481C1C}">
-                <a14:useLocalDpi xmlns:a14="http://schemas.microsoft.com/office/drawing/2010/main" val="0"/>
-              </a:ext>
-            </a:extLst>
-          </a:blip>
-          <a:stretch>
-            <a:fillRect/>
-          </a:stretch>
-        </p:blipFill>
-        <p:spPr>
-          <a:xfrm>
-            <a:off x="22823740" y="4972800"/>
-            <a:ext cx="8423515" cy="5277112"/>
-          </a:xfrm>
-          <a:prstGeom prst="rect">
-            <a:avLst/>
-          </a:prstGeom>
-        </p:spPr>
-      </p:pic>
+        <p:txBody>
+          <a:bodyPr wrap="square" rtlCol="0">
+            <a:spAutoFit/>
+          </a:bodyPr>
+          <a:lstStyle/>
+          <a:p>
+            <a:pPr marL="571500" indent="-571500">
+              <a:buClr>
+                <a:schemeClr val="accent4"/>
+              </a:buClr>
+              <a:buFont typeface="Arial Unicode MS" panose="020B0604020202020204" pitchFamily="34" charset="-128"/>
+              <a:buChar char="▶"/>
+            </a:pPr>
+            <a:r>
+              <a:rPr lang="en-CA" sz="3600" dirty="0"/>
+              <a:t>Tested on validation set of 5000 Twitter users.</a:t>
+            </a:r>
+          </a:p>
+          <a:p>
+            <a:pPr marL="571500" indent="-571500">
+              <a:buClr>
+                <a:schemeClr val="accent4"/>
+              </a:buClr>
+              <a:buFont typeface="Arial Unicode MS" panose="020B0604020202020204" pitchFamily="34" charset="-128"/>
+              <a:buChar char="▶"/>
+            </a:pPr>
+            <a:r>
+              <a:rPr lang="en-CA" sz="3600" dirty="0"/>
+              <a:t>“Leave one out” prediction.</a:t>
+            </a:r>
+          </a:p>
+        </p:txBody>
+      </p:sp>
+      <mc:AlternateContent xmlns:mc="http://schemas.openxmlformats.org/markup-compatibility/2006">
+        <mc:Choice xmlns:a14="http://schemas.microsoft.com/office/drawing/2010/main" Requires="a14">
+          <p:sp>
+            <p:nvSpPr>
+              <p:cNvPr id="47" name="TextBox 46"/>
+              <p:cNvSpPr txBox="1"/>
+              <p:nvPr/>
+            </p:nvSpPr>
+            <p:spPr>
+              <a:xfrm>
+                <a:off x="22357513" y="16355950"/>
+                <a:ext cx="9802381" cy="3970318"/>
+              </a:xfrm>
+              <a:prstGeom prst="rect">
+                <a:avLst/>
+              </a:prstGeom>
+              <a:noFill/>
+            </p:spPr>
+            <p:txBody>
+              <a:bodyPr wrap="square" rtlCol="0">
+                <a:spAutoFit/>
+              </a:bodyPr>
+              <a:lstStyle/>
+              <a:p>
+                <a:pPr marL="571500" indent="-571500">
+                  <a:buClr>
+                    <a:schemeClr val="accent4"/>
+                  </a:buClr>
+                  <a:buFont typeface="Arial Unicode MS" panose="020B0604020202020204" pitchFamily="34" charset="-128"/>
+                  <a:buChar char="▶"/>
+                </a:pPr>
+                <a:r>
+                  <a:rPr lang="en-CA" sz="3600" dirty="0"/>
+                  <a:t>Accuracy maximized at </a:t>
+                </a:r>
+                <a14:m>
+                  <m:oMath xmlns:m="http://schemas.openxmlformats.org/officeDocument/2006/math">
+                    <m:r>
+                      <a:rPr lang="en-CA" sz="3600" b="0" i="1" smtClean="0">
+                        <a:latin typeface="Cambria Math" panose="02040503050406030204" pitchFamily="18" charset="0"/>
+                      </a:rPr>
+                      <m:t>𝛼</m:t>
+                    </m:r>
+                    <m:r>
+                      <a:rPr lang="en-CA" sz="3600" b="0" i="1" smtClean="0">
+                        <a:latin typeface="Cambria Math" panose="02040503050406030204" pitchFamily="18" charset="0"/>
+                      </a:rPr>
+                      <m:t>=0.5</m:t>
+                    </m:r>
+                  </m:oMath>
+                </a14:m>
+                <a:r>
+                  <a:rPr lang="en-CA" sz="3600" dirty="0"/>
+                  <a:t> weighting between Twitter and Wikipedia.</a:t>
+                </a:r>
+              </a:p>
+              <a:p>
+                <a:pPr marL="571500" indent="-571500">
+                  <a:buClr>
+                    <a:schemeClr val="accent4"/>
+                  </a:buClr>
+                  <a:buFont typeface="Arial Unicode MS" panose="020B0604020202020204" pitchFamily="34" charset="-128"/>
+                  <a:buChar char="▶"/>
+                </a:pPr>
+                <a:r>
+                  <a:rPr lang="en-CA" sz="3600" dirty="0"/>
+                  <a:t>Accuracy grows linearly with the number of recommendations, but significantly better than random.</a:t>
+                </a:r>
+              </a:p>
+              <a:p>
+                <a:pPr marL="571500" indent="-571500">
+                  <a:buClr>
+                    <a:schemeClr val="accent4"/>
+                  </a:buClr>
+                  <a:buFont typeface="Arial Unicode MS" panose="020B0604020202020204" pitchFamily="34" charset="-128"/>
+                  <a:buChar char="▶"/>
+                </a:pPr>
+                <a:r>
+                  <a:rPr lang="en-CA" sz="3600" dirty="0"/>
+                  <a:t>Many opportunities for future work and improvement.</a:t>
+                </a:r>
+              </a:p>
+            </p:txBody>
+          </p:sp>
+        </mc:Choice>
+        <mc:Fallback>
+          <p:sp>
+            <p:nvSpPr>
+              <p:cNvPr id="47" name="TextBox 46"/>
+              <p:cNvSpPr txBox="1">
+                <a:spLocks noRot="1" noChangeAspect="1" noMove="1" noResize="1" noEditPoints="1" noAdjustHandles="1" noChangeArrowheads="1" noChangeShapeType="1" noTextEdit="1"/>
+              </p:cNvSpPr>
+              <p:nvPr/>
+            </p:nvSpPr>
+            <p:spPr>
+              <a:xfrm>
+                <a:off x="22357513" y="16355950"/>
+                <a:ext cx="9802381" cy="3970318"/>
+              </a:xfrm>
+              <a:prstGeom prst="rect">
+                <a:avLst/>
+              </a:prstGeom>
+              <a:blipFill>
+                <a:blip r:embed="rId11"/>
+                <a:stretch>
+                  <a:fillRect l="-2239" t="-4301" b="-4916"/>
+                </a:stretch>
+              </a:blipFill>
+            </p:spPr>
+            <p:txBody>
+              <a:bodyPr/>
+              <a:lstStyle/>
+              <a:p>
+                <a:r>
+                  <a:rPr lang="en-CA">
+                    <a:noFill/>
+                  </a:rPr>
+                  <a:t> </a:t>
+                </a:r>
+              </a:p>
+            </p:txBody>
+          </p:sp>
+        </mc:Fallback>
+      </mc:AlternateContent>
     </p:spTree>
     <p:extLst>
       <p:ext uri="{BB962C8B-B14F-4D97-AF65-F5344CB8AC3E}">
@@ -6843,13 +9268,6 @@
   <p:clrMapOvr>
     <a:masterClrMapping/>
   </p:clrMapOvr>
-  <p:timing>
-    <p:tnLst>
-      <p:par>
-        <p:cTn id="1" dur="indefinite" restart="never" nodeType="tmRoot"/>
-      </p:par>
-    </p:tnLst>
-  </p:timing>
 </p:sld>
 </file>
 
